--- a/PPTs/Ch6_ARM_Flow_Control.pptx
+++ b/PPTs/Ch6_ARM_Flow_Control.pptx
@@ -17,32 +17,32 @@
     <p:sldId id="282" r:id="rId8"/>
     <p:sldId id="285" r:id="rId9"/>
     <p:sldId id="284" r:id="rId10"/>
-    <p:sldId id="277" r:id="rId11"/>
-    <p:sldId id="349" r:id="rId12"/>
-    <p:sldId id="381" r:id="rId13"/>
-    <p:sldId id="553" r:id="rId14"/>
-    <p:sldId id="352" r:id="rId15"/>
-    <p:sldId id="357" r:id="rId16"/>
-    <p:sldId id="350" r:id="rId17"/>
-    <p:sldId id="351" r:id="rId18"/>
-    <p:sldId id="300" r:id="rId19"/>
-    <p:sldId id="355" r:id="rId20"/>
-    <p:sldId id="344" r:id="rId21"/>
-    <p:sldId id="345" r:id="rId22"/>
-    <p:sldId id="299" r:id="rId23"/>
-    <p:sldId id="297" r:id="rId24"/>
-    <p:sldId id="298" r:id="rId25"/>
-    <p:sldId id="321" r:id="rId26"/>
-    <p:sldId id="322" r:id="rId27"/>
-    <p:sldId id="323" r:id="rId28"/>
-    <p:sldId id="325" r:id="rId29"/>
-    <p:sldId id="326" r:id="rId30"/>
-    <p:sldId id="327" r:id="rId31"/>
-    <p:sldId id="303" r:id="rId32"/>
-    <p:sldId id="339" r:id="rId33"/>
-    <p:sldId id="340" r:id="rId34"/>
-    <p:sldId id="324" r:id="rId35"/>
-    <p:sldId id="335" r:id="rId36"/>
+    <p:sldId id="554" r:id="rId11"/>
+    <p:sldId id="277" r:id="rId12"/>
+    <p:sldId id="349" r:id="rId13"/>
+    <p:sldId id="381" r:id="rId14"/>
+    <p:sldId id="553" r:id="rId15"/>
+    <p:sldId id="352" r:id="rId16"/>
+    <p:sldId id="357" r:id="rId17"/>
+    <p:sldId id="350" r:id="rId18"/>
+    <p:sldId id="351" r:id="rId19"/>
+    <p:sldId id="300" r:id="rId20"/>
+    <p:sldId id="355" r:id="rId21"/>
+    <p:sldId id="344" r:id="rId22"/>
+    <p:sldId id="345" r:id="rId23"/>
+    <p:sldId id="299" r:id="rId24"/>
+    <p:sldId id="297" r:id="rId25"/>
+    <p:sldId id="298" r:id="rId26"/>
+    <p:sldId id="321" r:id="rId27"/>
+    <p:sldId id="322" r:id="rId28"/>
+    <p:sldId id="323" r:id="rId29"/>
+    <p:sldId id="325" r:id="rId30"/>
+    <p:sldId id="326" r:id="rId31"/>
+    <p:sldId id="327" r:id="rId32"/>
+    <p:sldId id="303" r:id="rId33"/>
+    <p:sldId id="339" r:id="rId34"/>
+    <p:sldId id="340" r:id="rId35"/>
+    <p:sldId id="324" r:id="rId36"/>
     <p:sldId id="336" r:id="rId37"/>
     <p:sldId id="313" r:id="rId38"/>
     <p:sldId id="332" r:id="rId39"/>
@@ -169,7 +169,7 @@
 <file path=ppt/revisionInfo.xml><?xml version="1.0" encoding="utf-8"?>
 <p1510:revInfo xmlns:a="http://schemas.openxmlformats.org/drawingml/2006/main" xmlns:r="http://schemas.openxmlformats.org/officeDocument/2006/relationships" xmlns:p1510="http://schemas.microsoft.com/office/powerpoint/2015/10/main">
   <p1510:revLst>
-    <p1510:client id="{1EA3FE3A-749A-4FFC-9B73-CF8E41208FC4}" v="225" dt="2025-09-24T23:59:02.511"/>
+    <p1510:client id="{1EA3FE3A-749A-4FFC-9B73-CF8E41208FC4}" v="341" dt="2025-09-26T21:58:54.051"/>
   </p1510:revLst>
 </p1510:revInfo>
 </file>
@@ -179,7 +179,7 @@
   <pc:docChgLst>
     <pc:chgData name="Zonghua Gu" userId="9a7e1853e1951ef5" providerId="LiveId" clId="{CF1FAA12-072C-4ED5-BA76-0FFFAEFDB88A}"/>
     <pc:docChg chg="undo custSel addSld delSld modSld sldOrd">
-      <pc:chgData name="Zonghua Gu" userId="9a7e1853e1951ef5" providerId="LiveId" clId="{CF1FAA12-072C-4ED5-BA76-0FFFAEFDB88A}" dt="2025-09-24T23:59:36.418" v="2335" actId="27636"/>
+      <pc:chgData name="Zonghua Gu" userId="9a7e1853e1951ef5" providerId="LiveId" clId="{CF1FAA12-072C-4ED5-BA76-0FFFAEFDB88A}" dt="2025-09-26T22:01:09.619" v="2676" actId="47"/>
       <pc:docMkLst>
         <pc:docMk/>
       </pc:docMkLst>
@@ -230,13 +230,13 @@
         </pc:spChg>
       </pc:sldChg>
       <pc:sldChg chg="addSp modSp mod">
-        <pc:chgData name="Zonghua Gu" userId="9a7e1853e1951ef5" providerId="LiveId" clId="{CF1FAA12-072C-4ED5-BA76-0FFFAEFDB88A}" dt="2025-09-17T18:21:52.539" v="283" actId="20577"/>
+        <pc:chgData name="Zonghua Gu" userId="9a7e1853e1951ef5" providerId="LiveId" clId="{CF1FAA12-072C-4ED5-BA76-0FFFAEFDB88A}" dt="2025-09-26T21:50:21.184" v="2615" actId="20577"/>
         <pc:sldMkLst>
           <pc:docMk/>
           <pc:sldMk cId="3856419856" sldId="284"/>
         </pc:sldMkLst>
         <pc:spChg chg="mod">
-          <ac:chgData name="Zonghua Gu" userId="9a7e1853e1951ef5" providerId="LiveId" clId="{CF1FAA12-072C-4ED5-BA76-0FFFAEFDB88A}" dt="2025-09-17T18:18:01.723" v="208" actId="6549"/>
+          <ac:chgData name="Zonghua Gu" userId="9a7e1853e1951ef5" providerId="LiveId" clId="{CF1FAA12-072C-4ED5-BA76-0FFFAEFDB88A}" dt="2025-09-26T21:50:21.184" v="2615" actId="20577"/>
           <ac:spMkLst>
             <pc:docMk/>
             <pc:sldMk cId="3856419856" sldId="284"/>
@@ -289,14 +289,6 @@
           <pc:docMk/>
           <pc:sldMk cId="1977878706" sldId="292"/>
         </pc:sldMkLst>
-        <pc:picChg chg="add del mod">
-          <ac:chgData name="Zonghua Gu" userId="9a7e1853e1951ef5" providerId="LiveId" clId="{CF1FAA12-072C-4ED5-BA76-0FFFAEFDB88A}" dt="2025-09-24T22:54:01.279" v="1445" actId="478"/>
-          <ac:picMkLst>
-            <pc:docMk/>
-            <pc:sldMk cId="1977878706" sldId="292"/>
-            <ac:picMk id="4" creationId="{4DC15C1F-B762-E7A4-4A07-262DFE320314}"/>
-          </ac:picMkLst>
-        </pc:picChg>
       </pc:sldChg>
       <pc:sldChg chg="modSp mod modNotesTx">
         <pc:chgData name="Zonghua Gu" userId="9a7e1853e1951ef5" providerId="LiveId" clId="{CF1FAA12-072C-4ED5-BA76-0FFFAEFDB88A}" dt="2025-09-17T19:15:17.814" v="641" actId="20577"/>
@@ -471,13 +463,13 @@
         </pc:spChg>
       </pc:sldChg>
       <pc:sldChg chg="addSp delSp modSp mod">
-        <pc:chgData name="Zonghua Gu" userId="9a7e1853e1951ef5" providerId="LiveId" clId="{CF1FAA12-072C-4ED5-BA76-0FFFAEFDB88A}" dt="2025-09-17T19:21:04.893" v="646" actId="207"/>
+        <pc:chgData name="Zonghua Gu" userId="9a7e1853e1951ef5" providerId="LiveId" clId="{CF1FAA12-072C-4ED5-BA76-0FFFAEFDB88A}" dt="2025-09-26T21:57:26.415" v="2621" actId="14100"/>
         <pc:sldMkLst>
           <pc:docMk/>
           <pc:sldMk cId="3293036044" sldId="326"/>
         </pc:sldMkLst>
         <pc:spChg chg="add mod">
-          <ac:chgData name="Zonghua Gu" userId="9a7e1853e1951ef5" providerId="LiveId" clId="{CF1FAA12-072C-4ED5-BA76-0FFFAEFDB88A}" dt="2025-09-17T17:48:15.148" v="101" actId="14100"/>
+          <ac:chgData name="Zonghua Gu" userId="9a7e1853e1951ef5" providerId="LiveId" clId="{CF1FAA12-072C-4ED5-BA76-0FFFAEFDB88A}" dt="2025-09-26T21:57:26.415" v="2621" actId="14100"/>
           <ac:spMkLst>
             <pc:docMk/>
             <pc:sldMk cId="3293036044" sldId="326"/>
@@ -494,13 +486,13 @@
         </pc:spChg>
       </pc:sldChg>
       <pc:sldChg chg="addSp delSp modSp mod">
-        <pc:chgData name="Zonghua Gu" userId="9a7e1853e1951ef5" providerId="LiveId" clId="{CF1FAA12-072C-4ED5-BA76-0FFFAEFDB88A}" dt="2025-09-17T19:22:10.137" v="661" actId="1035"/>
+        <pc:chgData name="Zonghua Gu" userId="9a7e1853e1951ef5" providerId="LiveId" clId="{CF1FAA12-072C-4ED5-BA76-0FFFAEFDB88A}" dt="2025-09-26T21:57:12.305" v="2620" actId="14100"/>
         <pc:sldMkLst>
           <pc:docMk/>
           <pc:sldMk cId="2322116273" sldId="327"/>
         </pc:sldMkLst>
         <pc:spChg chg="add mod">
-          <ac:chgData name="Zonghua Gu" userId="9a7e1853e1951ef5" providerId="LiveId" clId="{CF1FAA12-072C-4ED5-BA76-0FFFAEFDB88A}" dt="2025-09-17T17:48:25.413" v="104" actId="14100"/>
+          <ac:chgData name="Zonghua Gu" userId="9a7e1853e1951ef5" providerId="LiveId" clId="{CF1FAA12-072C-4ED5-BA76-0FFFAEFDB88A}" dt="2025-09-26T21:57:12.305" v="2620" actId="14100"/>
           <ac:spMkLst>
             <pc:docMk/>
             <pc:sldMk cId="2322116273" sldId="327"/>
@@ -523,67 +515,27 @@
           <pc:sldMk cId="3601302061" sldId="331"/>
         </pc:sldMkLst>
       </pc:sldChg>
-      <pc:sldChg chg="addSp modSp mod">
-        <pc:chgData name="Zonghua Gu" userId="9a7e1853e1951ef5" providerId="LiveId" clId="{CF1FAA12-072C-4ED5-BA76-0FFFAEFDB88A}" dt="2025-09-24T23:14:10.608" v="1538" actId="1035"/>
+      <pc:sldChg chg="addSp modSp del mod">
+        <pc:chgData name="Zonghua Gu" userId="9a7e1853e1951ef5" providerId="LiveId" clId="{CF1FAA12-072C-4ED5-BA76-0FFFAEFDB88A}" dt="2025-09-26T21:53:18.503" v="2618" actId="2696"/>
         <pc:sldMkLst>
           <pc:docMk/>
           <pc:sldMk cId="4015228595" sldId="335"/>
         </pc:sldMkLst>
-        <pc:spChg chg="add mod">
-          <ac:chgData name="Zonghua Gu" userId="9a7e1853e1951ef5" providerId="LiveId" clId="{CF1FAA12-072C-4ED5-BA76-0FFFAEFDB88A}" dt="2025-09-17T19:29:02.925" v="789" actId="14100"/>
-          <ac:spMkLst>
-            <pc:docMk/>
-            <pc:sldMk cId="4015228595" sldId="335"/>
-            <ac:spMk id="2" creationId="{63AD5224-522C-18FC-A5C0-4CAEE167F4A7}"/>
-          </ac:spMkLst>
-        </pc:spChg>
-        <pc:spChg chg="add mod">
-          <ac:chgData name="Zonghua Gu" userId="9a7e1853e1951ef5" providerId="LiveId" clId="{CF1FAA12-072C-4ED5-BA76-0FFFAEFDB88A}" dt="2025-09-17T19:29:24.092" v="791" actId="14100"/>
-          <ac:spMkLst>
-            <pc:docMk/>
-            <pc:sldMk cId="4015228595" sldId="335"/>
-            <ac:spMk id="3" creationId="{D6951C95-8873-B916-2166-BF641EF82FD2}"/>
-          </ac:spMkLst>
-        </pc:spChg>
-        <pc:spChg chg="add mod">
-          <ac:chgData name="Zonghua Gu" userId="9a7e1853e1951ef5" providerId="LiveId" clId="{CF1FAA12-072C-4ED5-BA76-0FFFAEFDB88A}" dt="2025-09-17T19:30:28.521" v="796" actId="1076"/>
-          <ac:spMkLst>
-            <pc:docMk/>
-            <pc:sldMk cId="4015228595" sldId="335"/>
-            <ac:spMk id="4" creationId="{BF8ADD12-38AC-2F78-06EF-691CD8EC6539}"/>
-          </ac:spMkLst>
-        </pc:spChg>
-        <pc:spChg chg="add mod">
-          <ac:chgData name="Zonghua Gu" userId="9a7e1853e1951ef5" providerId="LiveId" clId="{CF1FAA12-072C-4ED5-BA76-0FFFAEFDB88A}" dt="2025-09-17T19:30:46.115" v="799" actId="14100"/>
-          <ac:spMkLst>
-            <pc:docMk/>
-            <pc:sldMk cId="4015228595" sldId="335"/>
-            <ac:spMk id="5" creationId="{CC7A2AF8-E930-2C88-AA7D-100ACAD1C1CD}"/>
-          </ac:spMkLst>
-        </pc:spChg>
-        <pc:spChg chg="add mod">
-          <ac:chgData name="Zonghua Gu" userId="9a7e1853e1951ef5" providerId="LiveId" clId="{CF1FAA12-072C-4ED5-BA76-0FFFAEFDB88A}" dt="2025-09-24T23:14:10.608" v="1538" actId="1035"/>
-          <ac:spMkLst>
-            <pc:docMk/>
-            <pc:sldMk cId="4015228595" sldId="335"/>
-            <ac:spMk id="6" creationId="{05A93BF7-A206-F2CA-CC13-D14DF785DD1A}"/>
-          </ac:spMkLst>
-        </pc:spChg>
-        <pc:grpChg chg="mod">
-          <ac:chgData name="Zonghua Gu" userId="9a7e1853e1951ef5" providerId="LiveId" clId="{CF1FAA12-072C-4ED5-BA76-0FFFAEFDB88A}" dt="2025-09-24T23:14:03.364" v="1530" actId="1035"/>
-          <ac:grpSpMkLst>
-            <pc:docMk/>
-            <pc:sldMk cId="4015228595" sldId="335"/>
-            <ac:grpSpMk id="66" creationId="{00000000-0000-0000-0000-000000000000}"/>
-          </ac:grpSpMkLst>
-        </pc:grpChg>
       </pc:sldChg>
       <pc:sldChg chg="addSp modSp mod">
-        <pc:chgData name="Zonghua Gu" userId="9a7e1853e1951ef5" providerId="LiveId" clId="{CF1FAA12-072C-4ED5-BA76-0FFFAEFDB88A}" dt="2025-09-17T19:50:28.469" v="1070" actId="14100"/>
+        <pc:chgData name="Zonghua Gu" userId="9a7e1853e1951ef5" providerId="LiveId" clId="{CF1FAA12-072C-4ED5-BA76-0FFFAEFDB88A}" dt="2025-09-26T21:53:23.400" v="2619" actId="20577"/>
         <pc:sldMkLst>
           <pc:docMk/>
           <pc:sldMk cId="1520596659" sldId="336"/>
         </pc:sldMkLst>
+        <pc:spChg chg="mod">
+          <ac:chgData name="Zonghua Gu" userId="9a7e1853e1951ef5" providerId="LiveId" clId="{CF1FAA12-072C-4ED5-BA76-0FFFAEFDB88A}" dt="2025-09-26T21:53:23.400" v="2619" actId="20577"/>
+          <ac:spMkLst>
+            <pc:docMk/>
+            <pc:sldMk cId="1520596659" sldId="336"/>
+            <ac:spMk id="2" creationId="{00000000-0000-0000-0000-000000000000}"/>
+          </ac:spMkLst>
+        </pc:spChg>
         <pc:spChg chg="add mod">
           <ac:chgData name="Zonghua Gu" userId="9a7e1853e1951ef5" providerId="LiveId" clId="{CF1FAA12-072C-4ED5-BA76-0FFFAEFDB88A}" dt="2025-09-17T19:50:28.469" v="1070" actId="14100"/>
           <ac:spMkLst>
@@ -714,14 +666,6 @@
           <pc:docMk/>
           <pc:sldMk cId="2158482455" sldId="350"/>
         </pc:sldMkLst>
-        <pc:picChg chg="add del mod">
-          <ac:chgData name="Zonghua Gu" userId="9a7e1853e1951ef5" providerId="LiveId" clId="{CF1FAA12-072C-4ED5-BA76-0FFFAEFDB88A}" dt="2025-09-24T22:57:17.600" v="1460" actId="478"/>
-          <ac:picMkLst>
-            <pc:docMk/>
-            <pc:sldMk cId="2158482455" sldId="350"/>
-            <ac:picMk id="6" creationId="{5567EE16-F672-4658-49E0-DF7FD331CA6D}"/>
-          </ac:picMkLst>
-        </pc:picChg>
       </pc:sldChg>
       <pc:sldChg chg="del">
         <pc:chgData name="Zonghua Gu" userId="9a7e1853e1951ef5" providerId="LiveId" clId="{CF1FAA12-072C-4ED5-BA76-0FFFAEFDB88A}" dt="2025-09-24T22:56:06.174" v="1454" actId="2696"/>
@@ -736,14 +680,6 @@
           <pc:docMk/>
           <pc:sldMk cId="1558414871" sldId="351"/>
         </pc:sldMkLst>
-        <pc:spChg chg="mod">
-          <ac:chgData name="Zonghua Gu" userId="9a7e1853e1951ef5" providerId="LiveId" clId="{CF1FAA12-072C-4ED5-BA76-0FFFAEFDB88A}" dt="2025-09-24T22:54:55.344" v="1453" actId="20577"/>
-          <ac:spMkLst>
-            <pc:docMk/>
-            <pc:sldMk cId="1558414871" sldId="351"/>
-            <ac:spMk id="2" creationId="{00000000-0000-0000-0000-000000000000}"/>
-          </ac:spMkLst>
-        </pc:spChg>
       </pc:sldChg>
       <pc:sldChg chg="addSp delSp add mod">
         <pc:chgData name="Zonghua Gu" userId="9a7e1853e1951ef5" providerId="LiveId" clId="{CF1FAA12-072C-4ED5-BA76-0FFFAEFDB88A}" dt="2025-09-24T23:08:36.696" v="1463" actId="22"/>
@@ -751,14 +687,6 @@
           <pc:docMk/>
           <pc:sldMk cId="4167967629" sldId="351"/>
         </pc:sldMkLst>
-        <pc:picChg chg="add del">
-          <ac:chgData name="Zonghua Gu" userId="9a7e1853e1951ef5" providerId="LiveId" clId="{CF1FAA12-072C-4ED5-BA76-0FFFAEFDB88A}" dt="2025-09-24T23:08:36.696" v="1463" actId="22"/>
-          <ac:picMkLst>
-            <pc:docMk/>
-            <pc:sldMk cId="4167967629" sldId="351"/>
-            <ac:picMk id="6" creationId="{6F6F0A56-E724-B907-14B0-84E7790C4C84}"/>
-          </ac:picMkLst>
-        </pc:picChg>
       </pc:sldChg>
       <pc:sldChg chg="addSp delSp add mod ord">
         <pc:chgData name="Zonghua Gu" userId="9a7e1853e1951ef5" providerId="LiveId" clId="{CF1FAA12-072C-4ED5-BA76-0FFFAEFDB88A}" dt="2025-09-24T23:29:16.904" v="1828"/>
@@ -766,14 +694,6 @@
           <pc:docMk/>
           <pc:sldMk cId="2083494270" sldId="352"/>
         </pc:sldMkLst>
-        <pc:picChg chg="add del">
-          <ac:chgData name="Zonghua Gu" userId="9a7e1853e1951ef5" providerId="LiveId" clId="{CF1FAA12-072C-4ED5-BA76-0FFFAEFDB88A}" dt="2025-09-24T23:08:39.363" v="1465" actId="22"/>
-          <ac:picMkLst>
-            <pc:docMk/>
-            <pc:sldMk cId="2083494270" sldId="352"/>
-            <ac:picMk id="5" creationId="{3EC005D9-706A-AA24-26CD-1BA5B790B502}"/>
-          </ac:picMkLst>
-        </pc:picChg>
       </pc:sldChg>
       <pc:sldChg chg="del">
         <pc:chgData name="Zonghua Gu" userId="9a7e1853e1951ef5" providerId="LiveId" clId="{CF1FAA12-072C-4ED5-BA76-0FFFAEFDB88A}" dt="2025-09-24T22:56:06.174" v="1454" actId="2696"/>
@@ -788,14 +708,6 @@
           <pc:docMk/>
           <pc:sldMk cId="1307188585" sldId="353"/>
         </pc:sldMkLst>
-        <pc:picChg chg="add del">
-          <ac:chgData name="Zonghua Gu" userId="9a7e1853e1951ef5" providerId="LiveId" clId="{CF1FAA12-072C-4ED5-BA76-0FFFAEFDB88A}" dt="2025-09-24T22:54:30.897" v="1447" actId="22"/>
-          <ac:picMkLst>
-            <pc:docMk/>
-            <pc:sldMk cId="1307188585" sldId="353"/>
-            <ac:picMk id="6" creationId="{E73A0BCD-5CEB-E377-27D8-923EDFBEA2A3}"/>
-          </ac:picMkLst>
-        </pc:picChg>
       </pc:sldChg>
       <pc:sldChg chg="modSp add del mod">
         <pc:chgData name="Zonghua Gu" userId="9a7e1853e1951ef5" providerId="LiveId" clId="{CF1FAA12-072C-4ED5-BA76-0FFFAEFDB88A}" dt="2025-09-17T19:10:46.472" v="630" actId="47"/>
@@ -886,22 +798,6 @@
           <pc:docMk/>
           <pc:sldMk cId="2834520986" sldId="377"/>
         </pc:sldMkLst>
-        <pc:spChg chg="mod">
-          <ac:chgData name="Zonghua Gu" userId="9a7e1853e1951ef5" providerId="LiveId" clId="{CF1FAA12-072C-4ED5-BA76-0FFFAEFDB88A}" dt="2025-09-23T18:41:11.855" v="1357" actId="403"/>
-          <ac:spMkLst>
-            <pc:docMk/>
-            <pc:sldMk cId="2834520986" sldId="377"/>
-            <ac:spMk id="2" creationId="{7BAE58F7-DD2C-7131-891F-4C21E8AC642B}"/>
-          </ac:spMkLst>
-        </pc:spChg>
-        <pc:graphicFrameChg chg="mod modGraphic">
-          <ac:chgData name="Zonghua Gu" userId="9a7e1853e1951ef5" providerId="LiveId" clId="{CF1FAA12-072C-4ED5-BA76-0FFFAEFDB88A}" dt="2025-09-23T18:40:48.450" v="1355" actId="1076"/>
-          <ac:graphicFrameMkLst>
-            <pc:docMk/>
-            <pc:sldMk cId="2834520986" sldId="377"/>
-            <ac:graphicFrameMk id="7" creationId="{2953B4AB-BCAF-439D-6351-9E157BE57934}"/>
-          </ac:graphicFrameMkLst>
-        </pc:graphicFrameChg>
       </pc:sldChg>
       <pc:sldChg chg="addSp delSp modSp add del mod">
         <pc:chgData name="Zonghua Gu" userId="9a7e1853e1951ef5" providerId="LiveId" clId="{CF1FAA12-072C-4ED5-BA76-0FFFAEFDB88A}" dt="2025-09-23T18:50:15.034" v="1442" actId="2696"/>
@@ -909,30 +805,6 @@
           <pc:docMk/>
           <pc:sldMk cId="3787471858" sldId="378"/>
         </pc:sldMkLst>
-        <pc:spChg chg="del mod">
-          <ac:chgData name="Zonghua Gu" userId="9a7e1853e1951ef5" providerId="LiveId" clId="{CF1FAA12-072C-4ED5-BA76-0FFFAEFDB88A}" dt="2025-09-23T18:48:33.539" v="1439" actId="478"/>
-          <ac:spMkLst>
-            <pc:docMk/>
-            <pc:sldMk cId="3787471858" sldId="378"/>
-            <ac:spMk id="2" creationId="{201D7F96-0455-70A0-7B19-6553F987FE47}"/>
-          </ac:spMkLst>
-        </pc:spChg>
-        <pc:spChg chg="add del mod">
-          <ac:chgData name="Zonghua Gu" userId="9a7e1853e1951ef5" providerId="LiveId" clId="{CF1FAA12-072C-4ED5-BA76-0FFFAEFDB88A}" dt="2025-09-23T18:48:37.046" v="1440" actId="478"/>
-          <ac:spMkLst>
-            <pc:docMk/>
-            <pc:sldMk cId="3787471858" sldId="378"/>
-            <ac:spMk id="5" creationId="{5CF67425-7DAF-5AF9-5D98-6EC87F795DC8}"/>
-          </ac:spMkLst>
-        </pc:spChg>
-        <pc:graphicFrameChg chg="mod modGraphic">
-          <ac:chgData name="Zonghua Gu" userId="9a7e1853e1951ef5" providerId="LiveId" clId="{CF1FAA12-072C-4ED5-BA76-0FFFAEFDB88A}" dt="2025-09-23T18:48:41.512" v="1441" actId="1076"/>
-          <ac:graphicFrameMkLst>
-            <pc:docMk/>
-            <pc:sldMk cId="3787471858" sldId="378"/>
-            <ac:graphicFrameMk id="7" creationId="{DB4E8B4B-1895-49D3-FD91-59A91C51E14A}"/>
-          </ac:graphicFrameMkLst>
-        </pc:graphicFrameChg>
       </pc:sldChg>
       <pc:sldChg chg="addSp modSp add modNotesTx">
         <pc:chgData name="Zonghua Gu" userId="9a7e1853e1951ef5" providerId="LiveId" clId="{CF1FAA12-072C-4ED5-BA76-0FFFAEFDB88A}" dt="2025-09-24T23:52:52.846" v="2166" actId="20577"/>
@@ -963,20 +835,105 @@
             <ac:spMk id="3" creationId="{4DF73044-40F3-F2D2-4520-3537F47168BE}"/>
           </ac:spMkLst>
         </pc:spChg>
-        <pc:spChg chg="del">
-          <ac:chgData name="Zonghua Gu" userId="9a7e1853e1951ef5" providerId="LiveId" clId="{CF1FAA12-072C-4ED5-BA76-0FFFAEFDB88A}" dt="2025-09-24T23:34:25.336" v="1849" actId="478"/>
-          <ac:spMkLst>
-            <pc:docMk/>
-            <pc:sldMk cId="1202265337" sldId="553"/>
-            <ac:spMk id="4" creationId="{51A20273-4ADB-8F2F-4C2F-4C2673BEF0D9}"/>
-          </ac:spMkLst>
-        </pc:spChg>
         <pc:spChg chg="mod">
           <ac:chgData name="Zonghua Gu" userId="9a7e1853e1951ef5" providerId="LiveId" clId="{CF1FAA12-072C-4ED5-BA76-0FFFAEFDB88A}" dt="2025-09-24T23:34:20.113" v="1848" actId="108"/>
           <ac:spMkLst>
             <pc:docMk/>
             <pc:sldMk cId="1202265337" sldId="553"/>
             <ac:spMk id="38914" creationId="{00000000-0000-0000-0000-000000000000}"/>
+          </ac:spMkLst>
+        </pc:spChg>
+      </pc:sldChg>
+      <pc:sldChg chg="addSp modSp new mod">
+        <pc:chgData name="Zonghua Gu" userId="9a7e1853e1951ef5" providerId="LiveId" clId="{CF1FAA12-072C-4ED5-BA76-0FFFAEFDB88A}" dt="2025-09-26T21:50:51.666" v="2617" actId="20577"/>
+        <pc:sldMkLst>
+          <pc:docMk/>
+          <pc:sldMk cId="2974562210" sldId="554"/>
+        </pc:sldMkLst>
+        <pc:spChg chg="mod">
+          <ac:chgData name="Zonghua Gu" userId="9a7e1853e1951ef5" providerId="LiveId" clId="{CF1FAA12-072C-4ED5-BA76-0FFFAEFDB88A}" dt="2025-09-26T21:50:51.666" v="2617" actId="20577"/>
+          <ac:spMkLst>
+            <pc:docMk/>
+            <pc:sldMk cId="2974562210" sldId="554"/>
+            <ac:spMk id="2" creationId="{EA2B27C1-1F30-01B4-EDA5-AA372A7564E3}"/>
+          </ac:spMkLst>
+        </pc:spChg>
+        <pc:spChg chg="mod">
+          <ac:chgData name="Zonghua Gu" userId="9a7e1853e1951ef5" providerId="LiveId" clId="{CF1FAA12-072C-4ED5-BA76-0FFFAEFDB88A}" dt="2025-09-26T21:37:47.497" v="2425" actId="15"/>
+          <ac:spMkLst>
+            <pc:docMk/>
+            <pc:sldMk cId="2974562210" sldId="554"/>
+            <ac:spMk id="4" creationId="{0994813A-6090-94C3-BB20-0506E22F6AC2}"/>
+          </ac:spMkLst>
+        </pc:spChg>
+        <pc:spChg chg="add mod">
+          <ac:chgData name="Zonghua Gu" userId="9a7e1853e1951ef5" providerId="LiveId" clId="{CF1FAA12-072C-4ED5-BA76-0FFFAEFDB88A}" dt="2025-09-26T21:38:00.419" v="2429" actId="1076"/>
+          <ac:spMkLst>
+            <pc:docMk/>
+            <pc:sldMk cId="2974562210" sldId="554"/>
+            <ac:spMk id="5" creationId="{35FA7799-1206-B233-B834-C4D6CB77EC59}"/>
+          </ac:spMkLst>
+        </pc:spChg>
+        <pc:spChg chg="add mod">
+          <ac:chgData name="Zonghua Gu" userId="9a7e1853e1951ef5" providerId="LiveId" clId="{CF1FAA12-072C-4ED5-BA76-0FFFAEFDB88A}" dt="2025-09-26T21:38:22.841" v="2431" actId="27636"/>
+          <ac:spMkLst>
+            <pc:docMk/>
+            <pc:sldMk cId="2974562210" sldId="554"/>
+            <ac:spMk id="6" creationId="{E5FFFCF9-37E2-4F46-BF73-3BA72A325AB2}"/>
+          </ac:spMkLst>
+        </pc:spChg>
+      </pc:sldChg>
+      <pc:sldChg chg="delSp modSp add del mod">
+        <pc:chgData name="Zonghua Gu" userId="9a7e1853e1951ef5" providerId="LiveId" clId="{CF1FAA12-072C-4ED5-BA76-0FFFAEFDB88A}" dt="2025-09-26T22:01:09.619" v="2676" actId="47"/>
+        <pc:sldMkLst>
+          <pc:docMk/>
+          <pc:sldMk cId="3710236611" sldId="555"/>
+        </pc:sldMkLst>
+        <pc:spChg chg="mod">
+          <ac:chgData name="Zonghua Gu" userId="9a7e1853e1951ef5" providerId="LiveId" clId="{CF1FAA12-072C-4ED5-BA76-0FFFAEFDB88A}" dt="2025-09-26T21:59:46.088" v="2675" actId="14100"/>
+          <ac:spMkLst>
+            <pc:docMk/>
+            <pc:sldMk cId="3710236611" sldId="555"/>
+            <ac:spMk id="4" creationId="{AE8C2661-9F32-8E69-9709-169406911DDF}"/>
+          </ac:spMkLst>
+        </pc:spChg>
+        <pc:spChg chg="mod">
+          <ac:chgData name="Zonghua Gu" userId="9a7e1853e1951ef5" providerId="LiveId" clId="{CF1FAA12-072C-4ED5-BA76-0FFFAEFDB88A}" dt="2025-09-26T21:59:23.885" v="2673" actId="20577"/>
+          <ac:spMkLst>
+            <pc:docMk/>
+            <pc:sldMk cId="3710236611" sldId="555"/>
+            <ac:spMk id="7" creationId="{2E5BDD33-147C-D20A-3902-D8FB348EA3DC}"/>
+          </ac:spMkLst>
+        </pc:spChg>
+        <pc:spChg chg="mod">
+          <ac:chgData name="Zonghua Gu" userId="9a7e1853e1951ef5" providerId="LiveId" clId="{CF1FAA12-072C-4ED5-BA76-0FFFAEFDB88A}" dt="2025-09-26T21:57:44.025" v="2624" actId="20577"/>
+          <ac:spMkLst>
+            <pc:docMk/>
+            <pc:sldMk cId="3710236611" sldId="555"/>
+            <ac:spMk id="9" creationId="{117AC121-2E97-BF8D-883B-274660C616C6}"/>
+          </ac:spMkLst>
+        </pc:spChg>
+        <pc:spChg chg="del">
+          <ac:chgData name="Zonghua Gu" userId="9a7e1853e1951ef5" providerId="LiveId" clId="{CF1FAA12-072C-4ED5-BA76-0FFFAEFDB88A}" dt="2025-09-26T21:59:36.276" v="2674" actId="478"/>
+          <ac:spMkLst>
+            <pc:docMk/>
+            <pc:sldMk cId="3710236611" sldId="555"/>
+            <ac:spMk id="10" creationId="{7279E37D-CE8D-9929-CC4D-122CB4243110}"/>
+          </ac:spMkLst>
+        </pc:spChg>
+      </pc:sldChg>
+      <pc:sldChg chg="modSp new del mod">
+        <pc:chgData name="Zonghua Gu" userId="9a7e1853e1951ef5" providerId="LiveId" clId="{CF1FAA12-072C-4ED5-BA76-0FFFAEFDB88A}" dt="2025-09-26T21:50:44.350" v="2616" actId="47"/>
+        <pc:sldMkLst>
+          <pc:docMk/>
+          <pc:sldMk cId="4232171471" sldId="555"/>
+        </pc:sldMkLst>
+        <pc:spChg chg="mod">
+          <ac:chgData name="Zonghua Gu" userId="9a7e1853e1951ef5" providerId="LiveId" clId="{CF1FAA12-072C-4ED5-BA76-0FFFAEFDB88A}" dt="2025-09-26T21:36:40.139" v="2379" actId="20577"/>
+          <ac:spMkLst>
+            <pc:docMk/>
+            <pc:sldMk cId="4232171471" sldId="555"/>
+            <ac:spMk id="4" creationId="{049C3311-7F7A-DBC1-531F-D9F1D44D9E51}"/>
           </ac:spMkLst>
         </pc:spChg>
       </pc:sldChg>
@@ -1120,7 +1077,7 @@
             <a:fld id="{2AEAFE1F-9E52-45C8-9793-E819F0044A1C}" type="datetimeFigureOut">
               <a:rPr lang="en-US" smtClean="0"/>
               <a:pPr/>
-              <a:t>9/24/2025</a:t>
+              <a:t>9/26/2025</a:t>
             </a:fld>
             <a:endParaRPr lang="en-US"/>
           </a:p>
@@ -1579,7 +1536,7 @@
             <a:fld id="{2D71AD5F-E36F-46B9-A99B-7B025244359D}" type="slidenum">
               <a:rPr lang="en-US" smtClean="0"/>
               <a:pPr/>
-              <a:t>26</a:t>
+              <a:t>27</a:t>
             </a:fld>
             <a:endParaRPr lang="en-US"/>
           </a:p>
@@ -2341,86 +2298,6 @@
       </p:grpSpPr>
       <p:sp>
         <p:nvSpPr>
-          <p:cNvPr id="47106" name="Rectangle 2"/>
-          <p:cNvSpPr>
-            <a:spLocks noGrp="1" noChangeArrowheads="1"/>
-          </p:cNvSpPr>
-          <p:nvPr>
-            <p:ph type="body" idx="1"/>
-          </p:nvPr>
-        </p:nvSpPr>
-        <p:spPr>
-          <a:xfrm>
-            <a:off x="924810" y="4404346"/>
-            <a:ext cx="5100458" cy="4170576"/>
-          </a:xfrm>
-          <a:solidFill>
-            <a:srgbClr val="FFFFFF"/>
-          </a:solidFill>
-          <a:ln>
-            <a:solidFill>
-              <a:srgbClr val="000000"/>
-            </a:solidFill>
-          </a:ln>
-        </p:spPr>
-        <p:txBody>
-          <a:bodyPr lIns="92350" tIns="46174" rIns="92350" bIns="46174"/>
-          <a:lstStyle/>
-          <a:p>
-            <a:endParaRPr lang="en-US" dirty="0"/>
-          </a:p>
-        </p:txBody>
-      </p:sp>
-      <p:sp>
-        <p:nvSpPr>
-          <p:cNvPr id="47107" name="Rectangle 3"/>
-          <p:cNvSpPr>
-            <a:spLocks noGrp="1" noRot="1" noChangeAspect="1" noChangeArrowheads="1" noTextEdit="1"/>
-          </p:cNvSpPr>
-          <p:nvPr>
-            <p:ph type="sldImg"/>
-          </p:nvPr>
-        </p:nvSpPr>
-        <p:spPr>
-          <a:xfrm>
-            <a:off x="1279525" y="863600"/>
-            <a:ext cx="4403725" cy="3303588"/>
-          </a:xfrm>
-          <a:ln/>
-        </p:spPr>
-      </p:sp>
-    </p:spTree>
-    <p:extLst>
-      <p:ext uri="{BB962C8B-B14F-4D97-AF65-F5344CB8AC3E}">
-        <p14:creationId xmlns:p14="http://schemas.microsoft.com/office/powerpoint/2010/main" val="2424995160"/>
-      </p:ext>
-    </p:extLst>
-  </p:cSld>
-  <p:clrMapOvr>
-    <a:masterClrMapping/>
-  </p:clrMapOvr>
-</p:notes>
-</file>
-
-<file path=ppt/notesSlides/notesSlide15.xml><?xml version="1.0" encoding="utf-8"?>
-<p:notes xmlns:a="http://schemas.openxmlformats.org/drawingml/2006/main" xmlns:r="http://schemas.openxmlformats.org/officeDocument/2006/relationships" xmlns:p="http://schemas.openxmlformats.org/presentationml/2006/main">
-  <p:cSld>
-    <p:spTree>
-      <p:nvGrpSpPr>
-        <p:cNvPr id="1" name=""/>
-        <p:cNvGrpSpPr/>
-        <p:nvPr/>
-      </p:nvGrpSpPr>
-      <p:grpSpPr>
-        <a:xfrm>
-          <a:off x="0" y="0"/>
-          <a:ext cx="0" cy="0"/>
-          <a:chOff x="0" y="0"/>
-          <a:chExt cx="0" cy="0"/>
-        </a:xfrm>
-      </p:grpSpPr>
-      <p:sp>
-        <p:nvSpPr>
           <p:cNvPr id="2" name="Slide Image Placeholder 1"/>
           <p:cNvSpPr>
             <a:spLocks noGrp="1" noRot="1" noChangeAspect="1"/>
@@ -2600,25 +2477,243 @@
         </p:nvSpPr>
         <p:spPr/>
       </p:sp>
-      <p:sp>
-        <p:nvSpPr>
-          <p:cNvPr id="3" name="Notes Placeholder 2"/>
-          <p:cNvSpPr>
-            <a:spLocks noGrp="1"/>
-          </p:cNvSpPr>
-          <p:nvPr>
-            <p:ph type="body" idx="1"/>
-          </p:nvPr>
-        </p:nvSpPr>
-        <p:spPr/>
-        <p:txBody>
-          <a:bodyPr/>
-          <a:lstStyle/>
-          <a:p>
-            <a:endParaRPr lang="en-US" dirty="0"/>
-          </a:p>
-        </p:txBody>
-      </p:sp>
+      <mc:AlternateContent xmlns:mc="http://schemas.openxmlformats.org/markup-compatibility/2006">
+        <mc:Choice xmlns:a14="http://schemas.microsoft.com/office/drawing/2010/main" Requires="a14">
+          <p:sp>
+            <p:nvSpPr>
+              <p:cNvPr id="3" name="Notes Placeholder 2"/>
+              <p:cNvSpPr>
+                <a:spLocks noGrp="1"/>
+              </p:cNvSpPr>
+              <p:nvPr>
+                <p:ph type="body" idx="1"/>
+              </p:nvPr>
+            </p:nvSpPr>
+            <p:spPr/>
+            <p:txBody>
+              <a:bodyPr/>
+              <a:lstStyle/>
+              <a:p>
+                <a:r>
+                  <a:rPr lang="en-US" sz="1000" dirty="0"/>
+                  <a:t>It </a:t>
+                </a:r>
+                <a:r>
+                  <a:rPr lang="en-US" dirty="0"/>
+                  <a:t>computes logical operation </a:t>
+                </a:r>
+                <a14:m>
+                  <m:oMath xmlns:m="http://schemas.openxmlformats.org/officeDocument/2006/math">
+                    <m:r>
+                      <a:rPr lang="en-US" i="1">
+                        <a:latin typeface="Cambria Math" panose="02040503050406030204" pitchFamily="18" charset="0"/>
+                      </a:rPr>
+                      <m:t>𝑅𝑑</m:t>
+                    </m:r>
+                    <m:r>
+                      <a:rPr lang="en-US">
+                        <a:latin typeface="Cambria Math" panose="02040503050406030204" pitchFamily="18" charset="0"/>
+                      </a:rPr>
+                      <m:t>⊕</m:t>
+                    </m:r>
+                    <m:r>
+                      <a:rPr lang="en-US" i="1">
+                        <a:latin typeface="Cambria Math" panose="02040503050406030204" pitchFamily="18" charset="0"/>
+                      </a:rPr>
+                      <m:t>𝑂𝑝</m:t>
+                    </m:r>
+                  </m:oMath>
+                </a14:m>
+                <a:r>
+                  <a:rPr lang="en-US" dirty="0"/>
+                  <a:t> internally, writes no result to a register, and updates the condition flags based on that XOR. </a:t>
+                </a:r>
+              </a:p>
+              <a:p>
+                <a:pPr marL="0" marR="0" lvl="0" indent="0" algn="l" defTabSz="914400" rtl="0" eaLnBrk="1" fontAlgn="auto" latinLnBrk="0" hangingPunct="1">
+                  <a:lnSpc>
+                    <a:spcPct val="100000"/>
+                  </a:lnSpc>
+                  <a:spcBef>
+                    <a:spcPts val="0"/>
+                  </a:spcBef>
+                  <a:spcAft>
+                    <a:spcPts val="0"/>
+                  </a:spcAft>
+                  <a:buClrTx/>
+                  <a:buSzTx/>
+                  <a:buFontTx/>
+                  <a:buNone/>
+                  <a:tabLst/>
+                  <a:defRPr/>
+                </a:pPr>
+                <a:r>
+                  <a:rPr lang="en-US" sz="1200" dirty="0"/>
+                  <a:t>If </a:t>
+                </a:r>
+                <a14:m>
+                  <m:oMath xmlns:m="http://schemas.openxmlformats.org/officeDocument/2006/math">
+                    <m:r>
+                      <a:rPr lang="en-US" sz="1200" i="1">
+                        <a:latin typeface="Cambria Math" panose="02040503050406030204" pitchFamily="18" charset="0"/>
+                      </a:rPr>
+                      <m:t>𝑅𝑛</m:t>
+                    </m:r>
+                    <m:r>
+                      <m:rPr>
+                        <m:nor/>
+                      </m:rPr>
+                      <a:rPr lang="en-US" sz="1200" b="0" i="0" smtClean="0">
+                        <a:latin typeface="Cambria Math" panose="02040503050406030204" pitchFamily="18" charset="0"/>
+                      </a:rPr>
+                      <m:t> </m:t>
+                    </m:r>
+                    <m:r>
+                      <m:rPr>
+                        <m:nor/>
+                      </m:rPr>
+                      <a:rPr lang="en-US"/>
+                      <m:t>∧</m:t>
+                    </m:r>
+                    <m:r>
+                      <m:rPr>
+                        <m:nor/>
+                      </m:rPr>
+                      <a:rPr lang="en-US" b="0" i="0" smtClean="0"/>
+                      <m:t> </m:t>
+                    </m:r>
+                    <m:r>
+                      <a:rPr lang="en-US" sz="1200" i="1">
+                        <a:latin typeface="Cambria Math" panose="02040503050406030204" pitchFamily="18" charset="0"/>
+                      </a:rPr>
+                      <m:t>𝑂𝑝𝑒𝑟𝑎𝑛𝑑</m:t>
+                    </m:r>
+                    <m:r>
+                      <a:rPr lang="en-US" sz="1200" i="1">
+                        <a:latin typeface="Cambria Math" panose="02040503050406030204" pitchFamily="18" charset="0"/>
+                      </a:rPr>
+                      <m:t>2</m:t>
+                    </m:r>
+                  </m:oMath>
+                </a14:m>
+                <a:r>
+                  <a:rPr lang="en-US" sz="1200" dirty="0"/>
+                  <a:t> is 0x0, then Rn and Operand2 are equal, Z is set to 1; otherwise Z is cleared.</a:t>
+                </a:r>
+                <a:endParaRPr lang="en-US" sz="1050" dirty="0"/>
+              </a:p>
+              <a:p>
+                <a:endParaRPr lang="en-US" dirty="0"/>
+              </a:p>
+            </p:txBody>
+          </p:sp>
+        </mc:Choice>
+        <mc:Fallback>
+          <p:sp>
+            <p:nvSpPr>
+              <p:cNvPr id="3" name="Notes Placeholder 2"/>
+              <p:cNvSpPr>
+                <a:spLocks noGrp="1"/>
+              </p:cNvSpPr>
+              <p:nvPr>
+                <p:ph type="body" idx="1"/>
+              </p:nvPr>
+            </p:nvSpPr>
+            <p:spPr/>
+            <p:txBody>
+              <a:bodyPr/>
+              <a:lstStyle/>
+              <a:p>
+                <a:r>
+                  <a:rPr lang="en-US" sz="1000" dirty="0"/>
+                  <a:t>It </a:t>
+                </a:r>
+                <a:r>
+                  <a:rPr lang="en-US" dirty="0"/>
+                  <a:t>computes logical operation </a:t>
+                </a:r>
+                <a:r>
+                  <a:rPr lang="en-US" i="0">
+                    <a:latin typeface="Cambria Math" panose="02040503050406030204" pitchFamily="18" charset="0"/>
+                  </a:rPr>
+                  <a:t>𝑅𝑑⊕𝑂𝑝</a:t>
+                </a:r>
+                <a:r>
+                  <a:rPr lang="en-US" dirty="0"/>
+                  <a:t> internally, writes no result to a register, and updates the condition flags based on that XOR. </a:t>
+                </a:r>
+              </a:p>
+              <a:p>
+                <a:pPr marL="0" marR="0" lvl="0" indent="0" algn="l" defTabSz="914400" rtl="0" eaLnBrk="1" fontAlgn="auto" latinLnBrk="0" hangingPunct="1">
+                  <a:lnSpc>
+                    <a:spcPct val="100000"/>
+                  </a:lnSpc>
+                  <a:spcBef>
+                    <a:spcPts val="0"/>
+                  </a:spcBef>
+                  <a:spcAft>
+                    <a:spcPts val="0"/>
+                  </a:spcAft>
+                  <a:buClrTx/>
+                  <a:buSzTx/>
+                  <a:buFontTx/>
+                  <a:buNone/>
+                  <a:tabLst/>
+                  <a:defRPr/>
+                </a:pPr>
+                <a:r>
+                  <a:rPr lang="en-US" sz="1200" dirty="0"/>
+                  <a:t>If </a:t>
+                </a:r>
+                <a:r>
+                  <a:rPr lang="en-US" sz="1200" i="0">
+                    <a:latin typeface="Cambria Math" panose="02040503050406030204" pitchFamily="18" charset="0"/>
+                  </a:rPr>
+                  <a:t>𝑅𝑛</a:t>
+                </a:r>
+                <a:r>
+                  <a:rPr lang="en-US" sz="1200" b="0" i="0">
+                    <a:latin typeface="Cambria Math" panose="02040503050406030204" pitchFamily="18" charset="0"/>
+                  </a:rPr>
+                  <a:t>" </a:t>
+                </a:r>
+                <a:r>
+                  <a:rPr lang="en-US" i="0">
+                    <a:latin typeface="Cambria Math" panose="02040503050406030204" pitchFamily="18" charset="0"/>
+                  </a:rPr>
+                  <a:t>∧</a:t>
+                </a:r>
+                <a:r>
+                  <a:rPr lang="en-US" b="0" i="0">
+                    <a:latin typeface="Cambria Math" panose="02040503050406030204" pitchFamily="18" charset="0"/>
+                  </a:rPr>
+                  <a:t> </a:t>
+                </a:r>
+                <a:r>
+                  <a:rPr lang="en-US" sz="1200" b="0" i="0">
+                    <a:latin typeface="Cambria Math" panose="02040503050406030204" pitchFamily="18" charset="0"/>
+                  </a:rPr>
+                  <a:t>" </a:t>
+                </a:r>
+                <a:r>
+                  <a:rPr lang="en-US" sz="1200" i="0">
+                    <a:latin typeface="Cambria Math" panose="02040503050406030204" pitchFamily="18" charset="0"/>
+                  </a:rPr>
+                  <a:t>𝑂𝑝𝑒𝑟𝑎𝑛𝑑2</a:t>
+                </a:r>
+                <a:r>
+                  <a:rPr lang="en-US" sz="1200" dirty="0"/>
+                  <a:t> is 0x0, then Rn and Operand2 are equal, Z is set to 1; otherwise Z is cleared.</a:t>
+                </a:r>
+                <a:endParaRPr lang="en-US" sz="1050" dirty="0"/>
+              </a:p>
+              <a:p>
+                <a:endParaRPr lang="en-US" dirty="0"/>
+              </a:p>
+            </p:txBody>
+          </p:sp>
+        </mc:Fallback>
+      </mc:AlternateContent>
       <p:sp>
         <p:nvSpPr>
           <p:cNvPr id="4" name="Slide Number Placeholder 3"/>
@@ -2836,7 +2931,7 @@
             <a:fld id="{2D71AD5F-E36F-46B9-A99B-7B025244359D}" type="slidenum">
               <a:rPr lang="en-US" smtClean="0"/>
               <a:pPr/>
-              <a:t>12</a:t>
+              <a:t>13</a:t>
             </a:fld>
             <a:endParaRPr lang="en-US"/>
           </a:p>
@@ -3548,7 +3643,7 @@
             <a:fld id="{2D71AD5F-E36F-46B9-A99B-7B025244359D}" type="slidenum">
               <a:rPr lang="en-US" smtClean="0"/>
               <a:pPr/>
-              <a:t>15</a:t>
+              <a:t>16</a:t>
             </a:fld>
             <a:endParaRPr lang="en-US"/>
           </a:p>
@@ -3781,7 +3876,7 @@
             <a:fld id="{2D71AD5F-E36F-46B9-A99B-7B025244359D}" type="slidenum">
               <a:rPr lang="en-US" smtClean="0"/>
               <a:pPr/>
-              <a:t>18</a:t>
+              <a:t>19</a:t>
             </a:fld>
             <a:endParaRPr lang="en-US"/>
           </a:p>
@@ -4038,7 +4133,7 @@
             <a:fld id="{2D71AD5F-E36F-46B9-A99B-7B025244359D}" type="slidenum">
               <a:rPr lang="en-US" smtClean="0"/>
               <a:pPr/>
-              <a:t>19</a:t>
+              <a:t>20</a:t>
             </a:fld>
             <a:endParaRPr lang="en-US"/>
           </a:p>
@@ -4297,7 +4392,7 @@
             <a:fld id="{2D71AD5F-E36F-46B9-A99B-7B025244359D}" type="slidenum">
               <a:rPr lang="en-US" smtClean="0"/>
               <a:pPr/>
-              <a:t>24</a:t>
+              <a:t>25</a:t>
             </a:fld>
             <a:endParaRPr lang="en-US"/>
           </a:p>
@@ -4459,7 +4554,7 @@
             <a:fld id="{2E26774B-6488-4259-9342-6CBDB2BFD4E4}" type="datetime1">
               <a:rPr lang="en-US" smtClean="0"/>
               <a:pPr eaLnBrk="1" latinLnBrk="0" hangingPunct="1"/>
-              <a:t>9/24/2025</a:t>
+              <a:t>9/26/2025</a:t>
             </a:fld>
             <a:endParaRPr lang="en-US" sz="1600" dirty="0"/>
           </a:p>
@@ -4820,7 +4915,7 @@
             <a:fld id="{9B2E7711-0BE3-4AFC-959B-CB5C31A7AE48}" type="datetime1">
               <a:rPr lang="en-US" smtClean="0"/>
               <a:pPr eaLnBrk="1" latinLnBrk="0" hangingPunct="1"/>
-              <a:t>9/24/2025</a:t>
+              <a:t>9/26/2025</a:t>
             </a:fld>
             <a:endParaRPr lang="en-US"/>
           </a:p>
@@ -4997,7 +5092,7 @@
             <a:fld id="{825AAB62-A572-4E37-B772-B4A75ADE0B18}" type="datetime1">
               <a:rPr lang="en-US" smtClean="0"/>
               <a:pPr eaLnBrk="1" latinLnBrk="0" hangingPunct="1"/>
-              <a:t>9/24/2025</a:t>
+              <a:t>9/26/2025</a:t>
             </a:fld>
             <a:endParaRPr lang="en-US"/>
           </a:p>
@@ -5274,7 +5369,7 @@
               <a:pPr>
                 <a:defRPr/>
               </a:pPr>
-              <a:t>9/24/2025</a:t>
+              <a:t>9/26/2025</a:t>
             </a:fld>
             <a:endParaRPr lang="en-US"/>
           </a:p>
@@ -5386,7 +5481,7 @@
             <a:fld id="{B0F52420-10F8-488E-969A-A9BE388BE9C4}" type="datetime1">
               <a:rPr lang="en-US" smtClean="0"/>
               <a:pPr eaLnBrk="1" latinLnBrk="0" hangingPunct="1"/>
-              <a:t>9/24/2025</a:t>
+              <a:t>9/26/2025</a:t>
             </a:fld>
             <a:endParaRPr lang="en-US" dirty="0"/>
           </a:p>
@@ -5657,7 +5752,7 @@
             <a:fld id="{96E96F24-58CF-47DA-907C-A9CD6353E425}" type="datetime1">
               <a:rPr lang="en-US" smtClean="0"/>
               <a:pPr eaLnBrk="1" latinLnBrk="0" hangingPunct="1"/>
-              <a:t>9/24/2025</a:t>
+              <a:t>9/26/2025</a:t>
             </a:fld>
             <a:endParaRPr lang="en-US" dirty="0"/>
           </a:p>
@@ -5879,7 +5974,7 @@
             <a:fld id="{53AE4463-726A-4A35-9F46-98893432A3F9}" type="datetime1">
               <a:rPr lang="en-US" smtClean="0"/>
               <a:pPr eaLnBrk="1" latinLnBrk="0" hangingPunct="1"/>
-              <a:t>9/24/2025</a:t>
+              <a:t>9/26/2025</a:t>
             </a:fld>
             <a:endParaRPr lang="en-US"/>
           </a:p>
@@ -6233,7 +6328,7 @@
             <a:fld id="{FDF404D0-E306-4E90-90E3-E44D26246FFC}" type="datetime1">
               <a:rPr lang="en-US" smtClean="0"/>
               <a:pPr eaLnBrk="1" latinLnBrk="0" hangingPunct="1"/>
-              <a:t>9/24/2025</a:t>
+              <a:t>9/26/2025</a:t>
             </a:fld>
             <a:endParaRPr lang="en-US"/>
           </a:p>
@@ -6467,7 +6562,7 @@
             <a:fld id="{1485DA14-76F0-4D93-83FB-7878C79A1986}" type="datetime1">
               <a:rPr lang="en-US" smtClean="0"/>
               <a:pPr eaLnBrk="1" latinLnBrk="0" hangingPunct="1"/>
-              <a:t>9/24/2025</a:t>
+              <a:t>9/26/2025</a:t>
             </a:fld>
             <a:endParaRPr lang="en-US"/>
           </a:p>
@@ -6610,7 +6705,7 @@
             <a:fld id="{A15E552D-49E1-496B-B79C-E100986B8B5F}" type="datetime1">
               <a:rPr lang="en-US" smtClean="0"/>
               <a:pPr eaLnBrk="1" latinLnBrk="0" hangingPunct="1"/>
-              <a:t>9/24/2025</a:t>
+              <a:t>9/26/2025</a:t>
             </a:fld>
             <a:endParaRPr lang="en-US"/>
           </a:p>
@@ -6889,7 +6984,7 @@
             <a:fld id="{CEC72505-1551-4A98-97CD-F520B07184AD}" type="datetime1">
               <a:rPr lang="en-US" smtClean="0"/>
               <a:pPr eaLnBrk="1" latinLnBrk="0" hangingPunct="1"/>
-              <a:t>9/24/2025</a:t>
+              <a:t>9/26/2025</a:t>
             </a:fld>
             <a:endParaRPr lang="en-US"/>
           </a:p>
@@ -7297,7 +7392,7 @@
             <a:fld id="{7218F47B-BA16-4F20-B5BA-73F598D94B51}" type="datetime1">
               <a:rPr lang="en-US" smtClean="0"/>
               <a:pPr eaLnBrk="1" latinLnBrk="0" hangingPunct="1"/>
-              <a:t>9/24/2025</a:t>
+              <a:t>9/26/2025</a:t>
             </a:fld>
             <a:endParaRPr lang="en-US"/>
           </a:p>
@@ -7636,7 +7731,7 @@
             <a:fld id="{4F3CB514-9CA6-4E48-9463-A430D31CFDE3}" type="datetime1">
               <a:rPr lang="en-US" smtClean="0"/>
               <a:pPr eaLnBrk="1" latinLnBrk="0" hangingPunct="1"/>
-              <a:t>9/24/2025</a:t>
+              <a:t>9/26/2025</a:t>
             </a:fld>
             <a:endParaRPr lang="en-US" sz="1400" dirty="0">
               <a:solidFill>
@@ -8443,6 +8538,533 @@
       </p:grpSpPr>
       <p:sp>
         <p:nvSpPr>
+          <p:cNvPr id="2" name="Title 1">
+            <a:extLst>
+              <a:ext uri="{FF2B5EF4-FFF2-40B4-BE49-F238E27FC236}">
+                <a16:creationId xmlns:a16="http://schemas.microsoft.com/office/drawing/2014/main" id="{EA2B27C1-1F30-01B4-EDA5-AA372A7564E3}"/>
+              </a:ext>
+            </a:extLst>
+          </p:cNvPr>
+          <p:cNvSpPr>
+            <a:spLocks noGrp="1"/>
+          </p:cNvSpPr>
+          <p:nvPr>
+            <p:ph type="title"/>
+          </p:nvPr>
+        </p:nvSpPr>
+        <p:spPr/>
+        <p:txBody>
+          <a:bodyPr/>
+          <a:lstStyle/>
+          <a:p>
+            <a:r>
+              <a:rPr lang="en-US" dirty="0"/>
+              <a:t>Example of TEQ</a:t>
+            </a:r>
+          </a:p>
+        </p:txBody>
+      </p:sp>
+      <p:sp>
+        <p:nvSpPr>
+          <p:cNvPr id="3" name="Slide Number Placeholder 2">
+            <a:extLst>
+              <a:ext uri="{FF2B5EF4-FFF2-40B4-BE49-F238E27FC236}">
+                <a16:creationId xmlns:a16="http://schemas.microsoft.com/office/drawing/2014/main" id="{45F24D4A-7641-EB87-BBFE-58459B1F105F}"/>
+              </a:ext>
+            </a:extLst>
+          </p:cNvPr>
+          <p:cNvSpPr>
+            <a:spLocks noGrp="1"/>
+          </p:cNvSpPr>
+          <p:nvPr>
+            <p:ph type="sldNum" sz="quarter" idx="12"/>
+          </p:nvPr>
+        </p:nvSpPr>
+        <p:spPr/>
+        <p:txBody>
+          <a:bodyPr/>
+          <a:lstStyle/>
+          <a:p>
+            <a:fld id="{EA7C8D44-3667-46F6-9772-CC52308E2A7F}" type="slidenum">
+              <a:rPr kumimoji="0" lang="en-US" smtClean="0"/>
+              <a:pPr/>
+              <a:t>10</a:t>
+            </a:fld>
+            <a:endParaRPr kumimoji="0" lang="en-US" dirty="0"/>
+          </a:p>
+        </p:txBody>
+      </p:sp>
+      <p:sp>
+        <p:nvSpPr>
+          <p:cNvPr id="4" name="Content Placeholder 3">
+            <a:extLst>
+              <a:ext uri="{FF2B5EF4-FFF2-40B4-BE49-F238E27FC236}">
+                <a16:creationId xmlns:a16="http://schemas.microsoft.com/office/drawing/2014/main" id="{0994813A-6090-94C3-BB20-0506E22F6AC2}"/>
+              </a:ext>
+            </a:extLst>
+          </p:cNvPr>
+          <p:cNvSpPr>
+            <a:spLocks noGrp="1"/>
+          </p:cNvSpPr>
+          <p:nvPr>
+            <p:ph sz="quarter" idx="1"/>
+          </p:nvPr>
+        </p:nvSpPr>
+        <p:spPr>
+          <a:xfrm>
+            <a:off x="457200" y="1219200"/>
+            <a:ext cx="8229600" cy="990600"/>
+          </a:xfrm>
+        </p:spPr>
+        <p:txBody>
+          <a:bodyPr/>
+          <a:lstStyle/>
+          <a:p>
+            <a:r>
+              <a:rPr lang="pt-BR" dirty="0"/>
+              <a:t>Translate C code into assembly:</a:t>
+            </a:r>
+          </a:p>
+          <a:p>
+            <a:pPr lvl="1"/>
+            <a:r>
+              <a:rPr lang="pt-BR" dirty="0"/>
+              <a:t>if (char == ‘!’ || char == ‘?’) found++; </a:t>
+            </a:r>
+          </a:p>
+        </p:txBody>
+      </p:sp>
+      <p:sp>
+        <p:nvSpPr>
+          <p:cNvPr id="5" name="Rectangle 4">
+            <a:extLst>
+              <a:ext uri="{FF2B5EF4-FFF2-40B4-BE49-F238E27FC236}">
+                <a16:creationId xmlns:a16="http://schemas.microsoft.com/office/drawing/2014/main" id="{35FA7799-1206-B233-B834-C4D6CB77EC59}"/>
+              </a:ext>
+            </a:extLst>
+          </p:cNvPr>
+          <p:cNvSpPr/>
+          <p:nvPr/>
+        </p:nvSpPr>
+        <p:spPr>
+          <a:xfrm>
+            <a:off x="2971800" y="2133600"/>
+            <a:ext cx="2362200" cy="1015663"/>
+          </a:xfrm>
+          <a:prstGeom prst="rect">
+            <a:avLst/>
+          </a:prstGeom>
+        </p:spPr>
+        <p:style>
+          <a:lnRef idx="2">
+            <a:schemeClr val="accent1"/>
+          </a:lnRef>
+          <a:fillRef idx="1">
+            <a:schemeClr val="lt1"/>
+          </a:fillRef>
+          <a:effectRef idx="0">
+            <a:schemeClr val="accent1"/>
+          </a:effectRef>
+          <a:fontRef idx="minor">
+            <a:schemeClr val="dk1"/>
+          </a:fontRef>
+        </p:style>
+        <p:txBody>
+          <a:bodyPr wrap="square">
+            <a:spAutoFit/>
+          </a:bodyPr>
+          <a:lstStyle/>
+          <a:p>
+            <a:r>
+              <a:rPr lang="pt-BR" sz="2000" dirty="0"/>
+              <a:t>TEQ r0, #‘!’ </a:t>
+            </a:r>
+          </a:p>
+          <a:p>
+            <a:r>
+              <a:rPr lang="pt-BR" sz="2000" dirty="0"/>
+              <a:t>TEQNE r0, #‘?’</a:t>
+            </a:r>
+          </a:p>
+          <a:p>
+            <a:r>
+              <a:rPr lang="pt-BR" sz="2000" dirty="0"/>
+              <a:t>ADDEQ r1, r1, #1</a:t>
+            </a:r>
+          </a:p>
+        </p:txBody>
+      </p:sp>
+      <mc:AlternateContent xmlns:mc="http://schemas.openxmlformats.org/markup-compatibility/2006">
+        <mc:Choice xmlns:a14="http://schemas.microsoft.com/office/drawing/2010/main" Requires="a14">
+          <p:sp>
+            <p:nvSpPr>
+              <p:cNvPr id="6" name="Content Placeholder 3">
+                <a:extLst>
+                  <a:ext uri="{FF2B5EF4-FFF2-40B4-BE49-F238E27FC236}">
+                    <a16:creationId xmlns:a16="http://schemas.microsoft.com/office/drawing/2014/main" id="{E5FFFCF9-37E2-4F46-BF73-3BA72A325AB2}"/>
+                  </a:ext>
+                </a:extLst>
+              </p:cNvPr>
+              <p:cNvSpPr txBox="1">
+                <a:spLocks/>
+              </p:cNvSpPr>
+              <p:nvPr/>
+            </p:nvSpPr>
+            <p:spPr>
+              <a:xfrm>
+                <a:off x="612648" y="3200400"/>
+                <a:ext cx="8229600" cy="3281640"/>
+              </a:xfrm>
+              <a:prstGeom prst="rect">
+                <a:avLst/>
+              </a:prstGeom>
+            </p:spPr>
+            <p:txBody>
+              <a:bodyPr vert="horz">
+                <a:normAutofit fontScale="92500" lnSpcReduction="10000"/>
+              </a:bodyPr>
+              <a:lstStyle>
+                <a:lvl1pPr marL="274320" indent="-274320" algn="l" rtl="0" eaLnBrk="1" latinLnBrk="0" hangingPunct="1">
+                  <a:spcBef>
+                    <a:spcPts val="600"/>
+                  </a:spcBef>
+                  <a:buClr>
+                    <a:schemeClr val="accent1"/>
+                  </a:buClr>
+                  <a:buSzPct val="76000"/>
+                  <a:buFont typeface="Wingdings 3"/>
+                  <a:buChar char=""/>
+                  <a:defRPr kumimoji="0" sz="2600" kern="1200">
+                    <a:solidFill>
+                      <a:schemeClr val="tx1"/>
+                    </a:solidFill>
+                    <a:latin typeface="+mn-lt"/>
+                    <a:ea typeface="+mn-ea"/>
+                    <a:cs typeface="+mn-cs"/>
+                  </a:defRPr>
+                </a:lvl1pPr>
+                <a:lvl2pPr marL="548640" indent="-274320" algn="l" rtl="0" eaLnBrk="1" latinLnBrk="0" hangingPunct="1">
+                  <a:spcBef>
+                    <a:spcPts val="500"/>
+                  </a:spcBef>
+                  <a:buClr>
+                    <a:schemeClr val="accent2"/>
+                  </a:buClr>
+                  <a:buSzPct val="76000"/>
+                  <a:buFont typeface="Wingdings 3"/>
+                  <a:buChar char=""/>
+                  <a:defRPr kumimoji="0" sz="2300" kern="1200">
+                    <a:solidFill>
+                      <a:schemeClr val="tx2"/>
+                    </a:solidFill>
+                    <a:latin typeface="+mn-lt"/>
+                    <a:ea typeface="+mn-ea"/>
+                    <a:cs typeface="+mn-cs"/>
+                  </a:defRPr>
+                </a:lvl2pPr>
+                <a:lvl3pPr marL="822960" indent="-228600" algn="l" rtl="0" eaLnBrk="1" latinLnBrk="0" hangingPunct="1">
+                  <a:spcBef>
+                    <a:spcPts val="500"/>
+                  </a:spcBef>
+                  <a:buClr>
+                    <a:schemeClr val="bg1">
+                      <a:shade val="50000"/>
+                    </a:schemeClr>
+                  </a:buClr>
+                  <a:buSzPct val="76000"/>
+                  <a:buFont typeface="Wingdings 3"/>
+                  <a:buChar char=""/>
+                  <a:defRPr kumimoji="0" sz="2000" kern="1200">
+                    <a:solidFill>
+                      <a:schemeClr val="tx1"/>
+                    </a:solidFill>
+                    <a:latin typeface="+mn-lt"/>
+                    <a:ea typeface="+mn-ea"/>
+                    <a:cs typeface="+mn-cs"/>
+                  </a:defRPr>
+                </a:lvl3pPr>
+                <a:lvl4pPr marL="1097280" indent="-228600" algn="l" rtl="0" eaLnBrk="1" latinLnBrk="0" hangingPunct="1">
+                  <a:spcBef>
+                    <a:spcPts val="400"/>
+                  </a:spcBef>
+                  <a:buClr>
+                    <a:schemeClr val="accent2">
+                      <a:shade val="75000"/>
+                    </a:schemeClr>
+                  </a:buClr>
+                  <a:buSzPct val="70000"/>
+                  <a:buFont typeface="Wingdings"/>
+                  <a:buChar char=""/>
+                  <a:defRPr kumimoji="0" sz="1800" kern="1200">
+                    <a:solidFill>
+                      <a:schemeClr val="tx1"/>
+                    </a:solidFill>
+                    <a:latin typeface="+mn-lt"/>
+                    <a:ea typeface="+mn-ea"/>
+                    <a:cs typeface="+mn-cs"/>
+                  </a:defRPr>
+                </a:lvl4pPr>
+                <a:lvl5pPr marL="1371600" indent="-228600" algn="l" rtl="0" eaLnBrk="1" latinLnBrk="0" hangingPunct="1">
+                  <a:spcBef>
+                    <a:spcPts val="300"/>
+                  </a:spcBef>
+                  <a:buClr>
+                    <a:schemeClr val="accent2"/>
+                  </a:buClr>
+                  <a:buSzPct val="70000"/>
+                  <a:buFont typeface="Wingdings"/>
+                  <a:buChar char=""/>
+                  <a:defRPr kumimoji="0" sz="1600" kern="1200">
+                    <a:solidFill>
+                      <a:schemeClr val="tx1"/>
+                    </a:solidFill>
+                    <a:latin typeface="+mn-lt"/>
+                    <a:ea typeface="+mn-ea"/>
+                    <a:cs typeface="+mn-cs"/>
+                  </a:defRPr>
+                </a:lvl5pPr>
+                <a:lvl6pPr marL="1645920" indent="-182880" algn="l" rtl="0" eaLnBrk="1" latinLnBrk="0" hangingPunct="1">
+                  <a:spcBef>
+                    <a:spcPts val="300"/>
+                  </a:spcBef>
+                  <a:buClr>
+                    <a:srgbClr val="9FB8CD">
+                      <a:shade val="75000"/>
+                    </a:srgbClr>
+                  </a:buClr>
+                  <a:buSzPct val="75000"/>
+                  <a:buFont typeface="Wingdings 3"/>
+                  <a:buChar char=""/>
+                  <a:defRPr kumimoji="0" lang="en-US" sz="1600" kern="1200" smtClean="0">
+                    <a:solidFill>
+                      <a:schemeClr val="tx1"/>
+                    </a:solidFill>
+                    <a:latin typeface="+mn-lt"/>
+                    <a:ea typeface="+mn-ea"/>
+                    <a:cs typeface="+mn-cs"/>
+                  </a:defRPr>
+                </a:lvl6pPr>
+                <a:lvl7pPr marL="1828800" indent="-182880" algn="l" rtl="0" eaLnBrk="1" latinLnBrk="0" hangingPunct="1">
+                  <a:spcBef>
+                    <a:spcPts val="300"/>
+                  </a:spcBef>
+                  <a:buClr>
+                    <a:srgbClr val="727CA3">
+                      <a:shade val="75000"/>
+                    </a:srgbClr>
+                  </a:buClr>
+                  <a:buSzPct val="75000"/>
+                  <a:buFont typeface="Wingdings 3"/>
+                  <a:buChar char=""/>
+                  <a:defRPr kumimoji="0" lang="en-US" sz="1400" kern="1200" smtClean="0">
+                    <a:solidFill>
+                      <a:schemeClr val="tx1"/>
+                    </a:solidFill>
+                    <a:latin typeface="+mn-lt"/>
+                    <a:ea typeface="+mn-ea"/>
+                    <a:cs typeface="+mn-cs"/>
+                  </a:defRPr>
+                </a:lvl7pPr>
+                <a:lvl8pPr marL="2011680" indent="-182880" algn="l" rtl="0" eaLnBrk="1" latinLnBrk="0" hangingPunct="1">
+                  <a:spcBef>
+                    <a:spcPts val="300"/>
+                  </a:spcBef>
+                  <a:buClr>
+                    <a:prstClr val="white">
+                      <a:shade val="50000"/>
+                    </a:prstClr>
+                  </a:buClr>
+                  <a:buSzPct val="75000"/>
+                  <a:buFont typeface="Wingdings 3"/>
+                  <a:buChar char=""/>
+                  <a:defRPr kumimoji="0" lang="en-US" sz="1400" kern="1200" smtClean="0">
+                    <a:solidFill>
+                      <a:schemeClr val="tx1"/>
+                    </a:solidFill>
+                    <a:latin typeface="+mn-lt"/>
+                    <a:ea typeface="+mn-ea"/>
+                    <a:cs typeface="+mn-cs"/>
+                  </a:defRPr>
+                </a:lvl8pPr>
+                <a:lvl9pPr marL="2194560" indent="-182880" algn="l" rtl="0" eaLnBrk="1" latinLnBrk="0" hangingPunct="1">
+                  <a:spcBef>
+                    <a:spcPts val="300"/>
+                  </a:spcBef>
+                  <a:buClr>
+                    <a:srgbClr val="9FB8CD"/>
+                  </a:buClr>
+                  <a:buSzPct val="75000"/>
+                  <a:buFont typeface="Wingdings 3"/>
+                  <a:buChar char=""/>
+                  <a:defRPr kumimoji="0" lang="en-US" sz="1200" kern="1200" smtClean="0">
+                    <a:solidFill>
+                      <a:schemeClr val="tx1"/>
+                    </a:solidFill>
+                    <a:latin typeface="+mn-lt"/>
+                    <a:ea typeface="+mn-ea"/>
+                    <a:cs typeface="+mn-cs"/>
+                  </a:defRPr>
+                </a:lvl9pPr>
+              </a:lstStyle>
+              <a:p>
+                <a:r>
+                  <a:rPr lang="en-US" dirty="0"/>
+                  <a:t>TEQ r0, #‘!’ performs a test-equal by computing </a:t>
+                </a:r>
+                <a14:m>
+                  <m:oMath xmlns:m="http://schemas.openxmlformats.org/officeDocument/2006/math">
+                    <m:r>
+                      <a:rPr lang="en-US" i="1"/>
+                      <m:t>𝑟</m:t>
+                    </m:r>
+                    <m:r>
+                      <a:rPr lang="en-US"/>
+                      <m:t>0</m:t>
+                    </m:r>
+                    <m:sSup>
+                      <m:sSupPr>
+                        <m:ctrlPr>
+                          <a:rPr lang="ar-AE" i="1"/>
+                        </m:ctrlPr>
+                      </m:sSupPr>
+                      <m:e>
+                        <m:r>
+                          <a:rPr lang="ar-AE"/>
+                          <m:t>⊕</m:t>
+                        </m:r>
+                      </m:e>
+                      <m:sup>
+                        <m:r>
+                          <a:rPr lang="ar-AE"/>
+                          <m:t>′</m:t>
+                        </m:r>
+                      </m:sup>
+                    </m:sSup>
+                    <m:sSup>
+                      <m:sSupPr>
+                        <m:ctrlPr>
+                          <a:rPr lang="ar-AE" i="1"/>
+                        </m:ctrlPr>
+                      </m:sSupPr>
+                      <m:e>
+                        <m:r>
+                          <a:rPr lang="ar-AE"/>
+                          <m:t>!</m:t>
+                        </m:r>
+                      </m:e>
+                      <m:sup>
+                        <m:r>
+                          <a:rPr lang="ar-AE"/>
+                          <m:t>′</m:t>
+                        </m:r>
+                      </m:sup>
+                    </m:sSup>
+                  </m:oMath>
+                </a14:m>
+                <a:r>
+                  <a:rPr lang="ar-AE" dirty="0"/>
+                  <a:t> </a:t>
+                </a:r>
+                <a:r>
+                  <a:rPr lang="en-US" dirty="0"/>
+                  <a:t>and setting condition flags; Z=1 when r0 equals ‘!’. </a:t>
+                </a:r>
+              </a:p>
+              <a:p>
+                <a:r>
+                  <a:rPr lang="en-US" dirty="0"/>
+                  <a:t>TEQNE r0, #‘?’ executes only if the previous Z=0 (i.e., char was not ‘!’); it tests r0 against ‘?’ and sets Z accordingly. This achieves the logical OR without branches by conditionally running the second test only when needed.</a:t>
+                </a:r>
+              </a:p>
+              <a:p>
+                <a:r>
+                  <a:rPr lang="en-US" dirty="0"/>
+                  <a:t>ADDEQ r1, r1, #1 executes only if Z=1 after the tests, meaning char matched either ‘!’ or ‘?’, so it increments found in r1</a:t>
+                </a:r>
+              </a:p>
+              <a:p>
+                <a:endParaRPr lang="en-US" dirty="0"/>
+              </a:p>
+            </p:txBody>
+          </p:sp>
+        </mc:Choice>
+        <mc:Fallback>
+          <p:sp>
+            <p:nvSpPr>
+              <p:cNvPr id="6" name="Content Placeholder 3">
+                <a:extLst>
+                  <a:ext uri="{FF2B5EF4-FFF2-40B4-BE49-F238E27FC236}">
+                    <a16:creationId xmlns:a16="http://schemas.microsoft.com/office/drawing/2014/main" id="{E5FFFCF9-37E2-4F46-BF73-3BA72A325AB2}"/>
+                  </a:ext>
+                </a:extLst>
+              </p:cNvPr>
+              <p:cNvSpPr txBox="1">
+                <a:spLocks noRot="1" noChangeAspect="1" noMove="1" noResize="1" noEditPoints="1" noAdjustHandles="1" noChangeArrowheads="1" noChangeShapeType="1" noTextEdit="1"/>
+              </p:cNvSpPr>
+              <p:nvPr/>
+            </p:nvSpPr>
+            <p:spPr>
+              <a:xfrm>
+                <a:off x="612648" y="3200400"/>
+                <a:ext cx="8229600" cy="3281640"/>
+              </a:xfrm>
+              <a:prstGeom prst="rect">
+                <a:avLst/>
+              </a:prstGeom>
+              <a:blipFill>
+                <a:blip r:embed="rId2"/>
+                <a:stretch>
+                  <a:fillRect l="-519" t="-2045" r="-1481" b="-2416"/>
+                </a:stretch>
+              </a:blipFill>
+            </p:spPr>
+            <p:txBody>
+              <a:bodyPr/>
+              <a:lstStyle/>
+              <a:p>
+                <a:r>
+                  <a:rPr lang="en-US">
+                    <a:noFill/>
+                  </a:rPr>
+                  <a:t> </a:t>
+                </a:r>
+              </a:p>
+            </p:txBody>
+          </p:sp>
+        </mc:Fallback>
+      </mc:AlternateContent>
+    </p:spTree>
+    <p:extLst>
+      <p:ext uri="{BB962C8B-B14F-4D97-AF65-F5344CB8AC3E}">
+        <p14:creationId xmlns:p14="http://schemas.microsoft.com/office/powerpoint/2010/main" val="2974562210"/>
+      </p:ext>
+    </p:extLst>
+  </p:cSld>
+  <p:clrMapOvr>
+    <a:masterClrMapping/>
+  </p:clrMapOvr>
+</p:sld>
+</file>
+
+<file path=ppt/slides/slide11.xml><?xml version="1.0" encoding="utf-8"?>
+<p:sld xmlns:a="http://schemas.openxmlformats.org/drawingml/2006/main" xmlns:r="http://schemas.openxmlformats.org/officeDocument/2006/relationships" xmlns:p="http://schemas.openxmlformats.org/presentationml/2006/main">
+  <p:cSld>
+    <p:spTree>
+      <p:nvGrpSpPr>
+        <p:cNvPr id="1" name=""/>
+        <p:cNvGrpSpPr/>
+        <p:nvPr/>
+      </p:nvGrpSpPr>
+      <p:grpSpPr>
+        <a:xfrm>
+          <a:off x="0" y="0"/>
+          <a:ext cx="0" cy="0"/>
+          <a:chOff x="0" y="0"/>
+          <a:chExt cx="0" cy="0"/>
+        </a:xfrm>
+      </p:grpSpPr>
+      <p:sp>
+        <p:nvSpPr>
           <p:cNvPr id="2" name="Title 1"/>
           <p:cNvSpPr>
             <a:spLocks noGrp="1"/>
@@ -8482,7 +9104,7 @@
             <a:fld id="{EA7C8D44-3667-46F6-9772-CC52308E2A7F}" type="slidenum">
               <a:rPr kumimoji="0" lang="en-US" smtClean="0"/>
               <a:pPr eaLnBrk="1" latinLnBrk="0" hangingPunct="1"/>
-              <a:t>10</a:t>
+              <a:t>11</a:t>
             </a:fld>
             <a:endParaRPr kumimoji="0" lang="en-US" dirty="0"/>
           </a:p>
@@ -9760,7 +10382,7 @@
 </p:sld>
 </file>
 
-<file path=ppt/slides/slide11.xml><?xml version="1.0" encoding="utf-8"?>
+<file path=ppt/slides/slide12.xml><?xml version="1.0" encoding="utf-8"?>
 <p:sld xmlns:a="http://schemas.openxmlformats.org/drawingml/2006/main" xmlns:r="http://schemas.openxmlformats.org/officeDocument/2006/relationships" xmlns:p="http://schemas.openxmlformats.org/presentationml/2006/main">
   <p:cSld>
     <p:spTree>
@@ -9826,7 +10448,7 @@
             <a:fld id="{EA7C8D44-3667-46F6-9772-CC52308E2A7F}" type="slidenum">
               <a:rPr kumimoji="0" lang="en-US" smtClean="0"/>
               <a:pPr/>
-              <a:t>11</a:t>
+              <a:t>12</a:t>
             </a:fld>
             <a:endParaRPr kumimoji="0" lang="en-US" dirty="0"/>
           </a:p>
@@ -10103,7 +10725,7 @@
 </p:sld>
 </file>
 
-<file path=ppt/slides/slide12.xml><?xml version="1.0" encoding="utf-8"?>
+<file path=ppt/slides/slide13.xml><?xml version="1.0" encoding="utf-8"?>
 <p:sld xmlns:a="http://schemas.openxmlformats.org/drawingml/2006/main" xmlns:r="http://schemas.openxmlformats.org/officeDocument/2006/relationships" xmlns:p="http://schemas.openxmlformats.org/presentationml/2006/main">
   <p:cSld>
     <p:spTree>
@@ -10177,7 +10799,7 @@
             <a:fld id="{EA7C8D44-3667-46F6-9772-CC52308E2A7F}" type="slidenum">
               <a:rPr kumimoji="0" lang="en-US" smtClean="0"/>
               <a:pPr/>
-              <a:t>12</a:t>
+              <a:t>13</a:t>
             </a:fld>
             <a:endParaRPr kumimoji="0" lang="en-US" dirty="0"/>
           </a:p>
@@ -10399,7 +11021,7 @@
 </p:sld>
 </file>
 
-<file path=ppt/slides/slide13.xml><?xml version="1.0" encoding="utf-8"?>
+<file path=ppt/slides/slide14.xml><?xml version="1.0" encoding="utf-8"?>
 <p:sld xmlns:a="http://schemas.openxmlformats.org/drawingml/2006/main" xmlns:r="http://schemas.openxmlformats.org/officeDocument/2006/relationships" xmlns:p="http://schemas.openxmlformats.org/presentationml/2006/main">
   <p:cSld>
     <p:spTree>
@@ -10516,7 +11138,7 @@
                 <a:tabLst/>
                 <a:defRPr/>
               </a:pPr>
-              <a:t>13</a:t>
+              <a:t>14</a:t>
             </a:fld>
             <a:endParaRPr kumimoji="0" lang="en-US" sz="1400" b="0" i="0" u="none" strike="noStrike" kern="1200" cap="none" spc="0" normalizeH="0" baseline="0" noProof="0">
               <a:ln>
@@ -10900,7 +11522,7 @@
                 <a:tabLst/>
                 <a:defRPr/>
               </a:pPr>
-              <a:t>13</a:t>
+              <a:t>14</a:t>
             </a:fld>
             <a:endParaRPr kumimoji="0" lang="en-US" sz="1400" b="0" i="0" u="none" strike="noStrike" kern="1200" cap="none" spc="0" normalizeH="0" baseline="0" noProof="0">
               <a:ln>
@@ -12362,7 +12984,7 @@
 </p:sld>
 </file>
 
-<file path=ppt/slides/slide14.xml><?xml version="1.0" encoding="utf-8"?>
+<file path=ppt/slides/slide15.xml><?xml version="1.0" encoding="utf-8"?>
 <p:sld xmlns:a="http://schemas.openxmlformats.org/drawingml/2006/main" xmlns:r="http://schemas.openxmlformats.org/officeDocument/2006/relationships" xmlns:p="http://schemas.openxmlformats.org/presentationml/2006/main">
   <p:cSld>
     <p:spTree>
@@ -12428,7 +13050,7 @@
             <a:fld id="{AEE14D4A-FE32-40AF-B06D-E9622816B101}" type="slidenum">
               <a:rPr lang="en-US" smtClean="0"/>
               <a:pPr/>
-              <a:t>14</a:t>
+              <a:t>15</a:t>
             </a:fld>
             <a:endParaRPr lang="en-US"/>
           </a:p>
@@ -14962,7 +15584,7 @@
 </p:sld>
 </file>
 
-<file path=ppt/slides/slide15.xml><?xml version="1.0" encoding="utf-8"?>
+<file path=ppt/slides/slide16.xml><?xml version="1.0" encoding="utf-8"?>
 <p:sld xmlns:a="http://schemas.openxmlformats.org/drawingml/2006/main" xmlns:r="http://schemas.openxmlformats.org/officeDocument/2006/relationships" xmlns:p="http://schemas.openxmlformats.org/presentationml/2006/main">
   <p:cSld>
     <p:spTree>
@@ -15031,7 +15653,7 @@
             <a:fld id="{EA7C8D44-3667-46F6-9772-CC52308E2A7F}" type="slidenum">
               <a:rPr kumimoji="0" lang="en-US" smtClean="0"/>
               <a:pPr/>
-              <a:t>15</a:t>
+              <a:t>16</a:t>
             </a:fld>
             <a:endParaRPr kumimoji="0" lang="en-US" dirty="0"/>
           </a:p>
@@ -15147,7 +15769,7 @@
 </p:sld>
 </file>
 
-<file path=ppt/slides/slide16.xml><?xml version="1.0" encoding="utf-8"?>
+<file path=ppt/slides/slide17.xml><?xml version="1.0" encoding="utf-8"?>
 <p:sld xmlns:a="http://schemas.openxmlformats.org/drawingml/2006/main" xmlns:r="http://schemas.openxmlformats.org/officeDocument/2006/relationships" xmlns:p="http://schemas.openxmlformats.org/presentationml/2006/main">
   <p:cSld>
     <p:spTree>
@@ -15214,7 +15836,7 @@
             <a:fld id="{EA7C8D44-3667-46F6-9772-CC52308E2A7F}" type="slidenum">
               <a:rPr kumimoji="0" lang="en-US" smtClean="0"/>
               <a:pPr eaLnBrk="1" latinLnBrk="0" hangingPunct="1"/>
-              <a:t>16</a:t>
+              <a:t>17</a:t>
             </a:fld>
             <a:endParaRPr kumimoji="0" lang="en-US" dirty="0"/>
           </a:p>
@@ -17830,7 +18452,7 @@
 </p:sld>
 </file>
 
-<file path=ppt/slides/slide17.xml><?xml version="1.0" encoding="utf-8"?>
+<file path=ppt/slides/slide18.xml><?xml version="1.0" encoding="utf-8"?>
 <p:sld xmlns:a="http://schemas.openxmlformats.org/drawingml/2006/main" xmlns:r="http://schemas.openxmlformats.org/officeDocument/2006/relationships" xmlns:p="http://schemas.openxmlformats.org/presentationml/2006/main">
   <p:cSld>
     <p:spTree>
@@ -17896,7 +18518,7 @@
             <a:fld id="{EA7C8D44-3667-46F6-9772-CC52308E2A7F}" type="slidenum">
               <a:rPr kumimoji="0" lang="en-US" smtClean="0"/>
               <a:pPr/>
-              <a:t>17</a:t>
+              <a:t>18</a:t>
             </a:fld>
             <a:endParaRPr kumimoji="0" lang="en-US" dirty="0"/>
           </a:p>
@@ -20349,7 +20971,7 @@
 </p:sld>
 </file>
 
-<file path=ppt/slides/slide18.xml><?xml version="1.0" encoding="utf-8"?>
+<file path=ppt/slides/slide19.xml><?xml version="1.0" encoding="utf-8"?>
 <p:sld xmlns:a="http://schemas.openxmlformats.org/drawingml/2006/main" xmlns:r="http://schemas.openxmlformats.org/officeDocument/2006/relationships" xmlns:p="http://schemas.openxmlformats.org/presentationml/2006/main">
   <p:cSld>
     <p:spTree>
@@ -20421,7 +21043,7 @@
             <a:fld id="{EA7C8D44-3667-46F6-9772-CC52308E2A7F}" type="slidenum">
               <a:rPr kumimoji="0" lang="en-US" smtClean="0"/>
               <a:pPr/>
-              <a:t>18</a:t>
+              <a:t>19</a:t>
             </a:fld>
             <a:endParaRPr kumimoji="0" lang="en-US" dirty="0"/>
           </a:p>
@@ -21032,678 +21654,6 @@
     <p:extLst>
       <p:ext uri="{BB962C8B-B14F-4D97-AF65-F5344CB8AC3E}">
         <p14:creationId xmlns:p14="http://schemas.microsoft.com/office/powerpoint/2010/main" val="203524775"/>
-      </p:ext>
-    </p:extLst>
-  </p:cSld>
-  <p:clrMapOvr>
-    <a:masterClrMapping/>
-  </p:clrMapOvr>
-</p:sld>
-</file>
-
-<file path=ppt/slides/slide19.xml><?xml version="1.0" encoding="utf-8"?>
-<p:sld xmlns:a="http://schemas.openxmlformats.org/drawingml/2006/main" xmlns:r="http://schemas.openxmlformats.org/officeDocument/2006/relationships" xmlns:p="http://schemas.openxmlformats.org/presentationml/2006/main">
-  <p:cSld>
-    <p:spTree>
-      <p:nvGrpSpPr>
-        <p:cNvPr id="1" name="">
-          <a:extLst>
-            <a:ext uri="{FF2B5EF4-FFF2-40B4-BE49-F238E27FC236}">
-              <a16:creationId xmlns:a16="http://schemas.microsoft.com/office/drawing/2014/main" id="{1D8CAE6B-50BF-EC87-C691-EAFDE1EB1913}"/>
-            </a:ext>
-          </a:extLst>
-        </p:cNvPr>
-        <p:cNvGrpSpPr/>
-        <p:nvPr/>
-      </p:nvGrpSpPr>
-      <p:grpSpPr>
-        <a:xfrm>
-          <a:off x="0" y="0"/>
-          <a:ext cx="0" cy="0"/>
-          <a:chOff x="0" y="0"/>
-          <a:chExt cx="0" cy="0"/>
-        </a:xfrm>
-      </p:grpSpPr>
-      <p:sp>
-        <p:nvSpPr>
-          <p:cNvPr id="2" name="Title 1">
-            <a:extLst>
-              <a:ext uri="{FF2B5EF4-FFF2-40B4-BE49-F238E27FC236}">
-                <a16:creationId xmlns:a16="http://schemas.microsoft.com/office/drawing/2014/main" id="{24943FBB-D245-9542-B4DC-8D249EAA2EF8}"/>
-              </a:ext>
-            </a:extLst>
-          </p:cNvPr>
-          <p:cNvSpPr>
-            <a:spLocks noGrp="1"/>
-          </p:cNvSpPr>
-          <p:nvPr>
-            <p:ph type="title"/>
-          </p:nvPr>
-        </p:nvSpPr>
-        <p:spPr/>
-        <p:txBody>
-          <a:bodyPr>
-            <a:normAutofit/>
-          </a:bodyPr>
-          <a:lstStyle/>
-          <a:p>
-            <a:r>
-              <a:rPr lang="en-US" dirty="0"/>
-              <a:t>Signed Greater or Equal (</a:t>
-            </a:r>
-            <a:r>
-              <a:rPr lang="en-US" sz="3600" b="1" dirty="0">
-                <a:solidFill>
-                  <a:srgbClr val="FF0000"/>
-                </a:solidFill>
-                <a:latin typeface="Consolas" panose="020B0609020204030204" pitchFamily="49" charset="0"/>
-              </a:rPr>
-              <a:t>N == V</a:t>
-            </a:r>
-            <a:r>
-              <a:rPr lang="en-US" dirty="0"/>
-              <a:t>)</a:t>
-            </a:r>
-          </a:p>
-        </p:txBody>
-      </p:sp>
-      <p:sp>
-        <p:nvSpPr>
-          <p:cNvPr id="3" name="Slide Number Placeholder 2">
-            <a:extLst>
-              <a:ext uri="{FF2B5EF4-FFF2-40B4-BE49-F238E27FC236}">
-                <a16:creationId xmlns:a16="http://schemas.microsoft.com/office/drawing/2014/main" id="{ED158967-29A6-2F86-E4C9-0AF69AC0F715}"/>
-              </a:ext>
-            </a:extLst>
-          </p:cNvPr>
-          <p:cNvSpPr>
-            <a:spLocks noGrp="1"/>
-          </p:cNvSpPr>
-          <p:nvPr>
-            <p:ph type="sldNum" sz="quarter" idx="12"/>
-          </p:nvPr>
-        </p:nvSpPr>
-        <p:spPr/>
-        <p:txBody>
-          <a:bodyPr/>
-          <a:lstStyle/>
-          <a:p>
-            <a:fld id="{EA7C8D44-3667-46F6-9772-CC52308E2A7F}" type="slidenum">
-              <a:rPr kumimoji="0" lang="en-US" smtClean="0"/>
-              <a:pPr/>
-              <a:t>19</a:t>
-            </a:fld>
-            <a:endParaRPr kumimoji="0" lang="en-US" dirty="0"/>
-          </a:p>
-        </p:txBody>
-      </p:sp>
-      <p:graphicFrame>
-        <p:nvGraphicFramePr>
-          <p:cNvPr id="5" name="Table 4">
-            <a:extLst>
-              <a:ext uri="{FF2B5EF4-FFF2-40B4-BE49-F238E27FC236}">
-                <a16:creationId xmlns:a16="http://schemas.microsoft.com/office/drawing/2014/main" id="{C7914D5B-2CC7-293C-9379-3C41827285D1}"/>
-              </a:ext>
-            </a:extLst>
-          </p:cNvPr>
-          <p:cNvGraphicFramePr>
-            <a:graphicFrameLocks noGrp="1"/>
-          </p:cNvGraphicFramePr>
-          <p:nvPr>
-            <p:extLst>
-              <p:ext uri="{D42A27DB-BD31-4B8C-83A1-F6EECF244321}">
-                <p14:modId xmlns:p14="http://schemas.microsoft.com/office/powerpoint/2010/main" val="1758915825"/>
-              </p:ext>
-            </p:extLst>
-          </p:nvPr>
-        </p:nvGraphicFramePr>
-        <p:xfrm>
-          <a:off x="152401" y="1865531"/>
-          <a:ext cx="8763002" cy="4114800"/>
-        </p:xfrm>
-        <a:graphic>
-          <a:graphicData uri="http://schemas.openxmlformats.org/drawingml/2006/table">
-            <a:tbl>
-              <a:tblPr firstRow="1" firstCol="1" bandRow="1">
-                <a:tableStyleId>{5C22544A-7EE6-4342-B048-85BDC9FD1C3A}</a:tableStyleId>
-              </a:tblPr>
-              <a:tblGrid>
-                <a:gridCol w="914399">
-                  <a:extLst>
-                    <a:ext uri="{9D8B030D-6E8A-4147-A177-3AD203B41FA5}">
-                      <a16:colId xmlns:a16="http://schemas.microsoft.com/office/drawing/2014/main" val="20000"/>
-                    </a:ext>
-                  </a:extLst>
-                </a:gridCol>
-                <a:gridCol w="3866760">
-                  <a:extLst>
-                    <a:ext uri="{9D8B030D-6E8A-4147-A177-3AD203B41FA5}">
-                      <a16:colId xmlns:a16="http://schemas.microsoft.com/office/drawing/2014/main" val="20001"/>
-                    </a:ext>
-                  </a:extLst>
-                </a:gridCol>
-                <a:gridCol w="3981843">
-                  <a:extLst>
-                    <a:ext uri="{9D8B030D-6E8A-4147-A177-3AD203B41FA5}">
-                      <a16:colId xmlns:a16="http://schemas.microsoft.com/office/drawing/2014/main" val="20002"/>
-                    </a:ext>
-                  </a:extLst>
-                </a:gridCol>
-              </a:tblGrid>
-              <a:tr h="363556">
-                <a:tc>
-                  <a:txBody>
-                    <a:bodyPr/>
-                    <a:lstStyle/>
-                    <a:p>
-                      <a:endParaRPr lang="en-US" dirty="0">
-                        <a:latin typeface="Consolas" panose="020B0609020204030204" pitchFamily="49" charset="0"/>
-                        <a:cs typeface="Consolas" panose="020B0609020204030204" pitchFamily="49" charset="0"/>
-                      </a:endParaRPr>
-                    </a:p>
-                  </a:txBody>
-                  <a:tcPr anchor="ctr" anchorCtr="1"/>
-                </a:tc>
-                <a:tc>
-                  <a:txBody>
-                    <a:bodyPr/>
-                    <a:lstStyle/>
-                    <a:p>
-                      <a:pPr algn="ctr"/>
-                      <a:r>
-                        <a:rPr lang="en-US" dirty="0">
-                          <a:latin typeface="Consolas" panose="020B0609020204030204" pitchFamily="49" charset="0"/>
-                          <a:cs typeface="Consolas" panose="020B0609020204030204" pitchFamily="49" charset="0"/>
-                        </a:rPr>
-                        <a:t> N = 0</a:t>
-                      </a:r>
-                    </a:p>
-                  </a:txBody>
-                  <a:tcPr anchor="ctr" anchorCtr="1"/>
-                </a:tc>
-                <a:tc>
-                  <a:txBody>
-                    <a:bodyPr/>
-                    <a:lstStyle/>
-                    <a:p>
-                      <a:pPr algn="ctr"/>
-                      <a:r>
-                        <a:rPr lang="en-US" dirty="0">
-                          <a:latin typeface="Consolas" panose="020B0609020204030204" pitchFamily="49" charset="0"/>
-                          <a:cs typeface="Consolas" panose="020B0609020204030204" pitchFamily="49" charset="0"/>
-                        </a:rPr>
-                        <a:t> N = 1</a:t>
-                      </a:r>
-                    </a:p>
-                  </a:txBody>
-                  <a:tcPr anchor="ctr" anchorCtr="1"/>
-                </a:tc>
-                <a:extLst>
-                  <a:ext uri="{0D108BD9-81ED-4DB2-BD59-A6C34878D82A}">
-                    <a16:rowId xmlns:a16="http://schemas.microsoft.com/office/drawing/2014/main" val="10000"/>
-                  </a:ext>
-                </a:extLst>
-              </a:tr>
-              <a:tr h="1273909">
-                <a:tc>
-                  <a:txBody>
-                    <a:bodyPr/>
-                    <a:lstStyle/>
-                    <a:p>
-                      <a:pPr algn="ctr"/>
-                      <a:r>
-                        <a:rPr lang="en-US" dirty="0">
-                          <a:latin typeface="Consolas" panose="020B0609020204030204" pitchFamily="49" charset="0"/>
-                          <a:cs typeface="Consolas" panose="020B0609020204030204" pitchFamily="49" charset="0"/>
-                        </a:rPr>
-                        <a:t>V = 0</a:t>
-                      </a:r>
-                    </a:p>
-                  </a:txBody>
-                  <a:tcPr anchor="ctr" anchorCtr="1"/>
-                </a:tc>
-                <a:tc>
-                  <a:txBody>
-                    <a:bodyPr/>
-                    <a:lstStyle/>
-                    <a:p>
-                      <a:pPr marL="285750" indent="-285750">
-                        <a:buFont typeface="Arial" pitchFamily="34" charset="0"/>
-                        <a:buChar char="•"/>
-                      </a:pPr>
-                      <a:r>
-                        <a:rPr lang="en-US" dirty="0"/>
-                        <a:t>r0 = +7 (00111)</a:t>
-                      </a:r>
-                    </a:p>
-                    <a:p>
-                      <a:pPr marL="285750" indent="-285750">
-                        <a:buFont typeface="Arial" pitchFamily="34" charset="0"/>
-                        <a:buChar char="•"/>
-                      </a:pPr>
-                      <a:r>
-                        <a:rPr lang="en-US" dirty="0"/>
-                        <a:t>r1 = +3 (00011) </a:t>
-                      </a:r>
-                    </a:p>
-                    <a:p>
-                      <a:pPr marL="285750" indent="-285750">
-                        <a:buFont typeface="Arial" pitchFamily="34" charset="0"/>
-                        <a:buChar char="•"/>
-                      </a:pPr>
-                      <a:r>
-                        <a:rPr lang="en-US" dirty="0"/>
-                        <a:t>r0 − r1 = +4 (00100); </a:t>
-                      </a:r>
-                    </a:p>
-                    <a:p>
-                      <a:pPr marL="285750" indent="-285750">
-                        <a:buFont typeface="Arial" pitchFamily="34" charset="0"/>
-                        <a:buChar char="•"/>
-                      </a:pPr>
-                      <a:r>
-                        <a:rPr lang="en-US" dirty="0"/>
-                        <a:t>result non‑negative and no signed overflow, so N=0, V=0 ⇒ GE holds</a:t>
-                      </a:r>
-                    </a:p>
-                    <a:p>
-                      <a:pPr marL="285750" indent="-285750">
-                        <a:buFont typeface="Arial" pitchFamily="34" charset="0"/>
-                        <a:buChar char="•"/>
-                      </a:pPr>
-                      <a:endParaRPr lang="en-US" dirty="0">
-                        <a:latin typeface="Consolas" panose="020B0609020204030204" pitchFamily="49" charset="0"/>
-                        <a:cs typeface="Times New Roman" pitchFamily="18" charset="0"/>
-                      </a:endParaRPr>
-                    </a:p>
-                  </a:txBody>
-                  <a:tcPr anchor="ctr" anchorCtr="1"/>
-                </a:tc>
-                <a:tc>
-                  <a:txBody>
-                    <a:bodyPr/>
-                    <a:lstStyle/>
-                    <a:p>
-                      <a:pPr marL="285750" indent="-285750">
-                        <a:buFont typeface="Arial" pitchFamily="34" charset="0"/>
-                        <a:buChar char="•"/>
-                      </a:pPr>
-                      <a:r>
-                        <a:rPr lang="en-US" dirty="0"/>
-                        <a:t>r0 = +3 (00011)</a:t>
-                      </a:r>
-                    </a:p>
-                    <a:p>
-                      <a:pPr marL="285750" indent="-285750">
-                        <a:buFont typeface="Arial" pitchFamily="34" charset="0"/>
-                        <a:buChar char="•"/>
-                      </a:pPr>
-                      <a:r>
-                        <a:rPr lang="en-US" dirty="0"/>
-                        <a:t>r1 = +7 (00111)</a:t>
-                      </a:r>
-                    </a:p>
-                    <a:p>
-                      <a:pPr marL="285750" indent="-285750">
-                        <a:buFont typeface="Arial" pitchFamily="34" charset="0"/>
-                        <a:buChar char="•"/>
-                      </a:pPr>
-                      <a:r>
-                        <a:rPr lang="en-US" dirty="0"/>
-                        <a:t>r0 − r1 = −4 (11100)</a:t>
-                      </a:r>
-                    </a:p>
-                    <a:p>
-                      <a:pPr marL="285750" indent="-285750">
-                        <a:buFont typeface="Arial" pitchFamily="34" charset="0"/>
-                        <a:buChar char="•"/>
-                      </a:pPr>
-                      <a:r>
-                        <a:rPr lang="en-US" dirty="0"/>
-                        <a:t>result negative with no overflow, so N=1, V=0 ⇒ LT holds</a:t>
-                      </a:r>
-                      <a:endParaRPr lang="en-US" dirty="0">
-                        <a:latin typeface="Consolas" panose="020B0609020204030204" pitchFamily="49" charset="0"/>
-                        <a:cs typeface="Times New Roman" pitchFamily="18" charset="0"/>
-                      </a:endParaRPr>
-                    </a:p>
-                  </a:txBody>
-                  <a:tcPr anchor="ctr" anchorCtr="1"/>
-                </a:tc>
-                <a:extLst>
-                  <a:ext uri="{0D108BD9-81ED-4DB2-BD59-A6C34878D82A}">
-                    <a16:rowId xmlns:a16="http://schemas.microsoft.com/office/drawing/2014/main" val="10001"/>
-                  </a:ext>
-                </a:extLst>
-              </a:tr>
-              <a:tr h="1999557">
-                <a:tc>
-                  <a:txBody>
-                    <a:bodyPr/>
-                    <a:lstStyle/>
-                    <a:p>
-                      <a:pPr algn="ctr"/>
-                      <a:r>
-                        <a:rPr lang="en-US" dirty="0">
-                          <a:latin typeface="Consolas" panose="020B0609020204030204" pitchFamily="49" charset="0"/>
-                          <a:cs typeface="Consolas" panose="020B0609020204030204" pitchFamily="49" charset="0"/>
-                        </a:rPr>
-                        <a:t>V = 1</a:t>
-                      </a:r>
-                    </a:p>
-                  </a:txBody>
-                  <a:tcPr anchor="ctr" anchorCtr="1"/>
-                </a:tc>
-                <a:tc>
-                  <a:txBody>
-                    <a:bodyPr/>
-                    <a:lstStyle/>
-                    <a:p>
-                      <a:pPr marL="285750" marR="0" indent="-285750" algn="l" defTabSz="914400" rtl="0" eaLnBrk="1" fontAlgn="auto" latinLnBrk="0" hangingPunct="1">
-                        <a:lnSpc>
-                          <a:spcPct val="100000"/>
-                        </a:lnSpc>
-                        <a:spcBef>
-                          <a:spcPts val="0"/>
-                        </a:spcBef>
-                        <a:spcAft>
-                          <a:spcPts val="0"/>
-                        </a:spcAft>
-                        <a:buClrTx/>
-                        <a:buSzTx/>
-                        <a:buFont typeface="Arial" pitchFamily="34" charset="0"/>
-                        <a:buChar char="•"/>
-                        <a:tabLst/>
-                        <a:defRPr/>
-                      </a:pPr>
-                      <a:r>
-                        <a:rPr lang="en-US" baseline="0" dirty="0"/>
-                        <a:t>r0 = −10 (10110)</a:t>
-                      </a:r>
-                    </a:p>
-                    <a:p>
-                      <a:pPr marL="285750" marR="0" indent="-285750" algn="l" defTabSz="914400" rtl="0" eaLnBrk="1" fontAlgn="auto" latinLnBrk="0" hangingPunct="1">
-                        <a:lnSpc>
-                          <a:spcPct val="100000"/>
-                        </a:lnSpc>
-                        <a:spcBef>
-                          <a:spcPts val="0"/>
-                        </a:spcBef>
-                        <a:spcAft>
-                          <a:spcPts val="0"/>
-                        </a:spcAft>
-                        <a:buClrTx/>
-                        <a:buSzTx/>
-                        <a:buFont typeface="Arial" pitchFamily="34" charset="0"/>
-                        <a:buChar char="•"/>
-                        <a:tabLst/>
-                        <a:defRPr/>
-                      </a:pPr>
-                      <a:r>
-                        <a:rPr lang="en-US" baseline="0" dirty="0"/>
-                        <a:t>r1 = +7 (00111) </a:t>
-                      </a:r>
-                    </a:p>
-                    <a:p>
-                      <a:pPr marL="285750" marR="0" indent="-285750" algn="l" defTabSz="914400" rtl="0" eaLnBrk="1" fontAlgn="auto" latinLnBrk="0" hangingPunct="1">
-                        <a:lnSpc>
-                          <a:spcPct val="100000"/>
-                        </a:lnSpc>
-                        <a:spcBef>
-                          <a:spcPts val="0"/>
-                        </a:spcBef>
-                        <a:spcAft>
-                          <a:spcPts val="0"/>
-                        </a:spcAft>
-                        <a:buClrTx/>
-                        <a:buSzTx/>
-                        <a:buFont typeface="Arial" pitchFamily="34" charset="0"/>
-                        <a:buChar char="•"/>
-                        <a:tabLst/>
-                        <a:defRPr/>
-                      </a:pPr>
-                      <a:r>
-                        <a:rPr lang="en-US" baseline="0" dirty="0"/>
-                        <a:t>r0 − r1 = −17, outside range  [−16,+15]; result is 00111 (decimal 7), whose sign bit is 0 so N=0, but signed overflow occurs so V=1 </a:t>
-                      </a:r>
-                      <a:r>
-                        <a:rPr lang="en-US" dirty="0"/>
-                        <a:t>⇒ LT holds</a:t>
-                      </a:r>
-                      <a:r>
-                        <a:rPr lang="en-US" baseline="0" dirty="0"/>
-                        <a:t> </a:t>
-                      </a:r>
-                      <a:endParaRPr lang="en-US" dirty="0">
-                        <a:latin typeface="Consolas" panose="020B0609020204030204" pitchFamily="49" charset="0"/>
-                        <a:cs typeface="Times New Roman" pitchFamily="18" charset="0"/>
-                      </a:endParaRPr>
-                    </a:p>
-                  </a:txBody>
-                  <a:tcPr anchor="ctr" anchorCtr="1"/>
-                </a:tc>
-                <a:tc>
-                  <a:txBody>
-                    <a:bodyPr/>
-                    <a:lstStyle/>
-                    <a:p>
-                      <a:pPr marL="285750" marR="0" indent="-285750" algn="l" defTabSz="914400" rtl="0" eaLnBrk="1" fontAlgn="auto" latinLnBrk="0" hangingPunct="1">
-                        <a:lnSpc>
-                          <a:spcPct val="100000"/>
-                        </a:lnSpc>
-                        <a:spcBef>
-                          <a:spcPts val="0"/>
-                        </a:spcBef>
-                        <a:spcAft>
-                          <a:spcPts val="0"/>
-                        </a:spcAft>
-                        <a:buClrTx/>
-                        <a:buSzTx/>
-                        <a:buFont typeface="Arial" pitchFamily="34" charset="0"/>
-                        <a:buChar char="•"/>
-                        <a:tabLst/>
-                        <a:defRPr/>
-                      </a:pPr>
-                      <a:r>
-                        <a:rPr lang="en-US" baseline="0" dirty="0"/>
-                        <a:t>r0 = +10 (01010)</a:t>
-                      </a:r>
-                    </a:p>
-                    <a:p>
-                      <a:pPr marL="285750" marR="0" indent="-285750" algn="l" defTabSz="914400" rtl="0" eaLnBrk="1" fontAlgn="auto" latinLnBrk="0" hangingPunct="1">
-                        <a:lnSpc>
-                          <a:spcPct val="100000"/>
-                        </a:lnSpc>
-                        <a:spcBef>
-                          <a:spcPts val="0"/>
-                        </a:spcBef>
-                        <a:spcAft>
-                          <a:spcPts val="0"/>
-                        </a:spcAft>
-                        <a:buClrTx/>
-                        <a:buSzTx/>
-                        <a:buFont typeface="Arial" pitchFamily="34" charset="0"/>
-                        <a:buChar char="•"/>
-                        <a:tabLst/>
-                        <a:defRPr/>
-                      </a:pPr>
-                      <a:r>
-                        <a:rPr lang="en-US" baseline="0" dirty="0"/>
-                        <a:t>r1 = −7 (11001)</a:t>
-                      </a:r>
-                    </a:p>
-                    <a:p>
-                      <a:pPr marL="285750" marR="0" indent="-285750" algn="l" defTabSz="914400" rtl="0" eaLnBrk="1" fontAlgn="auto" latinLnBrk="0" hangingPunct="1">
-                        <a:lnSpc>
-                          <a:spcPct val="100000"/>
-                        </a:lnSpc>
-                        <a:spcBef>
-                          <a:spcPts val="0"/>
-                        </a:spcBef>
-                        <a:spcAft>
-                          <a:spcPts val="0"/>
-                        </a:spcAft>
-                        <a:buClrTx/>
-                        <a:buSzTx/>
-                        <a:buFont typeface="Arial" pitchFamily="34" charset="0"/>
-                        <a:buChar char="•"/>
-                        <a:tabLst/>
-                        <a:defRPr/>
-                      </a:pPr>
-                      <a:r>
-                        <a:rPr lang="en-US" baseline="0" dirty="0"/>
-                        <a:t>r0 − r1 = +17, outside range [−16,+15]; result is 10001 (decimal −15), whose sign bit is 1 so N=1, but signed overflow occurs so V=1 </a:t>
-                      </a:r>
-                      <a:r>
-                        <a:rPr lang="en-US" dirty="0"/>
-                        <a:t>⇒ GE holds</a:t>
-                      </a:r>
-                      <a:endParaRPr lang="en-US" dirty="0">
-                        <a:latin typeface="Consolas" panose="020B0609020204030204" pitchFamily="49" charset="0"/>
-                        <a:cs typeface="Times New Roman" pitchFamily="18" charset="0"/>
-                      </a:endParaRPr>
-                    </a:p>
-                  </a:txBody>
-                  <a:tcPr anchor="ctr" anchorCtr="1"/>
-                </a:tc>
-                <a:extLst>
-                  <a:ext uri="{0D108BD9-81ED-4DB2-BD59-A6C34878D82A}">
-                    <a16:rowId xmlns:a16="http://schemas.microsoft.com/office/drawing/2014/main" val="10002"/>
-                  </a:ext>
-                </a:extLst>
-              </a:tr>
-            </a:tbl>
-          </a:graphicData>
-        </a:graphic>
-      </p:graphicFrame>
-      <p:sp>
-        <p:nvSpPr>
-          <p:cNvPr id="6" name="TextBox 5">
-            <a:extLst>
-              <a:ext uri="{FF2B5EF4-FFF2-40B4-BE49-F238E27FC236}">
-                <a16:creationId xmlns:a16="http://schemas.microsoft.com/office/drawing/2014/main" id="{CE638046-5BA3-A3CF-AF2C-C5DE1F3D39B8}"/>
-              </a:ext>
-            </a:extLst>
-          </p:cNvPr>
-          <p:cNvSpPr txBox="1"/>
-          <p:nvPr/>
-        </p:nvSpPr>
-        <p:spPr>
-          <a:xfrm>
-            <a:off x="533400" y="1219200"/>
-            <a:ext cx="5465342" cy="646331"/>
-          </a:xfrm>
-          <a:prstGeom prst="rect">
-            <a:avLst/>
-          </a:prstGeom>
-          <a:noFill/>
-        </p:spPr>
-        <p:txBody>
-          <a:bodyPr wrap="none" rtlCol="0">
-            <a:spAutoFit/>
-          </a:bodyPr>
-          <a:lstStyle/>
-          <a:p>
-            <a:r>
-              <a:rPr lang="en-US" b="1" dirty="0">
-                <a:solidFill>
-                  <a:srgbClr val="C00000"/>
-                </a:solidFill>
-                <a:latin typeface="Consolas" panose="020B0609020204030204" pitchFamily="49" charset="0"/>
-                <a:cs typeface="Consolas" panose="020B0609020204030204" pitchFamily="49" charset="0"/>
-              </a:rPr>
-              <a:t>CMP r0, r1</a:t>
-            </a:r>
-          </a:p>
-          <a:p>
-            <a:r>
-              <a:rPr lang="en-US" dirty="0"/>
-              <a:t>perform subtraction </a:t>
-            </a:r>
-            <a:r>
-              <a:rPr lang="en-US" dirty="0">
-                <a:latin typeface="Consolas" panose="020B0609020204030204" pitchFamily="49" charset="0"/>
-              </a:rPr>
-              <a:t>r0 – r1</a:t>
-            </a:r>
-            <a:r>
-              <a:rPr lang="en-US" dirty="0"/>
-              <a:t>, without saving the result</a:t>
-            </a:r>
-          </a:p>
-        </p:txBody>
-      </p:sp>
-      <p:sp>
-        <p:nvSpPr>
-          <p:cNvPr id="7" name="TextBox 6">
-            <a:extLst>
-              <a:ext uri="{FF2B5EF4-FFF2-40B4-BE49-F238E27FC236}">
-                <a16:creationId xmlns:a16="http://schemas.microsoft.com/office/drawing/2014/main" id="{F164103F-5493-6E75-917E-11F5943403D8}"/>
-              </a:ext>
-            </a:extLst>
-          </p:cNvPr>
-          <p:cNvSpPr txBox="1"/>
-          <p:nvPr/>
-        </p:nvSpPr>
-        <p:spPr>
-          <a:xfrm>
-            <a:off x="2095500" y="6048377"/>
-            <a:ext cx="4953000" cy="584775"/>
-          </a:xfrm>
-          <a:prstGeom prst="rect">
-            <a:avLst/>
-          </a:prstGeom>
-          <a:solidFill>
-            <a:schemeClr val="bg1">
-              <a:lumMod val="85000"/>
-            </a:schemeClr>
-          </a:solidFill>
-        </p:spPr>
-        <p:style>
-          <a:lnRef idx="1">
-            <a:schemeClr val="dk1"/>
-          </a:lnRef>
-          <a:fillRef idx="2">
-            <a:schemeClr val="dk1"/>
-          </a:fillRef>
-          <a:effectRef idx="1">
-            <a:schemeClr val="dk1"/>
-          </a:effectRef>
-          <a:fontRef idx="minor">
-            <a:schemeClr val="dk1"/>
-          </a:fontRef>
-        </p:style>
-        <p:txBody>
-          <a:bodyPr wrap="square" rtlCol="0">
-            <a:spAutoFit/>
-          </a:bodyPr>
-          <a:lstStyle/>
-          <a:p>
-            <a:pPr marL="285750" indent="-285750">
-              <a:buFont typeface="Arial" pitchFamily="34" charset="0"/>
-              <a:buChar char="•"/>
-            </a:pPr>
-            <a:r>
-              <a:rPr lang="en-US" sz="1600" dirty="0"/>
-              <a:t>If N == V, then it is signed greater or equal (GE).</a:t>
-            </a:r>
-          </a:p>
-          <a:p>
-            <a:pPr marL="285750" indent="-285750">
-              <a:buFont typeface="Arial" pitchFamily="34" charset="0"/>
-              <a:buChar char="•"/>
-            </a:pPr>
-            <a:r>
-              <a:rPr lang="en-US" sz="1600" dirty="0"/>
-              <a:t>Otherwise, it is signed less than (LT)</a:t>
-            </a:r>
-          </a:p>
-        </p:txBody>
-      </p:sp>
-    </p:spTree>
-    <p:extLst>
-      <p:ext uri="{BB962C8B-B14F-4D97-AF65-F5344CB8AC3E}">
-        <p14:creationId xmlns:p14="http://schemas.microsoft.com/office/powerpoint/2010/main" val="1671373347"/>
       </p:ext>
     </p:extLst>
   </p:cSld>
@@ -21916,6 +21866,678 @@
   <p:cSld>
     <p:spTree>
       <p:nvGrpSpPr>
+        <p:cNvPr id="1" name="">
+          <a:extLst>
+            <a:ext uri="{FF2B5EF4-FFF2-40B4-BE49-F238E27FC236}">
+              <a16:creationId xmlns:a16="http://schemas.microsoft.com/office/drawing/2014/main" id="{1D8CAE6B-50BF-EC87-C691-EAFDE1EB1913}"/>
+            </a:ext>
+          </a:extLst>
+        </p:cNvPr>
+        <p:cNvGrpSpPr/>
+        <p:nvPr/>
+      </p:nvGrpSpPr>
+      <p:grpSpPr>
+        <a:xfrm>
+          <a:off x="0" y="0"/>
+          <a:ext cx="0" cy="0"/>
+          <a:chOff x="0" y="0"/>
+          <a:chExt cx="0" cy="0"/>
+        </a:xfrm>
+      </p:grpSpPr>
+      <p:sp>
+        <p:nvSpPr>
+          <p:cNvPr id="2" name="Title 1">
+            <a:extLst>
+              <a:ext uri="{FF2B5EF4-FFF2-40B4-BE49-F238E27FC236}">
+                <a16:creationId xmlns:a16="http://schemas.microsoft.com/office/drawing/2014/main" id="{24943FBB-D245-9542-B4DC-8D249EAA2EF8}"/>
+              </a:ext>
+            </a:extLst>
+          </p:cNvPr>
+          <p:cNvSpPr>
+            <a:spLocks noGrp="1"/>
+          </p:cNvSpPr>
+          <p:nvPr>
+            <p:ph type="title"/>
+          </p:nvPr>
+        </p:nvSpPr>
+        <p:spPr/>
+        <p:txBody>
+          <a:bodyPr>
+            <a:normAutofit/>
+          </a:bodyPr>
+          <a:lstStyle/>
+          <a:p>
+            <a:r>
+              <a:rPr lang="en-US" dirty="0"/>
+              <a:t>Signed Greater or Equal (</a:t>
+            </a:r>
+            <a:r>
+              <a:rPr lang="en-US" sz="3600" b="1" dirty="0">
+                <a:solidFill>
+                  <a:srgbClr val="FF0000"/>
+                </a:solidFill>
+                <a:latin typeface="Consolas" panose="020B0609020204030204" pitchFamily="49" charset="0"/>
+              </a:rPr>
+              <a:t>N == V</a:t>
+            </a:r>
+            <a:r>
+              <a:rPr lang="en-US" dirty="0"/>
+              <a:t>)</a:t>
+            </a:r>
+          </a:p>
+        </p:txBody>
+      </p:sp>
+      <p:sp>
+        <p:nvSpPr>
+          <p:cNvPr id="3" name="Slide Number Placeholder 2">
+            <a:extLst>
+              <a:ext uri="{FF2B5EF4-FFF2-40B4-BE49-F238E27FC236}">
+                <a16:creationId xmlns:a16="http://schemas.microsoft.com/office/drawing/2014/main" id="{ED158967-29A6-2F86-E4C9-0AF69AC0F715}"/>
+              </a:ext>
+            </a:extLst>
+          </p:cNvPr>
+          <p:cNvSpPr>
+            <a:spLocks noGrp="1"/>
+          </p:cNvSpPr>
+          <p:nvPr>
+            <p:ph type="sldNum" sz="quarter" idx="12"/>
+          </p:nvPr>
+        </p:nvSpPr>
+        <p:spPr/>
+        <p:txBody>
+          <a:bodyPr/>
+          <a:lstStyle/>
+          <a:p>
+            <a:fld id="{EA7C8D44-3667-46F6-9772-CC52308E2A7F}" type="slidenum">
+              <a:rPr kumimoji="0" lang="en-US" smtClean="0"/>
+              <a:pPr/>
+              <a:t>20</a:t>
+            </a:fld>
+            <a:endParaRPr kumimoji="0" lang="en-US" dirty="0"/>
+          </a:p>
+        </p:txBody>
+      </p:sp>
+      <p:graphicFrame>
+        <p:nvGraphicFramePr>
+          <p:cNvPr id="5" name="Table 4">
+            <a:extLst>
+              <a:ext uri="{FF2B5EF4-FFF2-40B4-BE49-F238E27FC236}">
+                <a16:creationId xmlns:a16="http://schemas.microsoft.com/office/drawing/2014/main" id="{C7914D5B-2CC7-293C-9379-3C41827285D1}"/>
+              </a:ext>
+            </a:extLst>
+          </p:cNvPr>
+          <p:cNvGraphicFramePr>
+            <a:graphicFrameLocks noGrp="1"/>
+          </p:cNvGraphicFramePr>
+          <p:nvPr>
+            <p:extLst>
+              <p:ext uri="{D42A27DB-BD31-4B8C-83A1-F6EECF244321}">
+                <p14:modId xmlns:p14="http://schemas.microsoft.com/office/powerpoint/2010/main" val="1758915825"/>
+              </p:ext>
+            </p:extLst>
+          </p:nvPr>
+        </p:nvGraphicFramePr>
+        <p:xfrm>
+          <a:off x="152401" y="1865531"/>
+          <a:ext cx="8763002" cy="4114800"/>
+        </p:xfrm>
+        <a:graphic>
+          <a:graphicData uri="http://schemas.openxmlformats.org/drawingml/2006/table">
+            <a:tbl>
+              <a:tblPr firstRow="1" firstCol="1" bandRow="1">
+                <a:tableStyleId>{5C22544A-7EE6-4342-B048-85BDC9FD1C3A}</a:tableStyleId>
+              </a:tblPr>
+              <a:tblGrid>
+                <a:gridCol w="914399">
+                  <a:extLst>
+                    <a:ext uri="{9D8B030D-6E8A-4147-A177-3AD203B41FA5}">
+                      <a16:colId xmlns:a16="http://schemas.microsoft.com/office/drawing/2014/main" val="20000"/>
+                    </a:ext>
+                  </a:extLst>
+                </a:gridCol>
+                <a:gridCol w="3866760">
+                  <a:extLst>
+                    <a:ext uri="{9D8B030D-6E8A-4147-A177-3AD203B41FA5}">
+                      <a16:colId xmlns:a16="http://schemas.microsoft.com/office/drawing/2014/main" val="20001"/>
+                    </a:ext>
+                  </a:extLst>
+                </a:gridCol>
+                <a:gridCol w="3981843">
+                  <a:extLst>
+                    <a:ext uri="{9D8B030D-6E8A-4147-A177-3AD203B41FA5}">
+                      <a16:colId xmlns:a16="http://schemas.microsoft.com/office/drawing/2014/main" val="20002"/>
+                    </a:ext>
+                  </a:extLst>
+                </a:gridCol>
+              </a:tblGrid>
+              <a:tr h="363556">
+                <a:tc>
+                  <a:txBody>
+                    <a:bodyPr/>
+                    <a:lstStyle/>
+                    <a:p>
+                      <a:endParaRPr lang="en-US" dirty="0">
+                        <a:latin typeface="Consolas" panose="020B0609020204030204" pitchFamily="49" charset="0"/>
+                        <a:cs typeface="Consolas" panose="020B0609020204030204" pitchFamily="49" charset="0"/>
+                      </a:endParaRPr>
+                    </a:p>
+                  </a:txBody>
+                  <a:tcPr anchor="ctr" anchorCtr="1"/>
+                </a:tc>
+                <a:tc>
+                  <a:txBody>
+                    <a:bodyPr/>
+                    <a:lstStyle/>
+                    <a:p>
+                      <a:pPr algn="ctr"/>
+                      <a:r>
+                        <a:rPr lang="en-US" dirty="0">
+                          <a:latin typeface="Consolas" panose="020B0609020204030204" pitchFamily="49" charset="0"/>
+                          <a:cs typeface="Consolas" panose="020B0609020204030204" pitchFamily="49" charset="0"/>
+                        </a:rPr>
+                        <a:t> N = 0</a:t>
+                      </a:r>
+                    </a:p>
+                  </a:txBody>
+                  <a:tcPr anchor="ctr" anchorCtr="1"/>
+                </a:tc>
+                <a:tc>
+                  <a:txBody>
+                    <a:bodyPr/>
+                    <a:lstStyle/>
+                    <a:p>
+                      <a:pPr algn="ctr"/>
+                      <a:r>
+                        <a:rPr lang="en-US" dirty="0">
+                          <a:latin typeface="Consolas" panose="020B0609020204030204" pitchFamily="49" charset="0"/>
+                          <a:cs typeface="Consolas" panose="020B0609020204030204" pitchFamily="49" charset="0"/>
+                        </a:rPr>
+                        <a:t> N = 1</a:t>
+                      </a:r>
+                    </a:p>
+                  </a:txBody>
+                  <a:tcPr anchor="ctr" anchorCtr="1"/>
+                </a:tc>
+                <a:extLst>
+                  <a:ext uri="{0D108BD9-81ED-4DB2-BD59-A6C34878D82A}">
+                    <a16:rowId xmlns:a16="http://schemas.microsoft.com/office/drawing/2014/main" val="10000"/>
+                  </a:ext>
+                </a:extLst>
+              </a:tr>
+              <a:tr h="1273909">
+                <a:tc>
+                  <a:txBody>
+                    <a:bodyPr/>
+                    <a:lstStyle/>
+                    <a:p>
+                      <a:pPr algn="ctr"/>
+                      <a:r>
+                        <a:rPr lang="en-US" dirty="0">
+                          <a:latin typeface="Consolas" panose="020B0609020204030204" pitchFamily="49" charset="0"/>
+                          <a:cs typeface="Consolas" panose="020B0609020204030204" pitchFamily="49" charset="0"/>
+                        </a:rPr>
+                        <a:t>V = 0</a:t>
+                      </a:r>
+                    </a:p>
+                  </a:txBody>
+                  <a:tcPr anchor="ctr" anchorCtr="1"/>
+                </a:tc>
+                <a:tc>
+                  <a:txBody>
+                    <a:bodyPr/>
+                    <a:lstStyle/>
+                    <a:p>
+                      <a:pPr marL="285750" indent="-285750">
+                        <a:buFont typeface="Arial" pitchFamily="34" charset="0"/>
+                        <a:buChar char="•"/>
+                      </a:pPr>
+                      <a:r>
+                        <a:rPr lang="en-US" dirty="0"/>
+                        <a:t>r0 = +7 (00111)</a:t>
+                      </a:r>
+                    </a:p>
+                    <a:p>
+                      <a:pPr marL="285750" indent="-285750">
+                        <a:buFont typeface="Arial" pitchFamily="34" charset="0"/>
+                        <a:buChar char="•"/>
+                      </a:pPr>
+                      <a:r>
+                        <a:rPr lang="en-US" dirty="0"/>
+                        <a:t>r1 = +3 (00011) </a:t>
+                      </a:r>
+                    </a:p>
+                    <a:p>
+                      <a:pPr marL="285750" indent="-285750">
+                        <a:buFont typeface="Arial" pitchFamily="34" charset="0"/>
+                        <a:buChar char="•"/>
+                      </a:pPr>
+                      <a:r>
+                        <a:rPr lang="en-US" dirty="0"/>
+                        <a:t>r0 − r1 = +4 (00100); </a:t>
+                      </a:r>
+                    </a:p>
+                    <a:p>
+                      <a:pPr marL="285750" indent="-285750">
+                        <a:buFont typeface="Arial" pitchFamily="34" charset="0"/>
+                        <a:buChar char="•"/>
+                      </a:pPr>
+                      <a:r>
+                        <a:rPr lang="en-US" dirty="0"/>
+                        <a:t>result non‑negative and no signed overflow, so N=0, V=0 ⇒ GE holds</a:t>
+                      </a:r>
+                    </a:p>
+                    <a:p>
+                      <a:pPr marL="285750" indent="-285750">
+                        <a:buFont typeface="Arial" pitchFamily="34" charset="0"/>
+                        <a:buChar char="•"/>
+                      </a:pPr>
+                      <a:endParaRPr lang="en-US" dirty="0">
+                        <a:latin typeface="Consolas" panose="020B0609020204030204" pitchFamily="49" charset="0"/>
+                        <a:cs typeface="Times New Roman" pitchFamily="18" charset="0"/>
+                      </a:endParaRPr>
+                    </a:p>
+                  </a:txBody>
+                  <a:tcPr anchor="ctr" anchorCtr="1"/>
+                </a:tc>
+                <a:tc>
+                  <a:txBody>
+                    <a:bodyPr/>
+                    <a:lstStyle/>
+                    <a:p>
+                      <a:pPr marL="285750" indent="-285750">
+                        <a:buFont typeface="Arial" pitchFamily="34" charset="0"/>
+                        <a:buChar char="•"/>
+                      </a:pPr>
+                      <a:r>
+                        <a:rPr lang="en-US" dirty="0"/>
+                        <a:t>r0 = +3 (00011)</a:t>
+                      </a:r>
+                    </a:p>
+                    <a:p>
+                      <a:pPr marL="285750" indent="-285750">
+                        <a:buFont typeface="Arial" pitchFamily="34" charset="0"/>
+                        <a:buChar char="•"/>
+                      </a:pPr>
+                      <a:r>
+                        <a:rPr lang="en-US" dirty="0"/>
+                        <a:t>r1 = +7 (00111)</a:t>
+                      </a:r>
+                    </a:p>
+                    <a:p>
+                      <a:pPr marL="285750" indent="-285750">
+                        <a:buFont typeface="Arial" pitchFamily="34" charset="0"/>
+                        <a:buChar char="•"/>
+                      </a:pPr>
+                      <a:r>
+                        <a:rPr lang="en-US" dirty="0"/>
+                        <a:t>r0 − r1 = −4 (11100)</a:t>
+                      </a:r>
+                    </a:p>
+                    <a:p>
+                      <a:pPr marL="285750" indent="-285750">
+                        <a:buFont typeface="Arial" pitchFamily="34" charset="0"/>
+                        <a:buChar char="•"/>
+                      </a:pPr>
+                      <a:r>
+                        <a:rPr lang="en-US" dirty="0"/>
+                        <a:t>result negative with no overflow, so N=1, V=0 ⇒ LT holds</a:t>
+                      </a:r>
+                      <a:endParaRPr lang="en-US" dirty="0">
+                        <a:latin typeface="Consolas" panose="020B0609020204030204" pitchFamily="49" charset="0"/>
+                        <a:cs typeface="Times New Roman" pitchFamily="18" charset="0"/>
+                      </a:endParaRPr>
+                    </a:p>
+                  </a:txBody>
+                  <a:tcPr anchor="ctr" anchorCtr="1"/>
+                </a:tc>
+                <a:extLst>
+                  <a:ext uri="{0D108BD9-81ED-4DB2-BD59-A6C34878D82A}">
+                    <a16:rowId xmlns:a16="http://schemas.microsoft.com/office/drawing/2014/main" val="10001"/>
+                  </a:ext>
+                </a:extLst>
+              </a:tr>
+              <a:tr h="1999557">
+                <a:tc>
+                  <a:txBody>
+                    <a:bodyPr/>
+                    <a:lstStyle/>
+                    <a:p>
+                      <a:pPr algn="ctr"/>
+                      <a:r>
+                        <a:rPr lang="en-US" dirty="0">
+                          <a:latin typeface="Consolas" panose="020B0609020204030204" pitchFamily="49" charset="0"/>
+                          <a:cs typeface="Consolas" panose="020B0609020204030204" pitchFamily="49" charset="0"/>
+                        </a:rPr>
+                        <a:t>V = 1</a:t>
+                      </a:r>
+                    </a:p>
+                  </a:txBody>
+                  <a:tcPr anchor="ctr" anchorCtr="1"/>
+                </a:tc>
+                <a:tc>
+                  <a:txBody>
+                    <a:bodyPr/>
+                    <a:lstStyle/>
+                    <a:p>
+                      <a:pPr marL="285750" marR="0" indent="-285750" algn="l" defTabSz="914400" rtl="0" eaLnBrk="1" fontAlgn="auto" latinLnBrk="0" hangingPunct="1">
+                        <a:lnSpc>
+                          <a:spcPct val="100000"/>
+                        </a:lnSpc>
+                        <a:spcBef>
+                          <a:spcPts val="0"/>
+                        </a:spcBef>
+                        <a:spcAft>
+                          <a:spcPts val="0"/>
+                        </a:spcAft>
+                        <a:buClrTx/>
+                        <a:buSzTx/>
+                        <a:buFont typeface="Arial" pitchFamily="34" charset="0"/>
+                        <a:buChar char="•"/>
+                        <a:tabLst/>
+                        <a:defRPr/>
+                      </a:pPr>
+                      <a:r>
+                        <a:rPr lang="en-US" baseline="0" dirty="0"/>
+                        <a:t>r0 = −10 (10110)</a:t>
+                      </a:r>
+                    </a:p>
+                    <a:p>
+                      <a:pPr marL="285750" marR="0" indent="-285750" algn="l" defTabSz="914400" rtl="0" eaLnBrk="1" fontAlgn="auto" latinLnBrk="0" hangingPunct="1">
+                        <a:lnSpc>
+                          <a:spcPct val="100000"/>
+                        </a:lnSpc>
+                        <a:spcBef>
+                          <a:spcPts val="0"/>
+                        </a:spcBef>
+                        <a:spcAft>
+                          <a:spcPts val="0"/>
+                        </a:spcAft>
+                        <a:buClrTx/>
+                        <a:buSzTx/>
+                        <a:buFont typeface="Arial" pitchFamily="34" charset="0"/>
+                        <a:buChar char="•"/>
+                        <a:tabLst/>
+                        <a:defRPr/>
+                      </a:pPr>
+                      <a:r>
+                        <a:rPr lang="en-US" baseline="0" dirty="0"/>
+                        <a:t>r1 = +7 (00111) </a:t>
+                      </a:r>
+                    </a:p>
+                    <a:p>
+                      <a:pPr marL="285750" marR="0" indent="-285750" algn="l" defTabSz="914400" rtl="0" eaLnBrk="1" fontAlgn="auto" latinLnBrk="0" hangingPunct="1">
+                        <a:lnSpc>
+                          <a:spcPct val="100000"/>
+                        </a:lnSpc>
+                        <a:spcBef>
+                          <a:spcPts val="0"/>
+                        </a:spcBef>
+                        <a:spcAft>
+                          <a:spcPts val="0"/>
+                        </a:spcAft>
+                        <a:buClrTx/>
+                        <a:buSzTx/>
+                        <a:buFont typeface="Arial" pitchFamily="34" charset="0"/>
+                        <a:buChar char="•"/>
+                        <a:tabLst/>
+                        <a:defRPr/>
+                      </a:pPr>
+                      <a:r>
+                        <a:rPr lang="en-US" baseline="0" dirty="0"/>
+                        <a:t>r0 − r1 = −17, outside range  [−16,+15]; result is 00111 (decimal 7), whose sign bit is 0 so N=0, but signed overflow occurs so V=1 </a:t>
+                      </a:r>
+                      <a:r>
+                        <a:rPr lang="en-US" dirty="0"/>
+                        <a:t>⇒ LT holds</a:t>
+                      </a:r>
+                      <a:r>
+                        <a:rPr lang="en-US" baseline="0" dirty="0"/>
+                        <a:t> </a:t>
+                      </a:r>
+                      <a:endParaRPr lang="en-US" dirty="0">
+                        <a:latin typeface="Consolas" panose="020B0609020204030204" pitchFamily="49" charset="0"/>
+                        <a:cs typeface="Times New Roman" pitchFamily="18" charset="0"/>
+                      </a:endParaRPr>
+                    </a:p>
+                  </a:txBody>
+                  <a:tcPr anchor="ctr" anchorCtr="1"/>
+                </a:tc>
+                <a:tc>
+                  <a:txBody>
+                    <a:bodyPr/>
+                    <a:lstStyle/>
+                    <a:p>
+                      <a:pPr marL="285750" marR="0" indent="-285750" algn="l" defTabSz="914400" rtl="0" eaLnBrk="1" fontAlgn="auto" latinLnBrk="0" hangingPunct="1">
+                        <a:lnSpc>
+                          <a:spcPct val="100000"/>
+                        </a:lnSpc>
+                        <a:spcBef>
+                          <a:spcPts val="0"/>
+                        </a:spcBef>
+                        <a:spcAft>
+                          <a:spcPts val="0"/>
+                        </a:spcAft>
+                        <a:buClrTx/>
+                        <a:buSzTx/>
+                        <a:buFont typeface="Arial" pitchFamily="34" charset="0"/>
+                        <a:buChar char="•"/>
+                        <a:tabLst/>
+                        <a:defRPr/>
+                      </a:pPr>
+                      <a:r>
+                        <a:rPr lang="en-US" baseline="0" dirty="0"/>
+                        <a:t>r0 = +10 (01010)</a:t>
+                      </a:r>
+                    </a:p>
+                    <a:p>
+                      <a:pPr marL="285750" marR="0" indent="-285750" algn="l" defTabSz="914400" rtl="0" eaLnBrk="1" fontAlgn="auto" latinLnBrk="0" hangingPunct="1">
+                        <a:lnSpc>
+                          <a:spcPct val="100000"/>
+                        </a:lnSpc>
+                        <a:spcBef>
+                          <a:spcPts val="0"/>
+                        </a:spcBef>
+                        <a:spcAft>
+                          <a:spcPts val="0"/>
+                        </a:spcAft>
+                        <a:buClrTx/>
+                        <a:buSzTx/>
+                        <a:buFont typeface="Arial" pitchFamily="34" charset="0"/>
+                        <a:buChar char="•"/>
+                        <a:tabLst/>
+                        <a:defRPr/>
+                      </a:pPr>
+                      <a:r>
+                        <a:rPr lang="en-US" baseline="0" dirty="0"/>
+                        <a:t>r1 = −7 (11001)</a:t>
+                      </a:r>
+                    </a:p>
+                    <a:p>
+                      <a:pPr marL="285750" marR="0" indent="-285750" algn="l" defTabSz="914400" rtl="0" eaLnBrk="1" fontAlgn="auto" latinLnBrk="0" hangingPunct="1">
+                        <a:lnSpc>
+                          <a:spcPct val="100000"/>
+                        </a:lnSpc>
+                        <a:spcBef>
+                          <a:spcPts val="0"/>
+                        </a:spcBef>
+                        <a:spcAft>
+                          <a:spcPts val="0"/>
+                        </a:spcAft>
+                        <a:buClrTx/>
+                        <a:buSzTx/>
+                        <a:buFont typeface="Arial" pitchFamily="34" charset="0"/>
+                        <a:buChar char="•"/>
+                        <a:tabLst/>
+                        <a:defRPr/>
+                      </a:pPr>
+                      <a:r>
+                        <a:rPr lang="en-US" baseline="0" dirty="0"/>
+                        <a:t>r0 − r1 = +17, outside range [−16,+15]; result is 10001 (decimal −15), whose sign bit is 1 so N=1, but signed overflow occurs so V=1 </a:t>
+                      </a:r>
+                      <a:r>
+                        <a:rPr lang="en-US" dirty="0"/>
+                        <a:t>⇒ GE holds</a:t>
+                      </a:r>
+                      <a:endParaRPr lang="en-US" dirty="0">
+                        <a:latin typeface="Consolas" panose="020B0609020204030204" pitchFamily="49" charset="0"/>
+                        <a:cs typeface="Times New Roman" pitchFamily="18" charset="0"/>
+                      </a:endParaRPr>
+                    </a:p>
+                  </a:txBody>
+                  <a:tcPr anchor="ctr" anchorCtr="1"/>
+                </a:tc>
+                <a:extLst>
+                  <a:ext uri="{0D108BD9-81ED-4DB2-BD59-A6C34878D82A}">
+                    <a16:rowId xmlns:a16="http://schemas.microsoft.com/office/drawing/2014/main" val="10002"/>
+                  </a:ext>
+                </a:extLst>
+              </a:tr>
+            </a:tbl>
+          </a:graphicData>
+        </a:graphic>
+      </p:graphicFrame>
+      <p:sp>
+        <p:nvSpPr>
+          <p:cNvPr id="6" name="TextBox 5">
+            <a:extLst>
+              <a:ext uri="{FF2B5EF4-FFF2-40B4-BE49-F238E27FC236}">
+                <a16:creationId xmlns:a16="http://schemas.microsoft.com/office/drawing/2014/main" id="{CE638046-5BA3-A3CF-AF2C-C5DE1F3D39B8}"/>
+              </a:ext>
+            </a:extLst>
+          </p:cNvPr>
+          <p:cNvSpPr txBox="1"/>
+          <p:nvPr/>
+        </p:nvSpPr>
+        <p:spPr>
+          <a:xfrm>
+            <a:off x="533400" y="1219200"/>
+            <a:ext cx="5465342" cy="646331"/>
+          </a:xfrm>
+          <a:prstGeom prst="rect">
+            <a:avLst/>
+          </a:prstGeom>
+          <a:noFill/>
+        </p:spPr>
+        <p:txBody>
+          <a:bodyPr wrap="none" rtlCol="0">
+            <a:spAutoFit/>
+          </a:bodyPr>
+          <a:lstStyle/>
+          <a:p>
+            <a:r>
+              <a:rPr lang="en-US" b="1" dirty="0">
+                <a:solidFill>
+                  <a:srgbClr val="C00000"/>
+                </a:solidFill>
+                <a:latin typeface="Consolas" panose="020B0609020204030204" pitchFamily="49" charset="0"/>
+                <a:cs typeface="Consolas" panose="020B0609020204030204" pitchFamily="49" charset="0"/>
+              </a:rPr>
+              <a:t>CMP r0, r1</a:t>
+            </a:r>
+          </a:p>
+          <a:p>
+            <a:r>
+              <a:rPr lang="en-US" dirty="0"/>
+              <a:t>perform subtraction </a:t>
+            </a:r>
+            <a:r>
+              <a:rPr lang="en-US" dirty="0">
+                <a:latin typeface="Consolas" panose="020B0609020204030204" pitchFamily="49" charset="0"/>
+              </a:rPr>
+              <a:t>r0 – r1</a:t>
+            </a:r>
+            <a:r>
+              <a:rPr lang="en-US" dirty="0"/>
+              <a:t>, without saving the result</a:t>
+            </a:r>
+          </a:p>
+        </p:txBody>
+      </p:sp>
+      <p:sp>
+        <p:nvSpPr>
+          <p:cNvPr id="7" name="TextBox 6">
+            <a:extLst>
+              <a:ext uri="{FF2B5EF4-FFF2-40B4-BE49-F238E27FC236}">
+                <a16:creationId xmlns:a16="http://schemas.microsoft.com/office/drawing/2014/main" id="{F164103F-5493-6E75-917E-11F5943403D8}"/>
+              </a:ext>
+            </a:extLst>
+          </p:cNvPr>
+          <p:cNvSpPr txBox="1"/>
+          <p:nvPr/>
+        </p:nvSpPr>
+        <p:spPr>
+          <a:xfrm>
+            <a:off x="2095500" y="6048377"/>
+            <a:ext cx="4953000" cy="584775"/>
+          </a:xfrm>
+          <a:prstGeom prst="rect">
+            <a:avLst/>
+          </a:prstGeom>
+          <a:solidFill>
+            <a:schemeClr val="bg1">
+              <a:lumMod val="85000"/>
+            </a:schemeClr>
+          </a:solidFill>
+        </p:spPr>
+        <p:style>
+          <a:lnRef idx="1">
+            <a:schemeClr val="dk1"/>
+          </a:lnRef>
+          <a:fillRef idx="2">
+            <a:schemeClr val="dk1"/>
+          </a:fillRef>
+          <a:effectRef idx="1">
+            <a:schemeClr val="dk1"/>
+          </a:effectRef>
+          <a:fontRef idx="minor">
+            <a:schemeClr val="dk1"/>
+          </a:fontRef>
+        </p:style>
+        <p:txBody>
+          <a:bodyPr wrap="square" rtlCol="0">
+            <a:spAutoFit/>
+          </a:bodyPr>
+          <a:lstStyle/>
+          <a:p>
+            <a:pPr marL="285750" indent="-285750">
+              <a:buFont typeface="Arial" pitchFamily="34" charset="0"/>
+              <a:buChar char="•"/>
+            </a:pPr>
+            <a:r>
+              <a:rPr lang="en-US" sz="1600" dirty="0"/>
+              <a:t>If N == V, then it is signed greater or equal (GE).</a:t>
+            </a:r>
+          </a:p>
+          <a:p>
+            <a:pPr marL="285750" indent="-285750">
+              <a:buFont typeface="Arial" pitchFamily="34" charset="0"/>
+              <a:buChar char="•"/>
+            </a:pPr>
+            <a:r>
+              <a:rPr lang="en-US" sz="1600" dirty="0"/>
+              <a:t>Otherwise, it is signed less than (LT)</a:t>
+            </a:r>
+          </a:p>
+        </p:txBody>
+      </p:sp>
+    </p:spTree>
+    <p:extLst>
+      <p:ext uri="{BB962C8B-B14F-4D97-AF65-F5344CB8AC3E}">
+        <p14:creationId xmlns:p14="http://schemas.microsoft.com/office/powerpoint/2010/main" val="1671373347"/>
+      </p:ext>
+    </p:extLst>
+  </p:cSld>
+  <p:clrMapOvr>
+    <a:masterClrMapping/>
+  </p:clrMapOvr>
+</p:sld>
+</file>
+
+<file path=ppt/slides/slide21.xml><?xml version="1.0" encoding="utf-8"?>
+<p:sld xmlns:a="http://schemas.openxmlformats.org/drawingml/2006/main" xmlns:r="http://schemas.openxmlformats.org/officeDocument/2006/relationships" xmlns:p="http://schemas.openxmlformats.org/presentationml/2006/main">
+  <p:cSld>
+    <p:spTree>
+      <p:nvGrpSpPr>
         <p:cNvPr id="1" name=""/>
         <p:cNvGrpSpPr/>
         <p:nvPr/>
@@ -21983,7 +22605,7 @@
             <a:fld id="{EA7C8D44-3667-46F6-9772-CC52308E2A7F}" type="slidenum">
               <a:rPr kumimoji="0" lang="en-US" smtClean="0"/>
               <a:pPr/>
-              <a:t>20</a:t>
+              <a:t>21</a:t>
             </a:fld>
             <a:endParaRPr kumimoji="0" lang="en-US" dirty="0"/>
           </a:p>
@@ -22391,7 +23013,7 @@
 </p:sld>
 </file>
 
-<file path=ppt/slides/slide21.xml><?xml version="1.0" encoding="utf-8"?>
+<file path=ppt/slides/slide22.xml><?xml version="1.0" encoding="utf-8"?>
 <p:sld xmlns:a="http://schemas.openxmlformats.org/drawingml/2006/main" xmlns:r="http://schemas.openxmlformats.org/officeDocument/2006/relationships" xmlns:p="http://schemas.openxmlformats.org/presentationml/2006/main">
   <p:cSld>
     <p:spTree>
@@ -22463,7 +23085,7 @@
             <a:fld id="{EA7C8D44-3667-46F6-9772-CC52308E2A7F}" type="slidenum">
               <a:rPr kumimoji="0" lang="en-US" smtClean="0"/>
               <a:pPr/>
-              <a:t>21</a:t>
+              <a:t>22</a:t>
             </a:fld>
             <a:endParaRPr kumimoji="0" lang="en-US" dirty="0"/>
           </a:p>
@@ -22853,7 +23475,7 @@
 </p:sld>
 </file>
 
-<file path=ppt/slides/slide22.xml><?xml version="1.0" encoding="utf-8"?>
+<file path=ppt/slides/slide23.xml><?xml version="1.0" encoding="utf-8"?>
 <p:sld xmlns:a="http://schemas.openxmlformats.org/drawingml/2006/main" xmlns:r="http://schemas.openxmlformats.org/officeDocument/2006/relationships" xmlns:p="http://schemas.openxmlformats.org/presentationml/2006/main">
   <p:cSld>
     <p:spTree>
@@ -22929,7 +23551,7 @@
               <a:pPr>
                 <a:defRPr/>
               </a:pPr>
-              <a:t>22</a:t>
+              <a:t>23</a:t>
             </a:fld>
             <a:endParaRPr lang="en-US"/>
           </a:p>
@@ -26845,7 +27467,7 @@
 </p:sld>
 </file>
 
-<file path=ppt/slides/slide23.xml><?xml version="1.0" encoding="utf-8"?>
+<file path=ppt/slides/slide24.xml><?xml version="1.0" encoding="utf-8"?>
 <p:sld xmlns:a="http://schemas.openxmlformats.org/drawingml/2006/main" xmlns:r="http://schemas.openxmlformats.org/officeDocument/2006/relationships" xmlns:p="http://schemas.openxmlformats.org/presentationml/2006/main">
   <p:cSld>
     <p:spTree>
@@ -26912,7 +27534,7 @@
             <a:fld id="{EA7C8D44-3667-46F6-9772-CC52308E2A7F}" type="slidenum">
               <a:rPr kumimoji="0" lang="en-US" smtClean="0"/>
               <a:pPr eaLnBrk="1" latinLnBrk="0" hangingPunct="1"/>
-              <a:t>23</a:t>
+              <a:t>24</a:t>
             </a:fld>
             <a:endParaRPr kumimoji="0" lang="en-US" dirty="0"/>
           </a:p>
@@ -27282,7 +27904,7 @@
 </p:sld>
 </file>
 
-<file path=ppt/slides/slide24.xml><?xml version="1.0" encoding="utf-8"?>
+<file path=ppt/slides/slide25.xml><?xml version="1.0" encoding="utf-8"?>
 <p:sld xmlns:a="http://schemas.openxmlformats.org/drawingml/2006/main" xmlns:r="http://schemas.openxmlformats.org/officeDocument/2006/relationships" xmlns:p="http://schemas.openxmlformats.org/presentationml/2006/main">
   <p:cSld>
     <p:spTree>
@@ -27649,7 +28271,7 @@
             <a:fld id="{EA7C8D44-3667-46F6-9772-CC52308E2A7F}" type="slidenum">
               <a:rPr kumimoji="0" lang="en-US" smtClean="0"/>
               <a:pPr eaLnBrk="1" latinLnBrk="0" hangingPunct="1"/>
-              <a:t>24</a:t>
+              <a:t>25</a:t>
             </a:fld>
             <a:endParaRPr kumimoji="0" lang="en-US" dirty="0"/>
           </a:p>
@@ -28133,7 +28755,7 @@
 </p:sld>
 </file>
 
-<file path=ppt/slides/slide25.xml><?xml version="1.0" encoding="utf-8"?>
+<file path=ppt/slides/slide26.xml><?xml version="1.0" encoding="utf-8"?>
 <p:sld xmlns:a="http://schemas.openxmlformats.org/drawingml/2006/main" xmlns:r="http://schemas.openxmlformats.org/officeDocument/2006/relationships" xmlns:p="http://schemas.openxmlformats.org/presentationml/2006/main">
   <p:cSld>
     <p:spTree>
@@ -28190,7 +28812,7 @@
             <a:fld id="{EA7C8D44-3667-46F6-9772-CC52308E2A7F}" type="slidenum">
               <a:rPr kumimoji="0" lang="en-US" smtClean="0"/>
               <a:pPr/>
-              <a:t>25</a:t>
+              <a:t>26</a:t>
             </a:fld>
             <a:endParaRPr kumimoji="0" lang="en-US" dirty="0"/>
           </a:p>
@@ -28758,7 +29380,7 @@
 </p:sld>
 </file>
 
-<file path=ppt/slides/slide26.xml><?xml version="1.0" encoding="utf-8"?>
+<file path=ppt/slides/slide27.xml><?xml version="1.0" encoding="utf-8"?>
 <p:sld xmlns:a="http://schemas.openxmlformats.org/drawingml/2006/main" xmlns:r="http://schemas.openxmlformats.org/officeDocument/2006/relationships" xmlns:p="http://schemas.openxmlformats.org/presentationml/2006/main">
   <p:cSld>
     <p:spTree>
@@ -28815,7 +29437,7 @@
             <a:fld id="{EA7C8D44-3667-46F6-9772-CC52308E2A7F}" type="slidenum">
               <a:rPr kumimoji="0" lang="en-US" smtClean="0"/>
               <a:pPr/>
-              <a:t>26</a:t>
+              <a:t>27</a:t>
             </a:fld>
             <a:endParaRPr kumimoji="0" lang="en-US" dirty="0"/>
           </a:p>
@@ -29486,7 +30108,7 @@
 </p:sld>
 </file>
 
-<file path=ppt/slides/slide27.xml><?xml version="1.0" encoding="utf-8"?>
+<file path=ppt/slides/slide28.xml><?xml version="1.0" encoding="utf-8"?>
 <p:sld xmlns:a="http://schemas.openxmlformats.org/drawingml/2006/main" xmlns:r="http://schemas.openxmlformats.org/officeDocument/2006/relationships" xmlns:p="http://schemas.openxmlformats.org/presentationml/2006/main">
   <p:cSld>
     <p:spTree>
@@ -29543,7 +30165,7 @@
             <a:fld id="{EA7C8D44-3667-46F6-9772-CC52308E2A7F}" type="slidenum">
               <a:rPr kumimoji="0" lang="en-US" smtClean="0"/>
               <a:pPr/>
-              <a:t>27</a:t>
+              <a:t>28</a:t>
             </a:fld>
             <a:endParaRPr kumimoji="0" lang="en-US" dirty="0"/>
           </a:p>
@@ -30361,17 +30983,17 @@
           <a:ln/>
           <a:extLst>
             <a:ext uri="{FAA26D3D-D897-4be2-8F04-BA451C77F1D7}">
-              <ma14:placeholderFlag xmlns:ma14="http://schemas.microsoft.com/office/mac/drawingml/2011/main" xmlns="" val="1"/>
+              <ma14:placeholderFlag xmlns="" xmlns:ma14="http://schemas.microsoft.com/office/mac/drawingml/2011/main" val="1"/>
             </a:ext>
             <a:ext uri="{909E8E84-426E-40dd-AFC4-6F175D3DCCD1}">
-              <a14:hiddenFill xmlns:a14="http://schemas.microsoft.com/office/drawing/2010/main" xmlns="">
+              <a14:hiddenFill xmlns="" xmlns:a14="http://schemas.microsoft.com/office/drawing/2010/main">
                 <a:solidFill>
                   <a:schemeClr val="bg1"/>
                 </a:solidFill>
               </a14:hiddenFill>
             </a:ext>
             <a:ext uri="{91240B29-F687-4f45-9708-019B960494DF}">
-              <a14:hiddenLine xmlns:a14="http://schemas.microsoft.com/office/drawing/2010/main" xmlns="" w="12700">
+              <a14:hiddenLine xmlns="" xmlns:a14="http://schemas.microsoft.com/office/drawing/2010/main" w="12700">
                 <a:pattFill prst="narHorz">
                   <a:fgClr>
                     <a:schemeClr val="tx1"/>
@@ -30386,7 +31008,7 @@
               </a14:hiddenLine>
             </a:ext>
             <a:ext uri="{AF507438-7753-43e0-B8FC-AC1667EBCBE1}">
-              <a14:hiddenEffects xmlns:a14="http://schemas.microsoft.com/office/drawing/2010/main" xmlns="">
+              <a14:hiddenEffects xmlns="" xmlns:a14="http://schemas.microsoft.com/office/drawing/2010/main">
                 <a:effectLst>
                   <a:outerShdw blurRad="63500" dist="38099" dir="2700000" algn="ctr" rotWithShape="0">
                     <a:schemeClr val="bg2">
@@ -30625,7 +31247,7 @@
 </p:sld>
 </file>
 
-<file path=ppt/slides/slide28.xml><?xml version="1.0" encoding="utf-8"?>
+<file path=ppt/slides/slide29.xml><?xml version="1.0" encoding="utf-8"?>
 <p:sld xmlns:a="http://schemas.openxmlformats.org/drawingml/2006/main" xmlns:r="http://schemas.openxmlformats.org/officeDocument/2006/relationships" xmlns:p="http://schemas.openxmlformats.org/presentationml/2006/main">
   <p:cSld>
     <p:spTree>
@@ -30682,7 +31304,7 @@
             <a:fld id="{EA7C8D44-3667-46F6-9772-CC52308E2A7F}" type="slidenum">
               <a:rPr kumimoji="0" lang="en-US" smtClean="0"/>
               <a:pPr/>
-              <a:t>28</a:t>
+              <a:t>29</a:t>
             </a:fld>
             <a:endParaRPr kumimoji="0" lang="en-US" dirty="0"/>
           </a:p>
@@ -31411,1002 +32033,6 @@
     <p:extLst>
       <p:ext uri="{BB962C8B-B14F-4D97-AF65-F5344CB8AC3E}">
         <p14:creationId xmlns:p14="http://schemas.microsoft.com/office/powerpoint/2010/main" val="2331627715"/>
-      </p:ext>
-    </p:extLst>
-  </p:cSld>
-  <p:clrMapOvr>
-    <a:masterClrMapping/>
-  </p:clrMapOvr>
-</p:sld>
-</file>
-
-<file path=ppt/slides/slide29.xml><?xml version="1.0" encoding="utf-8"?>
-<p:sld xmlns:a="http://schemas.openxmlformats.org/drawingml/2006/main" xmlns:r="http://schemas.openxmlformats.org/officeDocument/2006/relationships" xmlns:p="http://schemas.openxmlformats.org/presentationml/2006/main">
-  <p:cSld>
-    <p:spTree>
-      <p:nvGrpSpPr>
-        <p:cNvPr id="1" name=""/>
-        <p:cNvGrpSpPr/>
-        <p:nvPr/>
-      </p:nvGrpSpPr>
-      <p:grpSpPr>
-        <a:xfrm>
-          <a:off x="0" y="0"/>
-          <a:ext cx="0" cy="0"/>
-          <a:chOff x="0" y="0"/>
-          <a:chExt cx="0" cy="0"/>
-        </a:xfrm>
-      </p:grpSpPr>
-      <p:sp>
-        <p:nvSpPr>
-          <p:cNvPr id="2" name="Title 1"/>
-          <p:cNvSpPr>
-            <a:spLocks noGrp="1"/>
-          </p:cNvSpPr>
-          <p:nvPr>
-            <p:ph type="title"/>
-          </p:nvPr>
-        </p:nvSpPr>
-        <p:spPr/>
-        <p:txBody>
-          <a:bodyPr/>
-          <a:lstStyle/>
-          <a:p>
-            <a:r>
-              <a:rPr lang="en-US" dirty="0"/>
-              <a:t>For Loop</a:t>
-            </a:r>
-          </a:p>
-        </p:txBody>
-      </p:sp>
-      <p:sp>
-        <p:nvSpPr>
-          <p:cNvPr id="3" name="Slide Number Placeholder 2"/>
-          <p:cNvSpPr>
-            <a:spLocks noGrp="1"/>
-          </p:cNvSpPr>
-          <p:nvPr>
-            <p:ph type="sldNum" sz="quarter" idx="12"/>
-          </p:nvPr>
-        </p:nvSpPr>
-        <p:spPr/>
-        <p:txBody>
-          <a:bodyPr/>
-          <a:lstStyle/>
-          <a:p>
-            <a:fld id="{EA7C8D44-3667-46F6-9772-CC52308E2A7F}" type="slidenum">
-              <a:rPr kumimoji="0" lang="en-US" smtClean="0"/>
-              <a:pPr/>
-              <a:t>29</a:t>
-            </a:fld>
-            <a:endParaRPr kumimoji="0" lang="en-US" dirty="0"/>
-          </a:p>
-        </p:txBody>
-      </p:sp>
-      <p:graphicFrame>
-        <p:nvGraphicFramePr>
-          <p:cNvPr id="5" name="Table 4"/>
-          <p:cNvGraphicFramePr>
-            <a:graphicFrameLocks noGrp="1"/>
-          </p:cNvGraphicFramePr>
-          <p:nvPr>
-            <p:extLst>
-              <p:ext uri="{D42A27DB-BD31-4B8C-83A1-F6EECF244321}">
-                <p14:modId xmlns:p14="http://schemas.microsoft.com/office/powerpoint/2010/main" val="537093681"/>
-              </p:ext>
-            </p:extLst>
-          </p:nvPr>
-        </p:nvGraphicFramePr>
-        <p:xfrm>
-          <a:off x="1600200" y="1686350"/>
-          <a:ext cx="2514600" cy="1280160"/>
-        </p:xfrm>
-        <a:graphic>
-          <a:graphicData uri="http://schemas.openxmlformats.org/drawingml/2006/table">
-            <a:tbl>
-              <a:tblPr firstRow="1" firstCol="1" bandRow="1">
-                <a:tableStyleId>{B301B821-A1FF-4177-AEE7-76D212191A09}</a:tableStyleId>
-              </a:tblPr>
-              <a:tblGrid>
-                <a:gridCol w="2514600">
-                  <a:extLst>
-                    <a:ext uri="{9D8B030D-6E8A-4147-A177-3AD203B41FA5}">
-                      <a16:colId xmlns:a16="http://schemas.microsoft.com/office/drawing/2014/main" val="20000"/>
-                    </a:ext>
-                  </a:extLst>
-                </a:gridCol>
-              </a:tblGrid>
-              <a:tr h="0">
-                <a:tc>
-                  <a:txBody>
-                    <a:bodyPr/>
-                    <a:lstStyle/>
-                    <a:p>
-                      <a:pPr marL="0" marR="0" algn="just">
-                        <a:spcBef>
-                          <a:spcPts val="0"/>
-                        </a:spcBef>
-                        <a:spcAft>
-                          <a:spcPts val="0"/>
-                        </a:spcAft>
-                      </a:pPr>
-                      <a:r>
-                        <a:rPr lang="en-US" sz="1400" dirty="0">
-                          <a:effectLst/>
-                          <a:latin typeface="Consolas" panose="020B0609020204030204" pitchFamily="49" charset="0"/>
-                          <a:cs typeface="Consolas" panose="020B0609020204030204" pitchFamily="49" charset="0"/>
-                        </a:rPr>
-                        <a:t>C Program</a:t>
-                      </a:r>
-                      <a:endParaRPr lang="en-US" sz="1400" dirty="0">
-                        <a:effectLst/>
-                        <a:latin typeface="Consolas" panose="020B0609020204030204" pitchFamily="49" charset="0"/>
-                        <a:ea typeface="宋体"/>
-                        <a:cs typeface="Consolas" panose="020B0609020204030204" pitchFamily="49" charset="0"/>
-                      </a:endParaRPr>
-                    </a:p>
-                  </a:txBody>
-                  <a:tcPr marL="68580" marR="68580" marT="0" marB="0"/>
-                </a:tc>
-                <a:extLst>
-                  <a:ext uri="{0D108BD9-81ED-4DB2-BD59-A6C34878D82A}">
-                    <a16:rowId xmlns:a16="http://schemas.microsoft.com/office/drawing/2014/main" val="10000"/>
-                  </a:ext>
-                </a:extLst>
-              </a:tr>
-              <a:tr h="0">
-                <a:tc>
-                  <a:txBody>
-                    <a:bodyPr/>
-                    <a:lstStyle/>
-                    <a:p>
-                      <a:pPr marL="0" marR="0" algn="just">
-                        <a:spcBef>
-                          <a:spcPts val="0"/>
-                        </a:spcBef>
-                        <a:spcAft>
-                          <a:spcPts val="0"/>
-                        </a:spcAft>
-                        <a:tabLst>
-                          <a:tab pos="794385" algn="ctr"/>
-                        </a:tabLst>
-                      </a:pPr>
-                      <a:r>
-                        <a:rPr lang="en-US" sz="1400" dirty="0" err="1">
-                          <a:effectLst/>
-                          <a:latin typeface="Consolas" panose="020B0609020204030204" pitchFamily="49" charset="0"/>
-                          <a:cs typeface="Consolas" panose="020B0609020204030204" pitchFamily="49" charset="0"/>
-                        </a:rPr>
-                        <a:t>int</a:t>
-                      </a:r>
-                      <a:r>
-                        <a:rPr lang="en-US" sz="1400" dirty="0">
-                          <a:effectLst/>
-                          <a:latin typeface="Consolas" panose="020B0609020204030204" pitchFamily="49" charset="0"/>
-                          <a:cs typeface="Consolas" panose="020B0609020204030204" pitchFamily="49" charset="0"/>
-                        </a:rPr>
-                        <a:t> </a:t>
-                      </a:r>
-                      <a:r>
-                        <a:rPr lang="en-US" sz="1400" dirty="0" err="1">
-                          <a:effectLst/>
-                          <a:latin typeface="Consolas" panose="020B0609020204030204" pitchFamily="49" charset="0"/>
-                          <a:cs typeface="Consolas" panose="020B0609020204030204" pitchFamily="49" charset="0"/>
-                        </a:rPr>
-                        <a:t>i</a:t>
-                      </a:r>
-                      <a:r>
-                        <a:rPr lang="en-US" sz="1400" dirty="0">
-                          <a:effectLst/>
-                          <a:latin typeface="Consolas" panose="020B0609020204030204" pitchFamily="49" charset="0"/>
-                          <a:cs typeface="Consolas" panose="020B0609020204030204" pitchFamily="49" charset="0"/>
-                        </a:rPr>
-                        <a:t>;</a:t>
-                      </a:r>
-                    </a:p>
-                    <a:p>
-                      <a:pPr marL="0" marR="0" algn="just">
-                        <a:spcBef>
-                          <a:spcPts val="0"/>
-                        </a:spcBef>
-                        <a:spcAft>
-                          <a:spcPts val="0"/>
-                        </a:spcAft>
-                      </a:pPr>
-                      <a:r>
-                        <a:rPr lang="en-US" sz="1400" dirty="0" err="1">
-                          <a:effectLst/>
-                          <a:latin typeface="Consolas" panose="020B0609020204030204" pitchFamily="49" charset="0"/>
-                          <a:cs typeface="Consolas" panose="020B0609020204030204" pitchFamily="49" charset="0"/>
-                        </a:rPr>
-                        <a:t>int</a:t>
-                      </a:r>
-                      <a:r>
-                        <a:rPr lang="en-US" sz="1400" dirty="0">
-                          <a:effectLst/>
-                          <a:latin typeface="Consolas" panose="020B0609020204030204" pitchFamily="49" charset="0"/>
-                          <a:cs typeface="Consolas" panose="020B0609020204030204" pitchFamily="49" charset="0"/>
-                        </a:rPr>
-                        <a:t> sum = 0;</a:t>
-                      </a:r>
-                    </a:p>
-                    <a:p>
-                      <a:pPr marL="0" marR="0" algn="just">
-                        <a:spcBef>
-                          <a:spcPts val="0"/>
-                        </a:spcBef>
-                        <a:spcAft>
-                          <a:spcPts val="0"/>
-                        </a:spcAft>
-                      </a:pPr>
-                      <a:r>
-                        <a:rPr lang="en-US" sz="1400" dirty="0">
-                          <a:effectLst/>
-                          <a:latin typeface="Consolas" panose="020B0609020204030204" pitchFamily="49" charset="0"/>
-                          <a:cs typeface="Consolas" panose="020B0609020204030204" pitchFamily="49" charset="0"/>
-                        </a:rPr>
-                        <a:t>for(</a:t>
-                      </a:r>
-                      <a:r>
-                        <a:rPr lang="en-US" sz="1400" dirty="0" err="1">
-                          <a:effectLst/>
-                          <a:latin typeface="Consolas" panose="020B0609020204030204" pitchFamily="49" charset="0"/>
-                          <a:cs typeface="Consolas" panose="020B0609020204030204" pitchFamily="49" charset="0"/>
-                        </a:rPr>
-                        <a:t>i</a:t>
-                      </a:r>
-                      <a:r>
-                        <a:rPr lang="en-US" sz="1400" dirty="0">
-                          <a:effectLst/>
-                          <a:latin typeface="Consolas" panose="020B0609020204030204" pitchFamily="49" charset="0"/>
-                          <a:cs typeface="Consolas" panose="020B0609020204030204" pitchFamily="49" charset="0"/>
-                        </a:rPr>
-                        <a:t> = 0; </a:t>
-                      </a:r>
-                      <a:r>
-                        <a:rPr lang="en-US" sz="1400" dirty="0" err="1">
-                          <a:effectLst/>
-                          <a:latin typeface="Consolas" panose="020B0609020204030204" pitchFamily="49" charset="0"/>
-                          <a:cs typeface="Consolas" panose="020B0609020204030204" pitchFamily="49" charset="0"/>
-                        </a:rPr>
-                        <a:t>i</a:t>
-                      </a:r>
-                      <a:r>
-                        <a:rPr lang="en-US" sz="1400" dirty="0">
-                          <a:effectLst/>
-                          <a:latin typeface="Consolas" panose="020B0609020204030204" pitchFamily="49" charset="0"/>
-                          <a:cs typeface="Consolas" panose="020B0609020204030204" pitchFamily="49" charset="0"/>
-                        </a:rPr>
-                        <a:t> &lt; 10; </a:t>
-                      </a:r>
-                      <a:r>
-                        <a:rPr lang="en-US" sz="1400" dirty="0" err="1">
-                          <a:effectLst/>
-                          <a:latin typeface="Consolas" panose="020B0609020204030204" pitchFamily="49" charset="0"/>
-                          <a:cs typeface="Consolas" panose="020B0609020204030204" pitchFamily="49" charset="0"/>
-                        </a:rPr>
-                        <a:t>i</a:t>
-                      </a:r>
-                      <a:r>
-                        <a:rPr lang="en-US" sz="1400" dirty="0">
-                          <a:effectLst/>
-                          <a:latin typeface="Consolas" panose="020B0609020204030204" pitchFamily="49" charset="0"/>
-                          <a:cs typeface="Consolas" panose="020B0609020204030204" pitchFamily="49" charset="0"/>
-                        </a:rPr>
-                        <a:t>++){</a:t>
-                      </a:r>
-                    </a:p>
-                    <a:p>
-                      <a:pPr marL="0" marR="0" algn="just">
-                        <a:spcBef>
-                          <a:spcPts val="0"/>
-                        </a:spcBef>
-                        <a:spcAft>
-                          <a:spcPts val="0"/>
-                        </a:spcAft>
-                      </a:pPr>
-                      <a:r>
-                        <a:rPr lang="en-US" sz="1400" dirty="0">
-                          <a:effectLst/>
-                          <a:latin typeface="Consolas" panose="020B0609020204030204" pitchFamily="49" charset="0"/>
-                          <a:cs typeface="Consolas" panose="020B0609020204030204" pitchFamily="49" charset="0"/>
-                        </a:rPr>
-                        <a:t>  sum += </a:t>
-                      </a:r>
-                      <a:r>
-                        <a:rPr lang="en-US" sz="1400" dirty="0" err="1">
-                          <a:effectLst/>
-                          <a:latin typeface="Consolas" panose="020B0609020204030204" pitchFamily="49" charset="0"/>
-                          <a:cs typeface="Consolas" panose="020B0609020204030204" pitchFamily="49" charset="0"/>
-                        </a:rPr>
-                        <a:t>i</a:t>
-                      </a:r>
-                      <a:r>
-                        <a:rPr lang="en-US" sz="1400" dirty="0">
-                          <a:effectLst/>
-                          <a:latin typeface="Consolas" panose="020B0609020204030204" pitchFamily="49" charset="0"/>
-                          <a:cs typeface="Consolas" panose="020B0609020204030204" pitchFamily="49" charset="0"/>
-                        </a:rPr>
-                        <a:t>;</a:t>
-                      </a:r>
-                    </a:p>
-                    <a:p>
-                      <a:pPr marL="0" marR="0" algn="just">
-                        <a:spcBef>
-                          <a:spcPts val="0"/>
-                        </a:spcBef>
-                        <a:spcAft>
-                          <a:spcPts val="0"/>
-                        </a:spcAft>
-                      </a:pPr>
-                      <a:r>
-                        <a:rPr lang="en-US" sz="1400" dirty="0">
-                          <a:effectLst/>
-                          <a:latin typeface="Consolas" panose="020B0609020204030204" pitchFamily="49" charset="0"/>
-                          <a:cs typeface="Consolas" panose="020B0609020204030204" pitchFamily="49" charset="0"/>
-                        </a:rPr>
-                        <a:t>}</a:t>
-                      </a:r>
-                      <a:endParaRPr lang="en-US" sz="1400" dirty="0">
-                        <a:effectLst/>
-                        <a:latin typeface="Consolas" panose="020B0609020204030204" pitchFamily="49" charset="0"/>
-                        <a:ea typeface="宋体"/>
-                        <a:cs typeface="Consolas" panose="020B0609020204030204" pitchFamily="49" charset="0"/>
-                      </a:endParaRPr>
-                    </a:p>
-                  </a:txBody>
-                  <a:tcPr marL="68580" marR="68580" marT="0" marB="0"/>
-                </a:tc>
-                <a:extLst>
-                  <a:ext uri="{0D108BD9-81ED-4DB2-BD59-A6C34878D82A}">
-                    <a16:rowId xmlns:a16="http://schemas.microsoft.com/office/drawing/2014/main" val="10001"/>
-                  </a:ext>
-                </a:extLst>
-              </a:tr>
-            </a:tbl>
-          </a:graphicData>
-        </a:graphic>
-      </p:graphicFrame>
-      <p:pic>
-        <p:nvPicPr>
-          <p:cNvPr id="6145" name="Picture 1"/>
-          <p:cNvPicPr>
-            <a:picLocks noChangeAspect="1" noChangeArrowheads="1"/>
-          </p:cNvPicPr>
-          <p:nvPr/>
-        </p:nvPicPr>
-        <p:blipFill>
-          <a:blip r:embed="rId2">
-            <a:extLst>
-              <a:ext uri="{28A0092B-C50C-407E-A947-70E740481C1C}">
-                <a14:useLocalDpi xmlns:a14="http://schemas.microsoft.com/office/drawing/2010/main" val="0"/>
-              </a:ext>
-            </a:extLst>
-          </a:blip>
-          <a:srcRect/>
-          <a:stretch>
-            <a:fillRect/>
-          </a:stretch>
-        </p:blipFill>
-        <p:spPr bwMode="auto">
-          <a:xfrm>
-            <a:off x="5544766" y="609600"/>
-            <a:ext cx="2468162" cy="3205060"/>
-          </a:xfrm>
-          <a:prstGeom prst="rect">
-            <a:avLst/>
-          </a:prstGeom>
-          <a:noFill/>
-          <a:ln>
-            <a:noFill/>
-          </a:ln>
-          <a:extLst>
-            <a:ext uri="{909E8E84-426E-40DD-AFC4-6F175D3DCCD1}">
-              <a14:hiddenFill xmlns:a14="http://schemas.microsoft.com/office/drawing/2010/main">
-                <a:solidFill>
-                  <a:schemeClr val="accent1"/>
-                </a:solidFill>
-              </a14:hiddenFill>
-            </a:ext>
-            <a:ext uri="{91240B29-F687-4F45-9708-019B960494DF}">
-              <a14:hiddenLine xmlns:a14="http://schemas.microsoft.com/office/drawing/2010/main" w="9525">
-                <a:solidFill>
-                  <a:schemeClr val="tx1"/>
-                </a:solidFill>
-                <a:miter lim="800000"/>
-                <a:headEnd/>
-                <a:tailEnd/>
-              </a14:hiddenLine>
-            </a:ext>
-          </a:extLst>
-        </p:spPr>
-      </p:pic>
-      <p:sp>
-        <p:nvSpPr>
-          <p:cNvPr id="7" name="Rectangle 6"/>
-          <p:cNvSpPr/>
-          <p:nvPr/>
-        </p:nvSpPr>
-        <p:spPr>
-          <a:xfrm>
-            <a:off x="1395918" y="4079466"/>
-            <a:ext cx="6400800" cy="2585323"/>
-          </a:xfrm>
-          <a:prstGeom prst="rect">
-            <a:avLst/>
-          </a:prstGeom>
-        </p:spPr>
-        <p:style>
-          <a:lnRef idx="2">
-            <a:schemeClr val="accent1"/>
-          </a:lnRef>
-          <a:fillRef idx="1">
-            <a:schemeClr val="lt1"/>
-          </a:fillRef>
-          <a:effectRef idx="0">
-            <a:schemeClr val="accent1"/>
-          </a:effectRef>
-          <a:fontRef idx="minor">
-            <a:schemeClr val="dk1"/>
-          </a:fontRef>
-        </p:style>
-        <p:txBody>
-          <a:bodyPr wrap="square">
-            <a:spAutoFit/>
-          </a:bodyPr>
-          <a:lstStyle/>
-          <a:p>
-            <a:r>
-              <a:rPr lang="pt-BR" dirty="0">
-                <a:latin typeface="Consolas" panose="020B0609020204030204" pitchFamily="49" charset="0"/>
-                <a:cs typeface="Consolas" panose="020B0609020204030204" pitchFamily="49" charset="0"/>
-              </a:rPr>
-              <a:t> 	MOV r0, #0  </a:t>
-            </a:r>
-            <a:r>
-              <a:rPr lang="pt-BR" dirty="0">
-                <a:solidFill>
-                  <a:schemeClr val="bg1">
-                    <a:lumMod val="65000"/>
-                  </a:schemeClr>
-                </a:solidFill>
-                <a:latin typeface="Consolas" panose="020B0609020204030204" pitchFamily="49" charset="0"/>
-                <a:cs typeface="Consolas" panose="020B0609020204030204" pitchFamily="49" charset="0"/>
-              </a:rPr>
-              <a:t>; i</a:t>
-            </a:r>
-          </a:p>
-          <a:p>
-            <a:r>
-              <a:rPr lang="pt-BR" dirty="0">
-                <a:latin typeface="Consolas" panose="020B0609020204030204" pitchFamily="49" charset="0"/>
-                <a:cs typeface="Consolas" panose="020B0609020204030204" pitchFamily="49" charset="0"/>
-              </a:rPr>
-              <a:t>      	MOV r1, #0  </a:t>
-            </a:r>
-            <a:r>
-              <a:rPr lang="pt-BR" dirty="0">
-                <a:solidFill>
-                  <a:schemeClr val="bg1">
-                    <a:lumMod val="65000"/>
-                  </a:schemeClr>
-                </a:solidFill>
-                <a:latin typeface="Consolas" panose="020B0609020204030204" pitchFamily="49" charset="0"/>
-                <a:cs typeface="Consolas" panose="020B0609020204030204" pitchFamily="49" charset="0"/>
-              </a:rPr>
-              <a:t>; sum</a:t>
-            </a:r>
-          </a:p>
-          <a:p>
-            <a:endParaRPr lang="pt-BR" dirty="0">
-              <a:latin typeface="Consolas" panose="020B0609020204030204" pitchFamily="49" charset="0"/>
-              <a:cs typeface="Consolas" panose="020B0609020204030204" pitchFamily="49" charset="0"/>
-            </a:endParaRPr>
-          </a:p>
-          <a:p>
-            <a:r>
-              <a:rPr lang="pt-BR" dirty="0">
-                <a:latin typeface="Consolas" panose="020B0609020204030204" pitchFamily="49" charset="0"/>
-                <a:cs typeface="Consolas" panose="020B0609020204030204" pitchFamily="49" charset="0"/>
-              </a:rPr>
-              <a:t>      	</a:t>
-            </a:r>
-            <a:r>
-              <a:rPr lang="pt-BR" dirty="0">
-                <a:solidFill>
-                  <a:srgbClr val="0000FF"/>
-                </a:solidFill>
-                <a:latin typeface="Consolas" panose="020B0609020204030204" pitchFamily="49" charset="0"/>
-                <a:cs typeface="Consolas" panose="020B0609020204030204" pitchFamily="49" charset="0"/>
-              </a:rPr>
-              <a:t>B   check</a:t>
-            </a:r>
-          </a:p>
-          <a:p>
-            <a:r>
-              <a:rPr lang="pt-BR" b="1" dirty="0">
-                <a:solidFill>
-                  <a:srgbClr val="FF0000"/>
-                </a:solidFill>
-                <a:latin typeface="Consolas" panose="020B0609020204030204" pitchFamily="49" charset="0"/>
-                <a:cs typeface="Consolas" panose="020B0609020204030204" pitchFamily="49" charset="0"/>
-              </a:rPr>
-              <a:t>loop</a:t>
-            </a:r>
-            <a:r>
-              <a:rPr lang="pt-BR" dirty="0">
-                <a:latin typeface="Consolas" panose="020B0609020204030204" pitchFamily="49" charset="0"/>
-                <a:cs typeface="Consolas" panose="020B0609020204030204" pitchFamily="49" charset="0"/>
-              </a:rPr>
-              <a:t>  	ADD r1, r1, r0  </a:t>
-            </a:r>
-            <a:r>
-              <a:rPr lang="pt-BR" dirty="0">
-                <a:solidFill>
-                  <a:schemeClr val="bg1">
-                    <a:lumMod val="65000"/>
-                  </a:schemeClr>
-                </a:solidFill>
-                <a:latin typeface="Consolas" panose="020B0609020204030204" pitchFamily="49" charset="0"/>
-                <a:cs typeface="Consolas" panose="020B0609020204030204" pitchFamily="49" charset="0"/>
-              </a:rPr>
-              <a:t>; sum += </a:t>
-            </a:r>
-            <a:r>
-              <a:rPr lang="pt-BR" dirty="0" err="1">
-                <a:solidFill>
-                  <a:schemeClr val="bg1">
-                    <a:lumMod val="65000"/>
-                  </a:schemeClr>
-                </a:solidFill>
-                <a:latin typeface="Consolas" panose="020B0609020204030204" pitchFamily="49" charset="0"/>
-                <a:cs typeface="Consolas" panose="020B0609020204030204" pitchFamily="49" charset="0"/>
-              </a:rPr>
-              <a:t>i</a:t>
-            </a:r>
-            <a:endParaRPr lang="pt-BR" dirty="0">
-              <a:solidFill>
-                <a:schemeClr val="bg1">
-                  <a:lumMod val="65000"/>
-                </a:schemeClr>
-              </a:solidFill>
-              <a:latin typeface="Consolas" panose="020B0609020204030204" pitchFamily="49" charset="0"/>
-              <a:cs typeface="Consolas" panose="020B0609020204030204" pitchFamily="49" charset="0"/>
-            </a:endParaRPr>
-          </a:p>
-          <a:p>
-            <a:r>
-              <a:rPr lang="pt-BR" dirty="0">
-                <a:latin typeface="Consolas" panose="020B0609020204030204" pitchFamily="49" charset="0"/>
-                <a:cs typeface="Consolas" panose="020B0609020204030204" pitchFamily="49" charset="0"/>
-              </a:rPr>
-              <a:t>      	ADD r0, r0, #1  </a:t>
-            </a:r>
-            <a:r>
-              <a:rPr lang="pt-BR" dirty="0">
-                <a:solidFill>
-                  <a:schemeClr val="bg1">
-                    <a:lumMod val="65000"/>
-                  </a:schemeClr>
-                </a:solidFill>
-                <a:latin typeface="Consolas" panose="020B0609020204030204" pitchFamily="49" charset="0"/>
-                <a:cs typeface="Consolas" panose="020B0609020204030204" pitchFamily="49" charset="0"/>
-              </a:rPr>
-              <a:t>; </a:t>
-            </a:r>
-            <a:r>
-              <a:rPr lang="pt-BR" dirty="0" err="1">
-                <a:solidFill>
-                  <a:schemeClr val="bg1">
-                    <a:lumMod val="65000"/>
-                  </a:schemeClr>
-                </a:solidFill>
-                <a:latin typeface="Consolas" panose="020B0609020204030204" pitchFamily="49" charset="0"/>
-                <a:cs typeface="Consolas" panose="020B0609020204030204" pitchFamily="49" charset="0"/>
-              </a:rPr>
-              <a:t>i</a:t>
-            </a:r>
-            <a:r>
-              <a:rPr lang="pt-BR" dirty="0">
-                <a:solidFill>
-                  <a:schemeClr val="bg1">
-                    <a:lumMod val="65000"/>
-                  </a:schemeClr>
-                </a:solidFill>
-                <a:latin typeface="Consolas" panose="020B0609020204030204" pitchFamily="49" charset="0"/>
-                <a:cs typeface="Consolas" panose="020B0609020204030204" pitchFamily="49" charset="0"/>
-              </a:rPr>
-              <a:t>++</a:t>
-            </a:r>
-          </a:p>
-          <a:p>
-            <a:r>
-              <a:rPr lang="pt-BR" dirty="0">
-                <a:solidFill>
-                  <a:srgbClr val="0000FF"/>
-                </a:solidFill>
-                <a:latin typeface="Consolas" panose="020B0609020204030204" pitchFamily="49" charset="0"/>
-                <a:cs typeface="Consolas" panose="020B0609020204030204" pitchFamily="49" charset="0"/>
-              </a:rPr>
-              <a:t>check</a:t>
-            </a:r>
-            <a:r>
-              <a:rPr lang="pt-BR" dirty="0">
-                <a:latin typeface="Consolas" panose="020B0609020204030204" pitchFamily="49" charset="0"/>
-                <a:cs typeface="Consolas" panose="020B0609020204030204" pitchFamily="49" charset="0"/>
-              </a:rPr>
-              <a:t> 	CMP r0, #10     </a:t>
-            </a:r>
-            <a:r>
-              <a:rPr lang="pt-BR" dirty="0">
-                <a:solidFill>
-                  <a:schemeClr val="bg1">
-                    <a:lumMod val="65000"/>
-                  </a:schemeClr>
-                </a:solidFill>
-                <a:latin typeface="Consolas" panose="020B0609020204030204" pitchFamily="49" charset="0"/>
-                <a:cs typeface="Consolas" panose="020B0609020204030204" pitchFamily="49" charset="0"/>
-              </a:rPr>
-              <a:t>; </a:t>
-            </a:r>
-            <a:r>
-              <a:rPr lang="pt-BR" dirty="0" err="1">
-                <a:solidFill>
-                  <a:schemeClr val="bg1">
-                    <a:lumMod val="65000"/>
-                  </a:schemeClr>
-                </a:solidFill>
-                <a:latin typeface="Consolas" panose="020B0609020204030204" pitchFamily="49" charset="0"/>
-                <a:cs typeface="Consolas" panose="020B0609020204030204" pitchFamily="49" charset="0"/>
-              </a:rPr>
-              <a:t>check</a:t>
-            </a:r>
-            <a:r>
-              <a:rPr lang="pt-BR" dirty="0">
-                <a:solidFill>
-                  <a:schemeClr val="bg1">
-                    <a:lumMod val="65000"/>
-                  </a:schemeClr>
-                </a:solidFill>
-                <a:latin typeface="Consolas" panose="020B0609020204030204" pitchFamily="49" charset="0"/>
-                <a:cs typeface="Consolas" panose="020B0609020204030204" pitchFamily="49" charset="0"/>
-              </a:rPr>
-              <a:t> </a:t>
-            </a:r>
-            <a:r>
-              <a:rPr lang="pt-BR" dirty="0" err="1">
-                <a:solidFill>
-                  <a:schemeClr val="bg1">
-                    <a:lumMod val="65000"/>
-                  </a:schemeClr>
-                </a:solidFill>
-                <a:latin typeface="Consolas" panose="020B0609020204030204" pitchFamily="49" charset="0"/>
-                <a:cs typeface="Consolas" panose="020B0609020204030204" pitchFamily="49" charset="0"/>
-              </a:rPr>
-              <a:t>whether</a:t>
-            </a:r>
-            <a:r>
-              <a:rPr lang="pt-BR" dirty="0">
-                <a:solidFill>
-                  <a:schemeClr val="bg1">
-                    <a:lumMod val="65000"/>
-                  </a:schemeClr>
-                </a:solidFill>
-                <a:latin typeface="Consolas" panose="020B0609020204030204" pitchFamily="49" charset="0"/>
-                <a:cs typeface="Consolas" panose="020B0609020204030204" pitchFamily="49" charset="0"/>
-              </a:rPr>
-              <a:t> </a:t>
-            </a:r>
-            <a:r>
-              <a:rPr lang="pt-BR" dirty="0" err="1">
-                <a:solidFill>
-                  <a:schemeClr val="bg1">
-                    <a:lumMod val="65000"/>
-                  </a:schemeClr>
-                </a:solidFill>
-                <a:latin typeface="Consolas" panose="020B0609020204030204" pitchFamily="49" charset="0"/>
-                <a:cs typeface="Consolas" panose="020B0609020204030204" pitchFamily="49" charset="0"/>
-              </a:rPr>
-              <a:t>i</a:t>
-            </a:r>
-            <a:r>
-              <a:rPr lang="pt-BR" dirty="0">
-                <a:solidFill>
-                  <a:schemeClr val="bg1">
-                    <a:lumMod val="65000"/>
-                  </a:schemeClr>
-                </a:solidFill>
-                <a:latin typeface="Consolas" panose="020B0609020204030204" pitchFamily="49" charset="0"/>
-                <a:cs typeface="Consolas" panose="020B0609020204030204" pitchFamily="49" charset="0"/>
-              </a:rPr>
-              <a:t> &lt; 10</a:t>
-            </a:r>
-          </a:p>
-          <a:p>
-            <a:r>
-              <a:rPr lang="pt-BR" dirty="0">
-                <a:latin typeface="Consolas" panose="020B0609020204030204" pitchFamily="49" charset="0"/>
-                <a:cs typeface="Consolas" panose="020B0609020204030204" pitchFamily="49" charset="0"/>
-              </a:rPr>
-              <a:t>      	</a:t>
-            </a:r>
-            <a:r>
-              <a:rPr lang="pt-BR" b="1" dirty="0">
-                <a:solidFill>
-                  <a:srgbClr val="FF0000"/>
-                </a:solidFill>
-                <a:latin typeface="Consolas" panose="020B0609020204030204" pitchFamily="49" charset="0"/>
-                <a:cs typeface="Consolas" panose="020B0609020204030204" pitchFamily="49" charset="0"/>
-              </a:rPr>
-              <a:t>BLT loop</a:t>
-            </a:r>
-            <a:r>
-              <a:rPr lang="pt-BR" b="1" dirty="0">
-                <a:solidFill>
-                  <a:schemeClr val="bg1">
-                    <a:lumMod val="65000"/>
-                  </a:schemeClr>
-                </a:solidFill>
-                <a:latin typeface="Consolas" panose="020B0609020204030204" pitchFamily="49" charset="0"/>
-                <a:cs typeface="Consolas" panose="020B0609020204030204" pitchFamily="49" charset="0"/>
-              </a:rPr>
-              <a:t>        </a:t>
-            </a:r>
-            <a:r>
-              <a:rPr lang="pt-BR" dirty="0">
-                <a:solidFill>
-                  <a:schemeClr val="bg1">
-                    <a:lumMod val="65000"/>
-                  </a:schemeClr>
-                </a:solidFill>
-                <a:latin typeface="Consolas" panose="020B0609020204030204" pitchFamily="49" charset="0"/>
-                <a:cs typeface="Consolas" panose="020B0609020204030204" pitchFamily="49" charset="0"/>
-              </a:rPr>
-              <a:t>; loop </a:t>
-            </a:r>
-            <a:r>
-              <a:rPr lang="pt-BR" dirty="0" err="1">
-                <a:solidFill>
-                  <a:schemeClr val="bg1">
-                    <a:lumMod val="65000"/>
-                  </a:schemeClr>
-                </a:solidFill>
-                <a:latin typeface="Consolas" panose="020B0609020204030204" pitchFamily="49" charset="0"/>
-                <a:cs typeface="Consolas" panose="020B0609020204030204" pitchFamily="49" charset="0"/>
-              </a:rPr>
-              <a:t>if</a:t>
-            </a:r>
-            <a:r>
-              <a:rPr lang="pt-BR" dirty="0">
-                <a:solidFill>
-                  <a:schemeClr val="bg1">
-                    <a:lumMod val="65000"/>
-                  </a:schemeClr>
-                </a:solidFill>
-                <a:latin typeface="Consolas" panose="020B0609020204030204" pitchFamily="49" charset="0"/>
-                <a:cs typeface="Consolas" panose="020B0609020204030204" pitchFamily="49" charset="0"/>
-              </a:rPr>
-              <a:t> </a:t>
-            </a:r>
-            <a:r>
-              <a:rPr lang="pt-BR" dirty="0" err="1">
-                <a:solidFill>
-                  <a:schemeClr val="bg1">
-                    <a:lumMod val="65000"/>
-                  </a:schemeClr>
-                </a:solidFill>
-                <a:latin typeface="Consolas" panose="020B0609020204030204" pitchFamily="49" charset="0"/>
-                <a:cs typeface="Consolas" panose="020B0609020204030204" pitchFamily="49" charset="0"/>
-              </a:rPr>
-              <a:t>signed</a:t>
-            </a:r>
-            <a:r>
-              <a:rPr lang="pt-BR" dirty="0">
-                <a:solidFill>
-                  <a:schemeClr val="bg1">
-                    <a:lumMod val="65000"/>
-                  </a:schemeClr>
-                </a:solidFill>
-                <a:latin typeface="Consolas" panose="020B0609020204030204" pitchFamily="49" charset="0"/>
-                <a:cs typeface="Consolas" panose="020B0609020204030204" pitchFamily="49" charset="0"/>
-              </a:rPr>
-              <a:t> </a:t>
-            </a:r>
-            <a:r>
-              <a:rPr lang="pt-BR" dirty="0" err="1">
-                <a:solidFill>
-                  <a:schemeClr val="bg1">
-                    <a:lumMod val="65000"/>
-                  </a:schemeClr>
-                </a:solidFill>
-                <a:latin typeface="Consolas" panose="020B0609020204030204" pitchFamily="49" charset="0"/>
-                <a:cs typeface="Consolas" panose="020B0609020204030204" pitchFamily="49" charset="0"/>
-              </a:rPr>
-              <a:t>less</a:t>
-            </a:r>
-            <a:r>
-              <a:rPr lang="pt-BR" dirty="0">
-                <a:solidFill>
-                  <a:schemeClr val="bg1">
-                    <a:lumMod val="65000"/>
-                  </a:schemeClr>
-                </a:solidFill>
-                <a:latin typeface="Consolas" panose="020B0609020204030204" pitchFamily="49" charset="0"/>
-                <a:cs typeface="Consolas" panose="020B0609020204030204" pitchFamily="49" charset="0"/>
-              </a:rPr>
-              <a:t> </a:t>
-            </a:r>
-            <a:r>
-              <a:rPr lang="pt-BR" dirty="0" err="1">
-                <a:solidFill>
-                  <a:schemeClr val="bg1">
-                    <a:lumMod val="65000"/>
-                  </a:schemeClr>
-                </a:solidFill>
-                <a:latin typeface="Consolas" panose="020B0609020204030204" pitchFamily="49" charset="0"/>
-                <a:cs typeface="Consolas" panose="020B0609020204030204" pitchFamily="49" charset="0"/>
-              </a:rPr>
-              <a:t>than</a:t>
-            </a:r>
-            <a:endParaRPr lang="pt-BR" dirty="0">
-              <a:solidFill>
-                <a:srgbClr val="FF0000"/>
-              </a:solidFill>
-              <a:latin typeface="Consolas" panose="020B0609020204030204" pitchFamily="49" charset="0"/>
-              <a:cs typeface="Consolas" panose="020B0609020204030204" pitchFamily="49" charset="0"/>
-            </a:endParaRPr>
-          </a:p>
-          <a:p>
-            <a:r>
-              <a:rPr lang="pt-BR" dirty="0">
-                <a:latin typeface="Consolas" panose="020B0609020204030204" pitchFamily="49" charset="0"/>
-                <a:cs typeface="Consolas" panose="020B0609020204030204" pitchFamily="49" charset="0"/>
-              </a:rPr>
-              <a:t>endloop</a:t>
-            </a:r>
-            <a:endParaRPr lang="en-US" dirty="0">
-              <a:latin typeface="Consolas" panose="020B0609020204030204" pitchFamily="49" charset="0"/>
-              <a:cs typeface="Consolas" panose="020B0609020204030204" pitchFamily="49" charset="0"/>
-            </a:endParaRPr>
-          </a:p>
-        </p:txBody>
-      </p:sp>
-      <p:sp>
-        <p:nvSpPr>
-          <p:cNvPr id="9" name="TextBox 8"/>
-          <p:cNvSpPr txBox="1"/>
-          <p:nvPr/>
-        </p:nvSpPr>
-        <p:spPr>
-          <a:xfrm>
-            <a:off x="457200" y="3581400"/>
-            <a:ext cx="1877437" cy="369332"/>
-          </a:xfrm>
-          <a:prstGeom prst="rect">
-            <a:avLst/>
-          </a:prstGeom>
-          <a:noFill/>
-        </p:spPr>
-        <p:txBody>
-          <a:bodyPr wrap="none" rtlCol="0">
-            <a:spAutoFit/>
-          </a:bodyPr>
-          <a:lstStyle/>
-          <a:p>
-            <a:r>
-              <a:rPr lang="en-US" dirty="0"/>
-              <a:t>Implementation 1:</a:t>
-            </a:r>
-          </a:p>
-        </p:txBody>
-      </p:sp>
-      <p:sp>
-        <p:nvSpPr>
-          <p:cNvPr id="8" name="Arrow: Curved Right 7">
-            <a:extLst>
-              <a:ext uri="{FF2B5EF4-FFF2-40B4-BE49-F238E27FC236}">
-                <a16:creationId xmlns:a16="http://schemas.microsoft.com/office/drawing/2014/main" id="{B90A5FBE-3EEC-E562-4990-ACC491525091}"/>
-              </a:ext>
-            </a:extLst>
-          </p:cNvPr>
-          <p:cNvSpPr/>
-          <p:nvPr/>
-        </p:nvSpPr>
-        <p:spPr>
-          <a:xfrm flipV="1">
-            <a:off x="914399" y="5257800"/>
-            <a:ext cx="455643" cy="1098550"/>
-          </a:xfrm>
-          <a:prstGeom prst="curvedRightArrow">
-            <a:avLst/>
-          </a:prstGeom>
-        </p:spPr>
-        <p:style>
-          <a:lnRef idx="2">
-            <a:schemeClr val="accent1">
-              <a:shade val="15000"/>
-            </a:schemeClr>
-          </a:lnRef>
-          <a:fillRef idx="1">
-            <a:schemeClr val="accent1"/>
-          </a:fillRef>
-          <a:effectRef idx="0">
-            <a:schemeClr val="accent1"/>
-          </a:effectRef>
-          <a:fontRef idx="minor">
-            <a:schemeClr val="lt1"/>
-          </a:fontRef>
-        </p:style>
-        <p:txBody>
-          <a:bodyPr rtlCol="0" anchor="ctr"/>
-          <a:lstStyle/>
-          <a:p>
-            <a:pPr algn="ctr"/>
-            <a:endParaRPr lang="en-US">
-              <a:solidFill>
-                <a:schemeClr val="tx1"/>
-              </a:solidFill>
-            </a:endParaRPr>
-          </a:p>
-        </p:txBody>
-      </p:sp>
-      <p:sp>
-        <p:nvSpPr>
-          <p:cNvPr id="10" name="Arrow: Curved Right 9">
-            <a:extLst>
-              <a:ext uri="{FF2B5EF4-FFF2-40B4-BE49-F238E27FC236}">
-                <a16:creationId xmlns:a16="http://schemas.microsoft.com/office/drawing/2014/main" id="{09F6685E-48F3-5005-2FD5-22AC677DFD68}"/>
-              </a:ext>
-            </a:extLst>
-          </p:cNvPr>
-          <p:cNvSpPr/>
-          <p:nvPr/>
-        </p:nvSpPr>
-        <p:spPr>
-          <a:xfrm>
-            <a:off x="914399" y="4998430"/>
-            <a:ext cx="455643" cy="992160"/>
-          </a:xfrm>
-          <a:prstGeom prst="curvedRightArrow">
-            <a:avLst/>
-          </a:prstGeom>
-          <a:solidFill>
-            <a:srgbClr val="FFFF00"/>
-          </a:solidFill>
-        </p:spPr>
-        <p:style>
-          <a:lnRef idx="2">
-            <a:schemeClr val="accent1">
-              <a:shade val="15000"/>
-            </a:schemeClr>
-          </a:lnRef>
-          <a:fillRef idx="1">
-            <a:schemeClr val="accent1"/>
-          </a:fillRef>
-          <a:effectRef idx="0">
-            <a:schemeClr val="accent1"/>
-          </a:effectRef>
-          <a:fontRef idx="minor">
-            <a:schemeClr val="lt1"/>
-          </a:fontRef>
-        </p:style>
-        <p:txBody>
-          <a:bodyPr rtlCol="0" anchor="ctr"/>
-          <a:lstStyle/>
-          <a:p>
-            <a:pPr algn="ctr"/>
-            <a:endParaRPr lang="en-US">
-              <a:solidFill>
-                <a:schemeClr val="tx1"/>
-              </a:solidFill>
-            </a:endParaRPr>
-          </a:p>
-        </p:txBody>
-      </p:sp>
-    </p:spTree>
-    <p:extLst>
-      <p:ext uri="{BB962C8B-B14F-4D97-AF65-F5344CB8AC3E}">
-        <p14:creationId xmlns:p14="http://schemas.microsoft.com/office/powerpoint/2010/main" val="3293036044"/>
       </p:ext>
     </p:extLst>
   </p:cSld>
@@ -32956,6 +32582,1002 @@
           <p:nvPr>
             <p:extLst>
               <p:ext uri="{D42A27DB-BD31-4B8C-83A1-F6EECF244321}">
+                <p14:modId xmlns:p14="http://schemas.microsoft.com/office/powerpoint/2010/main" val="537093681"/>
+              </p:ext>
+            </p:extLst>
+          </p:nvPr>
+        </p:nvGraphicFramePr>
+        <p:xfrm>
+          <a:off x="1600200" y="1686350"/>
+          <a:ext cx="2514600" cy="1280160"/>
+        </p:xfrm>
+        <a:graphic>
+          <a:graphicData uri="http://schemas.openxmlformats.org/drawingml/2006/table">
+            <a:tbl>
+              <a:tblPr firstRow="1" firstCol="1" bandRow="1">
+                <a:tableStyleId>{B301B821-A1FF-4177-AEE7-76D212191A09}</a:tableStyleId>
+              </a:tblPr>
+              <a:tblGrid>
+                <a:gridCol w="2514600">
+                  <a:extLst>
+                    <a:ext uri="{9D8B030D-6E8A-4147-A177-3AD203B41FA5}">
+                      <a16:colId xmlns:a16="http://schemas.microsoft.com/office/drawing/2014/main" val="20000"/>
+                    </a:ext>
+                  </a:extLst>
+                </a:gridCol>
+              </a:tblGrid>
+              <a:tr h="0">
+                <a:tc>
+                  <a:txBody>
+                    <a:bodyPr/>
+                    <a:lstStyle/>
+                    <a:p>
+                      <a:pPr marL="0" marR="0" algn="just">
+                        <a:spcBef>
+                          <a:spcPts val="0"/>
+                        </a:spcBef>
+                        <a:spcAft>
+                          <a:spcPts val="0"/>
+                        </a:spcAft>
+                      </a:pPr>
+                      <a:r>
+                        <a:rPr lang="en-US" sz="1400" dirty="0">
+                          <a:effectLst/>
+                          <a:latin typeface="Consolas" panose="020B0609020204030204" pitchFamily="49" charset="0"/>
+                          <a:cs typeface="Consolas" panose="020B0609020204030204" pitchFamily="49" charset="0"/>
+                        </a:rPr>
+                        <a:t>C Program</a:t>
+                      </a:r>
+                      <a:endParaRPr lang="en-US" sz="1400" dirty="0">
+                        <a:effectLst/>
+                        <a:latin typeface="Consolas" panose="020B0609020204030204" pitchFamily="49" charset="0"/>
+                        <a:ea typeface="宋体"/>
+                        <a:cs typeface="Consolas" panose="020B0609020204030204" pitchFamily="49" charset="0"/>
+                      </a:endParaRPr>
+                    </a:p>
+                  </a:txBody>
+                  <a:tcPr marL="68580" marR="68580" marT="0" marB="0"/>
+                </a:tc>
+                <a:extLst>
+                  <a:ext uri="{0D108BD9-81ED-4DB2-BD59-A6C34878D82A}">
+                    <a16:rowId xmlns:a16="http://schemas.microsoft.com/office/drawing/2014/main" val="10000"/>
+                  </a:ext>
+                </a:extLst>
+              </a:tr>
+              <a:tr h="0">
+                <a:tc>
+                  <a:txBody>
+                    <a:bodyPr/>
+                    <a:lstStyle/>
+                    <a:p>
+                      <a:pPr marL="0" marR="0" algn="just">
+                        <a:spcBef>
+                          <a:spcPts val="0"/>
+                        </a:spcBef>
+                        <a:spcAft>
+                          <a:spcPts val="0"/>
+                        </a:spcAft>
+                        <a:tabLst>
+                          <a:tab pos="794385" algn="ctr"/>
+                        </a:tabLst>
+                      </a:pPr>
+                      <a:r>
+                        <a:rPr lang="en-US" sz="1400" dirty="0" err="1">
+                          <a:effectLst/>
+                          <a:latin typeface="Consolas" panose="020B0609020204030204" pitchFamily="49" charset="0"/>
+                          <a:cs typeface="Consolas" panose="020B0609020204030204" pitchFamily="49" charset="0"/>
+                        </a:rPr>
+                        <a:t>int</a:t>
+                      </a:r>
+                      <a:r>
+                        <a:rPr lang="en-US" sz="1400" dirty="0">
+                          <a:effectLst/>
+                          <a:latin typeface="Consolas" panose="020B0609020204030204" pitchFamily="49" charset="0"/>
+                          <a:cs typeface="Consolas" panose="020B0609020204030204" pitchFamily="49" charset="0"/>
+                        </a:rPr>
+                        <a:t> </a:t>
+                      </a:r>
+                      <a:r>
+                        <a:rPr lang="en-US" sz="1400" dirty="0" err="1">
+                          <a:effectLst/>
+                          <a:latin typeface="Consolas" panose="020B0609020204030204" pitchFamily="49" charset="0"/>
+                          <a:cs typeface="Consolas" panose="020B0609020204030204" pitchFamily="49" charset="0"/>
+                        </a:rPr>
+                        <a:t>i</a:t>
+                      </a:r>
+                      <a:r>
+                        <a:rPr lang="en-US" sz="1400" dirty="0">
+                          <a:effectLst/>
+                          <a:latin typeface="Consolas" panose="020B0609020204030204" pitchFamily="49" charset="0"/>
+                          <a:cs typeface="Consolas" panose="020B0609020204030204" pitchFamily="49" charset="0"/>
+                        </a:rPr>
+                        <a:t>;</a:t>
+                      </a:r>
+                    </a:p>
+                    <a:p>
+                      <a:pPr marL="0" marR="0" algn="just">
+                        <a:spcBef>
+                          <a:spcPts val="0"/>
+                        </a:spcBef>
+                        <a:spcAft>
+                          <a:spcPts val="0"/>
+                        </a:spcAft>
+                      </a:pPr>
+                      <a:r>
+                        <a:rPr lang="en-US" sz="1400" dirty="0" err="1">
+                          <a:effectLst/>
+                          <a:latin typeface="Consolas" panose="020B0609020204030204" pitchFamily="49" charset="0"/>
+                          <a:cs typeface="Consolas" panose="020B0609020204030204" pitchFamily="49" charset="0"/>
+                        </a:rPr>
+                        <a:t>int</a:t>
+                      </a:r>
+                      <a:r>
+                        <a:rPr lang="en-US" sz="1400" dirty="0">
+                          <a:effectLst/>
+                          <a:latin typeface="Consolas" panose="020B0609020204030204" pitchFamily="49" charset="0"/>
+                          <a:cs typeface="Consolas" panose="020B0609020204030204" pitchFamily="49" charset="0"/>
+                        </a:rPr>
+                        <a:t> sum = 0;</a:t>
+                      </a:r>
+                    </a:p>
+                    <a:p>
+                      <a:pPr marL="0" marR="0" algn="just">
+                        <a:spcBef>
+                          <a:spcPts val="0"/>
+                        </a:spcBef>
+                        <a:spcAft>
+                          <a:spcPts val="0"/>
+                        </a:spcAft>
+                      </a:pPr>
+                      <a:r>
+                        <a:rPr lang="en-US" sz="1400" dirty="0">
+                          <a:effectLst/>
+                          <a:latin typeface="Consolas" panose="020B0609020204030204" pitchFamily="49" charset="0"/>
+                          <a:cs typeface="Consolas" panose="020B0609020204030204" pitchFamily="49" charset="0"/>
+                        </a:rPr>
+                        <a:t>for(</a:t>
+                      </a:r>
+                      <a:r>
+                        <a:rPr lang="en-US" sz="1400" dirty="0" err="1">
+                          <a:effectLst/>
+                          <a:latin typeface="Consolas" panose="020B0609020204030204" pitchFamily="49" charset="0"/>
+                          <a:cs typeface="Consolas" panose="020B0609020204030204" pitchFamily="49" charset="0"/>
+                        </a:rPr>
+                        <a:t>i</a:t>
+                      </a:r>
+                      <a:r>
+                        <a:rPr lang="en-US" sz="1400" dirty="0">
+                          <a:effectLst/>
+                          <a:latin typeface="Consolas" panose="020B0609020204030204" pitchFamily="49" charset="0"/>
+                          <a:cs typeface="Consolas" panose="020B0609020204030204" pitchFamily="49" charset="0"/>
+                        </a:rPr>
+                        <a:t> = 0; </a:t>
+                      </a:r>
+                      <a:r>
+                        <a:rPr lang="en-US" sz="1400" dirty="0" err="1">
+                          <a:effectLst/>
+                          <a:latin typeface="Consolas" panose="020B0609020204030204" pitchFamily="49" charset="0"/>
+                          <a:cs typeface="Consolas" panose="020B0609020204030204" pitchFamily="49" charset="0"/>
+                        </a:rPr>
+                        <a:t>i</a:t>
+                      </a:r>
+                      <a:r>
+                        <a:rPr lang="en-US" sz="1400" dirty="0">
+                          <a:effectLst/>
+                          <a:latin typeface="Consolas" panose="020B0609020204030204" pitchFamily="49" charset="0"/>
+                          <a:cs typeface="Consolas" panose="020B0609020204030204" pitchFamily="49" charset="0"/>
+                        </a:rPr>
+                        <a:t> &lt; 10; </a:t>
+                      </a:r>
+                      <a:r>
+                        <a:rPr lang="en-US" sz="1400" dirty="0" err="1">
+                          <a:effectLst/>
+                          <a:latin typeface="Consolas" panose="020B0609020204030204" pitchFamily="49" charset="0"/>
+                          <a:cs typeface="Consolas" panose="020B0609020204030204" pitchFamily="49" charset="0"/>
+                        </a:rPr>
+                        <a:t>i</a:t>
+                      </a:r>
+                      <a:r>
+                        <a:rPr lang="en-US" sz="1400" dirty="0">
+                          <a:effectLst/>
+                          <a:latin typeface="Consolas" panose="020B0609020204030204" pitchFamily="49" charset="0"/>
+                          <a:cs typeface="Consolas" panose="020B0609020204030204" pitchFamily="49" charset="0"/>
+                        </a:rPr>
+                        <a:t>++){</a:t>
+                      </a:r>
+                    </a:p>
+                    <a:p>
+                      <a:pPr marL="0" marR="0" algn="just">
+                        <a:spcBef>
+                          <a:spcPts val="0"/>
+                        </a:spcBef>
+                        <a:spcAft>
+                          <a:spcPts val="0"/>
+                        </a:spcAft>
+                      </a:pPr>
+                      <a:r>
+                        <a:rPr lang="en-US" sz="1400" dirty="0">
+                          <a:effectLst/>
+                          <a:latin typeface="Consolas" panose="020B0609020204030204" pitchFamily="49" charset="0"/>
+                          <a:cs typeface="Consolas" panose="020B0609020204030204" pitchFamily="49" charset="0"/>
+                        </a:rPr>
+                        <a:t>  sum += </a:t>
+                      </a:r>
+                      <a:r>
+                        <a:rPr lang="en-US" sz="1400" dirty="0" err="1">
+                          <a:effectLst/>
+                          <a:latin typeface="Consolas" panose="020B0609020204030204" pitchFamily="49" charset="0"/>
+                          <a:cs typeface="Consolas" panose="020B0609020204030204" pitchFamily="49" charset="0"/>
+                        </a:rPr>
+                        <a:t>i</a:t>
+                      </a:r>
+                      <a:r>
+                        <a:rPr lang="en-US" sz="1400" dirty="0">
+                          <a:effectLst/>
+                          <a:latin typeface="Consolas" panose="020B0609020204030204" pitchFamily="49" charset="0"/>
+                          <a:cs typeface="Consolas" panose="020B0609020204030204" pitchFamily="49" charset="0"/>
+                        </a:rPr>
+                        <a:t>;</a:t>
+                      </a:r>
+                    </a:p>
+                    <a:p>
+                      <a:pPr marL="0" marR="0" algn="just">
+                        <a:spcBef>
+                          <a:spcPts val="0"/>
+                        </a:spcBef>
+                        <a:spcAft>
+                          <a:spcPts val="0"/>
+                        </a:spcAft>
+                      </a:pPr>
+                      <a:r>
+                        <a:rPr lang="en-US" sz="1400" dirty="0">
+                          <a:effectLst/>
+                          <a:latin typeface="Consolas" panose="020B0609020204030204" pitchFamily="49" charset="0"/>
+                          <a:cs typeface="Consolas" panose="020B0609020204030204" pitchFamily="49" charset="0"/>
+                        </a:rPr>
+                        <a:t>}</a:t>
+                      </a:r>
+                      <a:endParaRPr lang="en-US" sz="1400" dirty="0">
+                        <a:effectLst/>
+                        <a:latin typeface="Consolas" panose="020B0609020204030204" pitchFamily="49" charset="0"/>
+                        <a:ea typeface="宋体"/>
+                        <a:cs typeface="Consolas" panose="020B0609020204030204" pitchFamily="49" charset="0"/>
+                      </a:endParaRPr>
+                    </a:p>
+                  </a:txBody>
+                  <a:tcPr marL="68580" marR="68580" marT="0" marB="0"/>
+                </a:tc>
+                <a:extLst>
+                  <a:ext uri="{0D108BD9-81ED-4DB2-BD59-A6C34878D82A}">
+                    <a16:rowId xmlns:a16="http://schemas.microsoft.com/office/drawing/2014/main" val="10001"/>
+                  </a:ext>
+                </a:extLst>
+              </a:tr>
+            </a:tbl>
+          </a:graphicData>
+        </a:graphic>
+      </p:graphicFrame>
+      <p:pic>
+        <p:nvPicPr>
+          <p:cNvPr id="6145" name="Picture 1"/>
+          <p:cNvPicPr>
+            <a:picLocks noChangeAspect="1" noChangeArrowheads="1"/>
+          </p:cNvPicPr>
+          <p:nvPr/>
+        </p:nvPicPr>
+        <p:blipFill>
+          <a:blip r:embed="rId2">
+            <a:extLst>
+              <a:ext uri="{28A0092B-C50C-407E-A947-70E740481C1C}">
+                <a14:useLocalDpi xmlns:a14="http://schemas.microsoft.com/office/drawing/2010/main" val="0"/>
+              </a:ext>
+            </a:extLst>
+          </a:blip>
+          <a:srcRect/>
+          <a:stretch>
+            <a:fillRect/>
+          </a:stretch>
+        </p:blipFill>
+        <p:spPr bwMode="auto">
+          <a:xfrm>
+            <a:off x="5544766" y="609600"/>
+            <a:ext cx="2468162" cy="3205060"/>
+          </a:xfrm>
+          <a:prstGeom prst="rect">
+            <a:avLst/>
+          </a:prstGeom>
+          <a:noFill/>
+          <a:ln>
+            <a:noFill/>
+          </a:ln>
+          <a:extLst>
+            <a:ext uri="{909E8E84-426E-40DD-AFC4-6F175D3DCCD1}">
+              <a14:hiddenFill xmlns:a14="http://schemas.microsoft.com/office/drawing/2010/main">
+                <a:solidFill>
+                  <a:schemeClr val="accent1"/>
+                </a:solidFill>
+              </a14:hiddenFill>
+            </a:ext>
+            <a:ext uri="{91240B29-F687-4F45-9708-019B960494DF}">
+              <a14:hiddenLine xmlns:a14="http://schemas.microsoft.com/office/drawing/2010/main" w="9525">
+                <a:solidFill>
+                  <a:schemeClr val="tx1"/>
+                </a:solidFill>
+                <a:miter lim="800000"/>
+                <a:headEnd/>
+                <a:tailEnd/>
+              </a14:hiddenLine>
+            </a:ext>
+          </a:extLst>
+        </p:spPr>
+      </p:pic>
+      <p:sp>
+        <p:nvSpPr>
+          <p:cNvPr id="7" name="Rectangle 6"/>
+          <p:cNvSpPr/>
+          <p:nvPr/>
+        </p:nvSpPr>
+        <p:spPr>
+          <a:xfrm>
+            <a:off x="1395918" y="4079466"/>
+            <a:ext cx="6400800" cy="2585323"/>
+          </a:xfrm>
+          <a:prstGeom prst="rect">
+            <a:avLst/>
+          </a:prstGeom>
+        </p:spPr>
+        <p:style>
+          <a:lnRef idx="2">
+            <a:schemeClr val="accent1"/>
+          </a:lnRef>
+          <a:fillRef idx="1">
+            <a:schemeClr val="lt1"/>
+          </a:fillRef>
+          <a:effectRef idx="0">
+            <a:schemeClr val="accent1"/>
+          </a:effectRef>
+          <a:fontRef idx="minor">
+            <a:schemeClr val="dk1"/>
+          </a:fontRef>
+        </p:style>
+        <p:txBody>
+          <a:bodyPr wrap="square">
+            <a:spAutoFit/>
+          </a:bodyPr>
+          <a:lstStyle/>
+          <a:p>
+            <a:r>
+              <a:rPr lang="pt-BR" dirty="0">
+                <a:latin typeface="Consolas" panose="020B0609020204030204" pitchFamily="49" charset="0"/>
+                <a:cs typeface="Consolas" panose="020B0609020204030204" pitchFamily="49" charset="0"/>
+              </a:rPr>
+              <a:t> 	MOV r0, #0  </a:t>
+            </a:r>
+            <a:r>
+              <a:rPr lang="pt-BR" dirty="0">
+                <a:solidFill>
+                  <a:schemeClr val="bg1">
+                    <a:lumMod val="65000"/>
+                  </a:schemeClr>
+                </a:solidFill>
+                <a:latin typeface="Consolas" panose="020B0609020204030204" pitchFamily="49" charset="0"/>
+                <a:cs typeface="Consolas" panose="020B0609020204030204" pitchFamily="49" charset="0"/>
+              </a:rPr>
+              <a:t>; i</a:t>
+            </a:r>
+          </a:p>
+          <a:p>
+            <a:r>
+              <a:rPr lang="pt-BR" dirty="0">
+                <a:latin typeface="Consolas" panose="020B0609020204030204" pitchFamily="49" charset="0"/>
+                <a:cs typeface="Consolas" panose="020B0609020204030204" pitchFamily="49" charset="0"/>
+              </a:rPr>
+              <a:t>      	MOV r1, #0  </a:t>
+            </a:r>
+            <a:r>
+              <a:rPr lang="pt-BR" dirty="0">
+                <a:solidFill>
+                  <a:schemeClr val="bg1">
+                    <a:lumMod val="65000"/>
+                  </a:schemeClr>
+                </a:solidFill>
+                <a:latin typeface="Consolas" panose="020B0609020204030204" pitchFamily="49" charset="0"/>
+                <a:cs typeface="Consolas" panose="020B0609020204030204" pitchFamily="49" charset="0"/>
+              </a:rPr>
+              <a:t>; sum</a:t>
+            </a:r>
+          </a:p>
+          <a:p>
+            <a:endParaRPr lang="pt-BR" dirty="0">
+              <a:latin typeface="Consolas" panose="020B0609020204030204" pitchFamily="49" charset="0"/>
+              <a:cs typeface="Consolas" panose="020B0609020204030204" pitchFamily="49" charset="0"/>
+            </a:endParaRPr>
+          </a:p>
+          <a:p>
+            <a:r>
+              <a:rPr lang="pt-BR" dirty="0">
+                <a:latin typeface="Consolas" panose="020B0609020204030204" pitchFamily="49" charset="0"/>
+                <a:cs typeface="Consolas" panose="020B0609020204030204" pitchFamily="49" charset="0"/>
+              </a:rPr>
+              <a:t>      	</a:t>
+            </a:r>
+            <a:r>
+              <a:rPr lang="pt-BR" dirty="0">
+                <a:solidFill>
+                  <a:srgbClr val="0000FF"/>
+                </a:solidFill>
+                <a:latin typeface="Consolas" panose="020B0609020204030204" pitchFamily="49" charset="0"/>
+                <a:cs typeface="Consolas" panose="020B0609020204030204" pitchFamily="49" charset="0"/>
+              </a:rPr>
+              <a:t>B   check</a:t>
+            </a:r>
+          </a:p>
+          <a:p>
+            <a:r>
+              <a:rPr lang="pt-BR" b="1" dirty="0">
+                <a:solidFill>
+                  <a:srgbClr val="FF0000"/>
+                </a:solidFill>
+                <a:latin typeface="Consolas" panose="020B0609020204030204" pitchFamily="49" charset="0"/>
+                <a:cs typeface="Consolas" panose="020B0609020204030204" pitchFamily="49" charset="0"/>
+              </a:rPr>
+              <a:t>loop</a:t>
+            </a:r>
+            <a:r>
+              <a:rPr lang="pt-BR" dirty="0">
+                <a:latin typeface="Consolas" panose="020B0609020204030204" pitchFamily="49" charset="0"/>
+                <a:cs typeface="Consolas" panose="020B0609020204030204" pitchFamily="49" charset="0"/>
+              </a:rPr>
+              <a:t>  	ADD r1, r1, r0  </a:t>
+            </a:r>
+            <a:r>
+              <a:rPr lang="pt-BR" dirty="0">
+                <a:solidFill>
+                  <a:schemeClr val="bg1">
+                    <a:lumMod val="65000"/>
+                  </a:schemeClr>
+                </a:solidFill>
+                <a:latin typeface="Consolas" panose="020B0609020204030204" pitchFamily="49" charset="0"/>
+                <a:cs typeface="Consolas" panose="020B0609020204030204" pitchFamily="49" charset="0"/>
+              </a:rPr>
+              <a:t>; sum += </a:t>
+            </a:r>
+            <a:r>
+              <a:rPr lang="pt-BR" dirty="0" err="1">
+                <a:solidFill>
+                  <a:schemeClr val="bg1">
+                    <a:lumMod val="65000"/>
+                  </a:schemeClr>
+                </a:solidFill>
+                <a:latin typeface="Consolas" panose="020B0609020204030204" pitchFamily="49" charset="0"/>
+                <a:cs typeface="Consolas" panose="020B0609020204030204" pitchFamily="49" charset="0"/>
+              </a:rPr>
+              <a:t>i</a:t>
+            </a:r>
+            <a:endParaRPr lang="pt-BR" dirty="0">
+              <a:solidFill>
+                <a:schemeClr val="bg1">
+                  <a:lumMod val="65000"/>
+                </a:schemeClr>
+              </a:solidFill>
+              <a:latin typeface="Consolas" panose="020B0609020204030204" pitchFamily="49" charset="0"/>
+              <a:cs typeface="Consolas" panose="020B0609020204030204" pitchFamily="49" charset="0"/>
+            </a:endParaRPr>
+          </a:p>
+          <a:p>
+            <a:r>
+              <a:rPr lang="pt-BR" dirty="0">
+                <a:latin typeface="Consolas" panose="020B0609020204030204" pitchFamily="49" charset="0"/>
+                <a:cs typeface="Consolas" panose="020B0609020204030204" pitchFamily="49" charset="0"/>
+              </a:rPr>
+              <a:t>      	ADD r0, r0, #1  </a:t>
+            </a:r>
+            <a:r>
+              <a:rPr lang="pt-BR" dirty="0">
+                <a:solidFill>
+                  <a:schemeClr val="bg1">
+                    <a:lumMod val="65000"/>
+                  </a:schemeClr>
+                </a:solidFill>
+                <a:latin typeface="Consolas" panose="020B0609020204030204" pitchFamily="49" charset="0"/>
+                <a:cs typeface="Consolas" panose="020B0609020204030204" pitchFamily="49" charset="0"/>
+              </a:rPr>
+              <a:t>; </a:t>
+            </a:r>
+            <a:r>
+              <a:rPr lang="pt-BR" dirty="0" err="1">
+                <a:solidFill>
+                  <a:schemeClr val="bg1">
+                    <a:lumMod val="65000"/>
+                  </a:schemeClr>
+                </a:solidFill>
+                <a:latin typeface="Consolas" panose="020B0609020204030204" pitchFamily="49" charset="0"/>
+                <a:cs typeface="Consolas" panose="020B0609020204030204" pitchFamily="49" charset="0"/>
+              </a:rPr>
+              <a:t>i</a:t>
+            </a:r>
+            <a:r>
+              <a:rPr lang="pt-BR" dirty="0">
+                <a:solidFill>
+                  <a:schemeClr val="bg1">
+                    <a:lumMod val="65000"/>
+                  </a:schemeClr>
+                </a:solidFill>
+                <a:latin typeface="Consolas" panose="020B0609020204030204" pitchFamily="49" charset="0"/>
+                <a:cs typeface="Consolas" panose="020B0609020204030204" pitchFamily="49" charset="0"/>
+              </a:rPr>
+              <a:t>++</a:t>
+            </a:r>
+          </a:p>
+          <a:p>
+            <a:r>
+              <a:rPr lang="pt-BR" dirty="0">
+                <a:solidFill>
+                  <a:srgbClr val="0000FF"/>
+                </a:solidFill>
+                <a:latin typeface="Consolas" panose="020B0609020204030204" pitchFamily="49" charset="0"/>
+                <a:cs typeface="Consolas" panose="020B0609020204030204" pitchFamily="49" charset="0"/>
+              </a:rPr>
+              <a:t>check</a:t>
+            </a:r>
+            <a:r>
+              <a:rPr lang="pt-BR" dirty="0">
+                <a:latin typeface="Consolas" panose="020B0609020204030204" pitchFamily="49" charset="0"/>
+                <a:cs typeface="Consolas" panose="020B0609020204030204" pitchFamily="49" charset="0"/>
+              </a:rPr>
+              <a:t> 	CMP r0, #10     </a:t>
+            </a:r>
+            <a:r>
+              <a:rPr lang="pt-BR" dirty="0">
+                <a:solidFill>
+                  <a:schemeClr val="bg1">
+                    <a:lumMod val="65000"/>
+                  </a:schemeClr>
+                </a:solidFill>
+                <a:latin typeface="Consolas" panose="020B0609020204030204" pitchFamily="49" charset="0"/>
+                <a:cs typeface="Consolas" panose="020B0609020204030204" pitchFamily="49" charset="0"/>
+              </a:rPr>
+              <a:t>; </a:t>
+            </a:r>
+            <a:r>
+              <a:rPr lang="pt-BR" dirty="0" err="1">
+                <a:solidFill>
+                  <a:schemeClr val="bg1">
+                    <a:lumMod val="65000"/>
+                  </a:schemeClr>
+                </a:solidFill>
+                <a:latin typeface="Consolas" panose="020B0609020204030204" pitchFamily="49" charset="0"/>
+                <a:cs typeface="Consolas" panose="020B0609020204030204" pitchFamily="49" charset="0"/>
+              </a:rPr>
+              <a:t>check</a:t>
+            </a:r>
+            <a:r>
+              <a:rPr lang="pt-BR" dirty="0">
+                <a:solidFill>
+                  <a:schemeClr val="bg1">
+                    <a:lumMod val="65000"/>
+                  </a:schemeClr>
+                </a:solidFill>
+                <a:latin typeface="Consolas" panose="020B0609020204030204" pitchFamily="49" charset="0"/>
+                <a:cs typeface="Consolas" panose="020B0609020204030204" pitchFamily="49" charset="0"/>
+              </a:rPr>
+              <a:t> </a:t>
+            </a:r>
+            <a:r>
+              <a:rPr lang="pt-BR" dirty="0" err="1">
+                <a:solidFill>
+                  <a:schemeClr val="bg1">
+                    <a:lumMod val="65000"/>
+                  </a:schemeClr>
+                </a:solidFill>
+                <a:latin typeface="Consolas" panose="020B0609020204030204" pitchFamily="49" charset="0"/>
+                <a:cs typeface="Consolas" panose="020B0609020204030204" pitchFamily="49" charset="0"/>
+              </a:rPr>
+              <a:t>whether</a:t>
+            </a:r>
+            <a:r>
+              <a:rPr lang="pt-BR" dirty="0">
+                <a:solidFill>
+                  <a:schemeClr val="bg1">
+                    <a:lumMod val="65000"/>
+                  </a:schemeClr>
+                </a:solidFill>
+                <a:latin typeface="Consolas" panose="020B0609020204030204" pitchFamily="49" charset="0"/>
+                <a:cs typeface="Consolas" panose="020B0609020204030204" pitchFamily="49" charset="0"/>
+              </a:rPr>
+              <a:t> </a:t>
+            </a:r>
+            <a:r>
+              <a:rPr lang="pt-BR" dirty="0" err="1">
+                <a:solidFill>
+                  <a:schemeClr val="bg1">
+                    <a:lumMod val="65000"/>
+                  </a:schemeClr>
+                </a:solidFill>
+                <a:latin typeface="Consolas" panose="020B0609020204030204" pitchFamily="49" charset="0"/>
+                <a:cs typeface="Consolas" panose="020B0609020204030204" pitchFamily="49" charset="0"/>
+              </a:rPr>
+              <a:t>i</a:t>
+            </a:r>
+            <a:r>
+              <a:rPr lang="pt-BR" dirty="0">
+                <a:solidFill>
+                  <a:schemeClr val="bg1">
+                    <a:lumMod val="65000"/>
+                  </a:schemeClr>
+                </a:solidFill>
+                <a:latin typeface="Consolas" panose="020B0609020204030204" pitchFamily="49" charset="0"/>
+                <a:cs typeface="Consolas" panose="020B0609020204030204" pitchFamily="49" charset="0"/>
+              </a:rPr>
+              <a:t> &lt; 10</a:t>
+            </a:r>
+          </a:p>
+          <a:p>
+            <a:r>
+              <a:rPr lang="pt-BR" dirty="0">
+                <a:latin typeface="Consolas" panose="020B0609020204030204" pitchFamily="49" charset="0"/>
+                <a:cs typeface="Consolas" panose="020B0609020204030204" pitchFamily="49" charset="0"/>
+              </a:rPr>
+              <a:t>      	</a:t>
+            </a:r>
+            <a:r>
+              <a:rPr lang="pt-BR" b="1" dirty="0">
+                <a:solidFill>
+                  <a:srgbClr val="FF0000"/>
+                </a:solidFill>
+                <a:latin typeface="Consolas" panose="020B0609020204030204" pitchFamily="49" charset="0"/>
+                <a:cs typeface="Consolas" panose="020B0609020204030204" pitchFamily="49" charset="0"/>
+              </a:rPr>
+              <a:t>BLT loop</a:t>
+            </a:r>
+            <a:r>
+              <a:rPr lang="pt-BR" b="1" dirty="0">
+                <a:solidFill>
+                  <a:schemeClr val="bg1">
+                    <a:lumMod val="65000"/>
+                  </a:schemeClr>
+                </a:solidFill>
+                <a:latin typeface="Consolas" panose="020B0609020204030204" pitchFamily="49" charset="0"/>
+                <a:cs typeface="Consolas" panose="020B0609020204030204" pitchFamily="49" charset="0"/>
+              </a:rPr>
+              <a:t>        </a:t>
+            </a:r>
+            <a:r>
+              <a:rPr lang="pt-BR" dirty="0">
+                <a:solidFill>
+                  <a:schemeClr val="bg1">
+                    <a:lumMod val="65000"/>
+                  </a:schemeClr>
+                </a:solidFill>
+                <a:latin typeface="Consolas" panose="020B0609020204030204" pitchFamily="49" charset="0"/>
+                <a:cs typeface="Consolas" panose="020B0609020204030204" pitchFamily="49" charset="0"/>
+              </a:rPr>
+              <a:t>; loop </a:t>
+            </a:r>
+            <a:r>
+              <a:rPr lang="pt-BR" dirty="0" err="1">
+                <a:solidFill>
+                  <a:schemeClr val="bg1">
+                    <a:lumMod val="65000"/>
+                  </a:schemeClr>
+                </a:solidFill>
+                <a:latin typeface="Consolas" panose="020B0609020204030204" pitchFamily="49" charset="0"/>
+                <a:cs typeface="Consolas" panose="020B0609020204030204" pitchFamily="49" charset="0"/>
+              </a:rPr>
+              <a:t>if</a:t>
+            </a:r>
+            <a:r>
+              <a:rPr lang="pt-BR" dirty="0">
+                <a:solidFill>
+                  <a:schemeClr val="bg1">
+                    <a:lumMod val="65000"/>
+                  </a:schemeClr>
+                </a:solidFill>
+                <a:latin typeface="Consolas" panose="020B0609020204030204" pitchFamily="49" charset="0"/>
+                <a:cs typeface="Consolas" panose="020B0609020204030204" pitchFamily="49" charset="0"/>
+              </a:rPr>
+              <a:t> </a:t>
+            </a:r>
+            <a:r>
+              <a:rPr lang="pt-BR" dirty="0" err="1">
+                <a:solidFill>
+                  <a:schemeClr val="bg1">
+                    <a:lumMod val="65000"/>
+                  </a:schemeClr>
+                </a:solidFill>
+                <a:latin typeface="Consolas" panose="020B0609020204030204" pitchFamily="49" charset="0"/>
+                <a:cs typeface="Consolas" panose="020B0609020204030204" pitchFamily="49" charset="0"/>
+              </a:rPr>
+              <a:t>signed</a:t>
+            </a:r>
+            <a:r>
+              <a:rPr lang="pt-BR" dirty="0">
+                <a:solidFill>
+                  <a:schemeClr val="bg1">
+                    <a:lumMod val="65000"/>
+                  </a:schemeClr>
+                </a:solidFill>
+                <a:latin typeface="Consolas" panose="020B0609020204030204" pitchFamily="49" charset="0"/>
+                <a:cs typeface="Consolas" panose="020B0609020204030204" pitchFamily="49" charset="0"/>
+              </a:rPr>
+              <a:t> </a:t>
+            </a:r>
+            <a:r>
+              <a:rPr lang="pt-BR" dirty="0" err="1">
+                <a:solidFill>
+                  <a:schemeClr val="bg1">
+                    <a:lumMod val="65000"/>
+                  </a:schemeClr>
+                </a:solidFill>
+                <a:latin typeface="Consolas" panose="020B0609020204030204" pitchFamily="49" charset="0"/>
+                <a:cs typeface="Consolas" panose="020B0609020204030204" pitchFamily="49" charset="0"/>
+              </a:rPr>
+              <a:t>less</a:t>
+            </a:r>
+            <a:r>
+              <a:rPr lang="pt-BR" dirty="0">
+                <a:solidFill>
+                  <a:schemeClr val="bg1">
+                    <a:lumMod val="65000"/>
+                  </a:schemeClr>
+                </a:solidFill>
+                <a:latin typeface="Consolas" panose="020B0609020204030204" pitchFamily="49" charset="0"/>
+                <a:cs typeface="Consolas" panose="020B0609020204030204" pitchFamily="49" charset="0"/>
+              </a:rPr>
+              <a:t> </a:t>
+            </a:r>
+            <a:r>
+              <a:rPr lang="pt-BR" dirty="0" err="1">
+                <a:solidFill>
+                  <a:schemeClr val="bg1">
+                    <a:lumMod val="65000"/>
+                  </a:schemeClr>
+                </a:solidFill>
+                <a:latin typeface="Consolas" panose="020B0609020204030204" pitchFamily="49" charset="0"/>
+                <a:cs typeface="Consolas" panose="020B0609020204030204" pitchFamily="49" charset="0"/>
+              </a:rPr>
+              <a:t>than</a:t>
+            </a:r>
+            <a:endParaRPr lang="pt-BR" dirty="0">
+              <a:solidFill>
+                <a:srgbClr val="FF0000"/>
+              </a:solidFill>
+              <a:latin typeface="Consolas" panose="020B0609020204030204" pitchFamily="49" charset="0"/>
+              <a:cs typeface="Consolas" panose="020B0609020204030204" pitchFamily="49" charset="0"/>
+            </a:endParaRPr>
+          </a:p>
+          <a:p>
+            <a:r>
+              <a:rPr lang="pt-BR" dirty="0">
+                <a:latin typeface="Consolas" panose="020B0609020204030204" pitchFamily="49" charset="0"/>
+                <a:cs typeface="Consolas" panose="020B0609020204030204" pitchFamily="49" charset="0"/>
+              </a:rPr>
+              <a:t>endloop</a:t>
+            </a:r>
+            <a:endParaRPr lang="en-US" dirty="0">
+              <a:latin typeface="Consolas" panose="020B0609020204030204" pitchFamily="49" charset="0"/>
+              <a:cs typeface="Consolas" panose="020B0609020204030204" pitchFamily="49" charset="0"/>
+            </a:endParaRPr>
+          </a:p>
+        </p:txBody>
+      </p:sp>
+      <p:sp>
+        <p:nvSpPr>
+          <p:cNvPr id="9" name="TextBox 8"/>
+          <p:cNvSpPr txBox="1"/>
+          <p:nvPr/>
+        </p:nvSpPr>
+        <p:spPr>
+          <a:xfrm>
+            <a:off x="457200" y="3581400"/>
+            <a:ext cx="1877437" cy="369332"/>
+          </a:xfrm>
+          <a:prstGeom prst="rect">
+            <a:avLst/>
+          </a:prstGeom>
+          <a:noFill/>
+        </p:spPr>
+        <p:txBody>
+          <a:bodyPr wrap="none" rtlCol="0">
+            <a:spAutoFit/>
+          </a:bodyPr>
+          <a:lstStyle/>
+          <a:p>
+            <a:r>
+              <a:rPr lang="en-US" dirty="0"/>
+              <a:t>Implementation 1:</a:t>
+            </a:r>
+          </a:p>
+        </p:txBody>
+      </p:sp>
+      <p:sp>
+        <p:nvSpPr>
+          <p:cNvPr id="8" name="Arrow: Curved Right 7">
+            <a:extLst>
+              <a:ext uri="{FF2B5EF4-FFF2-40B4-BE49-F238E27FC236}">
+                <a16:creationId xmlns:a16="http://schemas.microsoft.com/office/drawing/2014/main" id="{B90A5FBE-3EEC-E562-4990-ACC491525091}"/>
+              </a:ext>
+            </a:extLst>
+          </p:cNvPr>
+          <p:cNvSpPr/>
+          <p:nvPr/>
+        </p:nvSpPr>
+        <p:spPr>
+          <a:xfrm flipV="1">
+            <a:off x="914399" y="5257800"/>
+            <a:ext cx="455643" cy="992160"/>
+          </a:xfrm>
+          <a:prstGeom prst="curvedRightArrow">
+            <a:avLst/>
+          </a:prstGeom>
+        </p:spPr>
+        <p:style>
+          <a:lnRef idx="2">
+            <a:schemeClr val="accent1">
+              <a:shade val="15000"/>
+            </a:schemeClr>
+          </a:lnRef>
+          <a:fillRef idx="1">
+            <a:schemeClr val="accent1"/>
+          </a:fillRef>
+          <a:effectRef idx="0">
+            <a:schemeClr val="accent1"/>
+          </a:effectRef>
+          <a:fontRef idx="minor">
+            <a:schemeClr val="lt1"/>
+          </a:fontRef>
+        </p:style>
+        <p:txBody>
+          <a:bodyPr rtlCol="0" anchor="ctr"/>
+          <a:lstStyle/>
+          <a:p>
+            <a:pPr algn="ctr"/>
+            <a:endParaRPr lang="en-US">
+              <a:solidFill>
+                <a:schemeClr val="tx1"/>
+              </a:solidFill>
+            </a:endParaRPr>
+          </a:p>
+        </p:txBody>
+      </p:sp>
+      <p:sp>
+        <p:nvSpPr>
+          <p:cNvPr id="10" name="Arrow: Curved Right 9">
+            <a:extLst>
+              <a:ext uri="{FF2B5EF4-FFF2-40B4-BE49-F238E27FC236}">
+                <a16:creationId xmlns:a16="http://schemas.microsoft.com/office/drawing/2014/main" id="{09F6685E-48F3-5005-2FD5-22AC677DFD68}"/>
+              </a:ext>
+            </a:extLst>
+          </p:cNvPr>
+          <p:cNvSpPr/>
+          <p:nvPr/>
+        </p:nvSpPr>
+        <p:spPr>
+          <a:xfrm>
+            <a:off x="914399" y="4998430"/>
+            <a:ext cx="455643" cy="992160"/>
+          </a:xfrm>
+          <a:prstGeom prst="curvedRightArrow">
+            <a:avLst/>
+          </a:prstGeom>
+          <a:solidFill>
+            <a:srgbClr val="FFFF00"/>
+          </a:solidFill>
+        </p:spPr>
+        <p:style>
+          <a:lnRef idx="2">
+            <a:schemeClr val="accent1">
+              <a:shade val="15000"/>
+            </a:schemeClr>
+          </a:lnRef>
+          <a:fillRef idx="1">
+            <a:schemeClr val="accent1"/>
+          </a:fillRef>
+          <a:effectRef idx="0">
+            <a:schemeClr val="accent1"/>
+          </a:effectRef>
+          <a:fontRef idx="minor">
+            <a:schemeClr val="lt1"/>
+          </a:fontRef>
+        </p:style>
+        <p:txBody>
+          <a:bodyPr rtlCol="0" anchor="ctr"/>
+          <a:lstStyle/>
+          <a:p>
+            <a:pPr algn="ctr"/>
+            <a:endParaRPr lang="en-US">
+              <a:solidFill>
+                <a:schemeClr val="tx1"/>
+              </a:solidFill>
+            </a:endParaRPr>
+          </a:p>
+        </p:txBody>
+      </p:sp>
+    </p:spTree>
+    <p:extLst>
+      <p:ext uri="{BB962C8B-B14F-4D97-AF65-F5344CB8AC3E}">
+        <p14:creationId xmlns:p14="http://schemas.microsoft.com/office/powerpoint/2010/main" val="3293036044"/>
+      </p:ext>
+    </p:extLst>
+  </p:cSld>
+  <p:clrMapOvr>
+    <a:masterClrMapping/>
+  </p:clrMapOvr>
+</p:sld>
+</file>
+
+<file path=ppt/slides/slide31.xml><?xml version="1.0" encoding="utf-8"?>
+<p:sld xmlns:a="http://schemas.openxmlformats.org/drawingml/2006/main" xmlns:r="http://schemas.openxmlformats.org/officeDocument/2006/relationships" xmlns:p="http://schemas.openxmlformats.org/presentationml/2006/main">
+  <p:cSld>
+    <p:spTree>
+      <p:nvGrpSpPr>
+        <p:cNvPr id="1" name=""/>
+        <p:cNvGrpSpPr/>
+        <p:nvPr/>
+      </p:nvGrpSpPr>
+      <p:grpSpPr>
+        <a:xfrm>
+          <a:off x="0" y="0"/>
+          <a:ext cx="0" cy="0"/>
+          <a:chOff x="0" y="0"/>
+          <a:chExt cx="0" cy="0"/>
+        </a:xfrm>
+      </p:grpSpPr>
+      <p:sp>
+        <p:nvSpPr>
+          <p:cNvPr id="2" name="Title 1"/>
+          <p:cNvSpPr>
+            <a:spLocks noGrp="1"/>
+          </p:cNvSpPr>
+          <p:nvPr>
+            <p:ph type="title"/>
+          </p:nvPr>
+        </p:nvSpPr>
+        <p:spPr/>
+        <p:txBody>
+          <a:bodyPr/>
+          <a:lstStyle/>
+          <a:p>
+            <a:r>
+              <a:rPr lang="en-US" dirty="0"/>
+              <a:t>For Loop</a:t>
+            </a:r>
+          </a:p>
+        </p:txBody>
+      </p:sp>
+      <p:sp>
+        <p:nvSpPr>
+          <p:cNvPr id="3" name="Slide Number Placeholder 2"/>
+          <p:cNvSpPr>
+            <a:spLocks noGrp="1"/>
+          </p:cNvSpPr>
+          <p:nvPr>
+            <p:ph type="sldNum" sz="quarter" idx="12"/>
+          </p:nvPr>
+        </p:nvSpPr>
+        <p:spPr/>
+        <p:txBody>
+          <a:bodyPr/>
+          <a:lstStyle/>
+          <a:p>
+            <a:fld id="{EA7C8D44-3667-46F6-9772-CC52308E2A7F}" type="slidenum">
+              <a:rPr kumimoji="0" lang="en-US" smtClean="0"/>
+              <a:pPr/>
+              <a:t>31</a:t>
+            </a:fld>
+            <a:endParaRPr kumimoji="0" lang="en-US" dirty="0"/>
+          </a:p>
+        </p:txBody>
+      </p:sp>
+      <p:graphicFrame>
+        <p:nvGraphicFramePr>
+          <p:cNvPr id="5" name="Table 4"/>
+          <p:cNvGraphicFramePr>
+            <a:graphicFrameLocks noGrp="1"/>
+          </p:cNvGraphicFramePr>
+          <p:nvPr>
+            <p:extLst>
+              <p:ext uri="{D42A27DB-BD31-4B8C-83A1-F6EECF244321}">
                 <p14:modId xmlns:p14="http://schemas.microsoft.com/office/powerpoint/2010/main" val="1995422949"/>
               </p:ext>
             </p:extLst>
@@ -33588,8 +34210,8 @@
         </p:nvSpPr>
         <p:spPr>
           <a:xfrm flipV="1">
-            <a:off x="1141244" y="5062015"/>
-            <a:ext cx="455643" cy="1269795"/>
+            <a:off x="1141245" y="5062015"/>
+            <a:ext cx="452330" cy="1176770"/>
           </a:xfrm>
           <a:prstGeom prst="curvedRightArrow">
             <a:avLst/>
@@ -33690,7 +34312,7 @@
 </p:sld>
 </file>
 
-<file path=ppt/slides/slide31.xml><?xml version="1.0" encoding="utf-8"?>
+<file path=ppt/slides/slide32.xml><?xml version="1.0" encoding="utf-8"?>
 <p:sld xmlns:a="http://schemas.openxmlformats.org/drawingml/2006/main" xmlns:r="http://schemas.openxmlformats.org/officeDocument/2006/relationships" xmlns:p="http://schemas.openxmlformats.org/presentationml/2006/main">
   <p:cSld>
     <p:spTree>
@@ -33757,7 +34379,7 @@
             <a:fld id="{AEE14D4A-FE32-40AF-B06D-E9622816B101}" type="slidenum">
               <a:rPr lang="en-US" smtClean="0"/>
               <a:pPr/>
-              <a:t>31</a:t>
+              <a:t>32</a:t>
             </a:fld>
             <a:endParaRPr lang="en-US"/>
           </a:p>
@@ -33791,524 +34413,6 @@
     <p:extLst>
       <p:ext uri="{BB962C8B-B14F-4D97-AF65-F5344CB8AC3E}">
         <p14:creationId xmlns:p14="http://schemas.microsoft.com/office/powerpoint/2010/main" val="1735132193"/>
-      </p:ext>
-    </p:extLst>
-  </p:cSld>
-  <p:clrMapOvr>
-    <a:masterClrMapping/>
-  </p:clrMapOvr>
-  <p:transition/>
-</p:sld>
-</file>
-
-<file path=ppt/slides/slide32.xml><?xml version="1.0" encoding="utf-8"?>
-<p:sld xmlns:a="http://schemas.openxmlformats.org/drawingml/2006/main" xmlns:r="http://schemas.openxmlformats.org/officeDocument/2006/relationships" xmlns:p="http://schemas.openxmlformats.org/presentationml/2006/main">
-  <p:cSld>
-    <p:spTree>
-      <p:nvGrpSpPr>
-        <p:cNvPr id="1" name=""/>
-        <p:cNvGrpSpPr/>
-        <p:nvPr/>
-      </p:nvGrpSpPr>
-      <p:grpSpPr>
-        <a:xfrm>
-          <a:off x="0" y="0"/>
-          <a:ext cx="0" cy="0"/>
-          <a:chOff x="0" y="0"/>
-          <a:chExt cx="0" cy="0"/>
-        </a:xfrm>
-      </p:grpSpPr>
-      <p:sp>
-        <p:nvSpPr>
-          <p:cNvPr id="15362" name="Rectangle 2"/>
-          <p:cNvSpPr>
-            <a:spLocks noGrp="1" noChangeArrowheads="1"/>
-          </p:cNvSpPr>
-          <p:nvPr>
-            <p:ph type="title"/>
-          </p:nvPr>
-        </p:nvSpPr>
-        <p:spPr/>
-        <p:txBody>
-          <a:bodyPr>
-            <a:normAutofit fontScale="90000"/>
-          </a:bodyPr>
-          <a:lstStyle/>
-          <a:p>
-            <a:r>
-              <a:rPr lang="en-US" dirty="0"/>
-              <a:t>Conditional Execution Example: Signed Int</a:t>
-            </a:r>
-            <a:endParaRPr lang="en-US" dirty="0">
-              <a:solidFill>
-                <a:srgbClr val="C00000"/>
-              </a:solidFill>
-            </a:endParaRPr>
-          </a:p>
-        </p:txBody>
-      </p:sp>
-      <p:sp>
-        <p:nvSpPr>
-          <p:cNvPr id="4" name="Slide Number Placeholder 3"/>
-          <p:cNvSpPr>
-            <a:spLocks noGrp="1"/>
-          </p:cNvSpPr>
-          <p:nvPr>
-            <p:ph type="sldNum" sz="quarter" idx="12"/>
-          </p:nvPr>
-        </p:nvSpPr>
-        <p:spPr/>
-        <p:txBody>
-          <a:bodyPr/>
-          <a:lstStyle/>
-          <a:p>
-            <a:fld id="{AEE14D4A-FE32-40AF-B06D-E9622816B101}" type="slidenum">
-              <a:rPr lang="en-US" smtClean="0"/>
-              <a:pPr/>
-              <a:t>32</a:t>
-            </a:fld>
-            <a:endParaRPr lang="en-US"/>
-          </a:p>
-        </p:txBody>
-      </p:sp>
-      <p:sp>
-        <p:nvSpPr>
-          <p:cNvPr id="3" name="Rectangle 2"/>
-          <p:cNvSpPr/>
-          <p:nvPr/>
-        </p:nvSpPr>
-        <p:spPr>
-          <a:xfrm>
-            <a:off x="487708" y="1783864"/>
-            <a:ext cx="2386121" cy="2031325"/>
-          </a:xfrm>
-          <a:prstGeom prst="rect">
-            <a:avLst/>
-          </a:prstGeom>
-        </p:spPr>
-        <p:style>
-          <a:lnRef idx="2">
-            <a:schemeClr val="accent1"/>
-          </a:lnRef>
-          <a:fillRef idx="1">
-            <a:schemeClr val="lt1"/>
-          </a:fillRef>
-          <a:effectRef idx="0">
-            <a:schemeClr val="accent1"/>
-          </a:effectRef>
-          <a:fontRef idx="minor">
-            <a:schemeClr val="dk1"/>
-          </a:fontRef>
-        </p:style>
-        <p:txBody>
-          <a:bodyPr wrap="square">
-            <a:spAutoFit/>
-          </a:bodyPr>
-          <a:lstStyle/>
-          <a:p>
-            <a:r>
-              <a:rPr lang="en-US" dirty="0">
-                <a:latin typeface="Consolas" panose="020B0609020204030204" pitchFamily="49" charset="0"/>
-                <a:cs typeface="Consolas" panose="020B0609020204030204" pitchFamily="49" charset="0"/>
-              </a:rPr>
-              <a:t>int32_t a; </a:t>
-            </a:r>
-            <a:r>
-              <a:rPr lang="en-US" dirty="0">
-                <a:solidFill>
-                  <a:schemeClr val="bg1">
-                    <a:lumMod val="65000"/>
-                  </a:schemeClr>
-                </a:solidFill>
-                <a:latin typeface="Consolas" panose="020B0609020204030204" pitchFamily="49" charset="0"/>
-              </a:rPr>
-              <a:t>//a is	signed int</a:t>
-            </a:r>
-          </a:p>
-          <a:p>
-            <a:r>
-              <a:rPr lang="en-US" dirty="0">
-                <a:latin typeface="Consolas" panose="020B0609020204030204" pitchFamily="49" charset="0"/>
-                <a:cs typeface="Consolas" panose="020B0609020204030204" pitchFamily="49" charset="0"/>
-              </a:rPr>
-              <a:t>...</a:t>
-            </a:r>
-          </a:p>
-          <a:p>
-            <a:r>
-              <a:rPr lang="en-US" dirty="0">
-                <a:latin typeface="Consolas" panose="020B0609020204030204" pitchFamily="49" charset="0"/>
-                <a:cs typeface="Consolas" panose="020B0609020204030204" pitchFamily="49" charset="0"/>
-              </a:rPr>
-              <a:t>if (a &lt;= 0)  </a:t>
-            </a:r>
-          </a:p>
-          <a:p>
-            <a:r>
-              <a:rPr lang="en-US" dirty="0">
-                <a:latin typeface="Consolas" panose="020B0609020204030204" pitchFamily="49" charset="0"/>
-                <a:cs typeface="Consolas" panose="020B0609020204030204" pitchFamily="49" charset="0"/>
-              </a:rPr>
-              <a:t>  y = -1;</a:t>
-            </a:r>
-          </a:p>
-          <a:p>
-            <a:r>
-              <a:rPr lang="en-US" dirty="0">
-                <a:latin typeface="Consolas" panose="020B0609020204030204" pitchFamily="49" charset="0"/>
-                <a:cs typeface="Consolas" panose="020B0609020204030204" pitchFamily="49" charset="0"/>
-              </a:rPr>
-              <a:t>else</a:t>
-            </a:r>
-          </a:p>
-          <a:p>
-            <a:r>
-              <a:rPr lang="en-US" dirty="0">
-                <a:latin typeface="Consolas" panose="020B0609020204030204" pitchFamily="49" charset="0"/>
-                <a:cs typeface="Consolas" panose="020B0609020204030204" pitchFamily="49" charset="0"/>
-              </a:rPr>
-              <a:t>  y = 1;</a:t>
-            </a:r>
-          </a:p>
-        </p:txBody>
-      </p:sp>
-      <p:sp>
-        <p:nvSpPr>
-          <p:cNvPr id="7" name="Rectangle 6"/>
-          <p:cNvSpPr/>
-          <p:nvPr/>
-        </p:nvSpPr>
-        <p:spPr>
-          <a:xfrm>
-            <a:off x="4114800" y="2310225"/>
-            <a:ext cx="4038600" cy="923330"/>
-          </a:xfrm>
-          <a:prstGeom prst="rect">
-            <a:avLst/>
-          </a:prstGeom>
-        </p:spPr>
-        <p:style>
-          <a:lnRef idx="2">
-            <a:schemeClr val="accent1"/>
-          </a:lnRef>
-          <a:fillRef idx="1">
-            <a:schemeClr val="lt1"/>
-          </a:fillRef>
-          <a:effectRef idx="0">
-            <a:schemeClr val="accent1"/>
-          </a:effectRef>
-          <a:fontRef idx="minor">
-            <a:schemeClr val="dk1"/>
-          </a:fontRef>
-        </p:style>
-        <p:txBody>
-          <a:bodyPr wrap="square">
-            <a:spAutoFit/>
-          </a:bodyPr>
-          <a:lstStyle/>
-          <a:p>
-            <a:r>
-              <a:rPr lang="en-US" dirty="0" err="1">
-                <a:latin typeface="Consolas" panose="020B0609020204030204" pitchFamily="49" charset="0"/>
-                <a:cs typeface="Consolas" panose="020B0609020204030204" pitchFamily="49" charset="0"/>
-              </a:rPr>
-              <a:t>CMP</a:t>
-            </a:r>
-            <a:r>
-              <a:rPr lang="en-US" dirty="0">
-                <a:latin typeface="Consolas" panose="020B0609020204030204" pitchFamily="49" charset="0"/>
-                <a:cs typeface="Consolas" panose="020B0609020204030204" pitchFamily="49" charset="0"/>
-              </a:rPr>
-              <a:t>   </a:t>
-            </a:r>
-            <a:r>
-              <a:rPr lang="en-US" dirty="0" err="1">
-                <a:latin typeface="Consolas" panose="020B0609020204030204" pitchFamily="49" charset="0"/>
-                <a:cs typeface="Consolas" panose="020B0609020204030204" pitchFamily="49" charset="0"/>
-              </a:rPr>
-              <a:t>r0</a:t>
-            </a:r>
-            <a:r>
-              <a:rPr lang="en-US" dirty="0">
-                <a:latin typeface="Consolas" panose="020B0609020204030204" pitchFamily="49" charset="0"/>
-                <a:cs typeface="Consolas" panose="020B0609020204030204" pitchFamily="49" charset="0"/>
-              </a:rPr>
-              <a:t>, #0</a:t>
-            </a:r>
-          </a:p>
-          <a:p>
-            <a:r>
-              <a:rPr lang="en-US" dirty="0">
-                <a:latin typeface="Consolas" panose="020B0609020204030204" pitchFamily="49" charset="0"/>
-                <a:cs typeface="Consolas" panose="020B0609020204030204" pitchFamily="49" charset="0"/>
-              </a:rPr>
-              <a:t>MOV</a:t>
-            </a:r>
-            <a:r>
-              <a:rPr lang="en-US" b="1" dirty="0">
-                <a:solidFill>
-                  <a:srgbClr val="FF0000"/>
-                </a:solidFill>
-                <a:latin typeface="Consolas" panose="020B0609020204030204" pitchFamily="49" charset="0"/>
-                <a:cs typeface="Consolas" panose="020B0609020204030204" pitchFamily="49" charset="0"/>
-              </a:rPr>
-              <a:t>LE</a:t>
-            </a:r>
-            <a:r>
-              <a:rPr lang="en-US" dirty="0">
-                <a:latin typeface="Consolas" panose="020B0609020204030204" pitchFamily="49" charset="0"/>
-                <a:cs typeface="Consolas" panose="020B0609020204030204" pitchFamily="49" charset="0"/>
-              </a:rPr>
-              <a:t> r1, #-1 </a:t>
-            </a:r>
-            <a:r>
-              <a:rPr lang="en-US" dirty="0">
-                <a:solidFill>
-                  <a:schemeClr val="bg1">
-                    <a:lumMod val="65000"/>
-                  </a:schemeClr>
-                </a:solidFill>
-                <a:latin typeface="Consolas" panose="020B0609020204030204" pitchFamily="49" charset="0"/>
-                <a:cs typeface="Consolas" panose="020B0609020204030204" pitchFamily="49" charset="0"/>
-              </a:rPr>
-              <a:t>; executed if LE</a:t>
-            </a:r>
-          </a:p>
-          <a:p>
-            <a:r>
-              <a:rPr lang="en-US" dirty="0">
-                <a:latin typeface="Consolas" panose="020B0609020204030204" pitchFamily="49" charset="0"/>
-                <a:cs typeface="Consolas" panose="020B0609020204030204" pitchFamily="49" charset="0"/>
-              </a:rPr>
-              <a:t>MOV</a:t>
-            </a:r>
-            <a:r>
-              <a:rPr lang="en-US" b="1" dirty="0">
-                <a:solidFill>
-                  <a:srgbClr val="FF0000"/>
-                </a:solidFill>
-                <a:latin typeface="Consolas" panose="020B0609020204030204" pitchFamily="49" charset="0"/>
-                <a:cs typeface="Consolas" panose="020B0609020204030204" pitchFamily="49" charset="0"/>
-              </a:rPr>
-              <a:t>GT</a:t>
-            </a:r>
-            <a:r>
-              <a:rPr lang="en-US" dirty="0">
-                <a:latin typeface="Consolas" panose="020B0609020204030204" pitchFamily="49" charset="0"/>
-                <a:cs typeface="Consolas" panose="020B0609020204030204" pitchFamily="49" charset="0"/>
-              </a:rPr>
-              <a:t> r1, #1  </a:t>
-            </a:r>
-            <a:r>
-              <a:rPr lang="en-US" dirty="0">
-                <a:solidFill>
-                  <a:schemeClr val="bg1">
-                    <a:lumMod val="65000"/>
-                  </a:schemeClr>
-                </a:solidFill>
-                <a:latin typeface="Consolas" panose="020B0609020204030204" pitchFamily="49" charset="0"/>
-                <a:cs typeface="Consolas" panose="020B0609020204030204" pitchFamily="49" charset="0"/>
-              </a:rPr>
-              <a:t>; executed if GT</a:t>
-            </a:r>
-          </a:p>
-        </p:txBody>
-      </p:sp>
-      <p:sp>
-        <p:nvSpPr>
-          <p:cNvPr id="5" name="Right Arrow 4"/>
-          <p:cNvSpPr/>
-          <p:nvPr/>
-        </p:nvSpPr>
-        <p:spPr>
-          <a:xfrm>
-            <a:off x="2895600" y="2665188"/>
-            <a:ext cx="838200" cy="211537"/>
-          </a:xfrm>
-          <a:prstGeom prst="rightArrow">
-            <a:avLst/>
-          </a:prstGeom>
-        </p:spPr>
-        <p:style>
-          <a:lnRef idx="2">
-            <a:schemeClr val="accent1">
-              <a:shade val="50000"/>
-            </a:schemeClr>
-          </a:lnRef>
-          <a:fillRef idx="1">
-            <a:schemeClr val="accent1"/>
-          </a:fillRef>
-          <a:effectRef idx="0">
-            <a:schemeClr val="accent1"/>
-          </a:effectRef>
-          <a:fontRef idx="minor">
-            <a:schemeClr val="lt1"/>
-          </a:fontRef>
-        </p:style>
-        <p:txBody>
-          <a:bodyPr rtlCol="0" anchor="ctr"/>
-          <a:lstStyle/>
-          <a:p>
-            <a:pPr algn="ctr"/>
-            <a:endParaRPr lang="en-US"/>
-          </a:p>
-        </p:txBody>
-      </p:sp>
-      <p:sp>
-        <p:nvSpPr>
-          <p:cNvPr id="6" name="TextBox 5"/>
-          <p:cNvSpPr txBox="1"/>
-          <p:nvPr/>
-        </p:nvSpPr>
-        <p:spPr>
-          <a:xfrm>
-            <a:off x="4343400" y="3581400"/>
-            <a:ext cx="3065263" cy="646331"/>
-          </a:xfrm>
-          <a:prstGeom prst="rect">
-            <a:avLst/>
-          </a:prstGeom>
-          <a:noFill/>
-        </p:spPr>
-        <p:txBody>
-          <a:bodyPr wrap="none" rtlCol="0">
-            <a:spAutoFit/>
-          </a:bodyPr>
-          <a:lstStyle/>
-          <a:p>
-            <a:r>
-              <a:rPr lang="en-US" b="1" dirty="0">
-                <a:solidFill>
-                  <a:srgbClr val="FF0000"/>
-                </a:solidFill>
-                <a:latin typeface="Consolas" panose="020B0609020204030204" pitchFamily="49" charset="0"/>
-                <a:cs typeface="Consolas" panose="020B0609020204030204" pitchFamily="49" charset="0"/>
-              </a:rPr>
-              <a:t>LE</a:t>
-            </a:r>
-            <a:r>
-              <a:rPr lang="en-US" dirty="0">
-                <a:latin typeface="Consolas" panose="020B0609020204030204" pitchFamily="49" charset="0"/>
-                <a:cs typeface="Consolas" panose="020B0609020204030204" pitchFamily="49" charset="0"/>
-              </a:rPr>
-              <a:t>: </a:t>
-            </a:r>
-            <a:r>
-              <a:rPr lang="en-US" dirty="0"/>
-              <a:t>Signed Less than or Equal</a:t>
-            </a:r>
-          </a:p>
-          <a:p>
-            <a:r>
-              <a:rPr lang="en-US" b="1" dirty="0">
-                <a:solidFill>
-                  <a:srgbClr val="FF0000"/>
-                </a:solidFill>
-                <a:latin typeface="Consolas" panose="020B0609020204030204" pitchFamily="49" charset="0"/>
-                <a:cs typeface="Consolas" panose="020B0609020204030204" pitchFamily="49" charset="0"/>
-              </a:rPr>
-              <a:t>GT</a:t>
-            </a:r>
-            <a:r>
-              <a:rPr lang="en-US" dirty="0">
-                <a:latin typeface="Consolas" panose="020B0609020204030204" pitchFamily="49" charset="0"/>
-                <a:cs typeface="Consolas" panose="020B0609020204030204" pitchFamily="49" charset="0"/>
-              </a:rPr>
-              <a:t>: </a:t>
-            </a:r>
-            <a:r>
-              <a:rPr lang="en-US" dirty="0"/>
-              <a:t>Signed Greater Than</a:t>
-            </a:r>
-          </a:p>
-        </p:txBody>
-      </p:sp>
-      <p:sp>
-        <p:nvSpPr>
-          <p:cNvPr id="2" name="TextBox 1"/>
-          <p:cNvSpPr txBox="1"/>
-          <p:nvPr/>
-        </p:nvSpPr>
-        <p:spPr>
-          <a:xfrm>
-            <a:off x="4334359" y="1460699"/>
-            <a:ext cx="1090363" cy="646331"/>
-          </a:xfrm>
-          <a:prstGeom prst="rect">
-            <a:avLst/>
-          </a:prstGeom>
-          <a:noFill/>
-        </p:spPr>
-        <p:txBody>
-          <a:bodyPr wrap="none" rtlCol="0">
-            <a:spAutoFit/>
-          </a:bodyPr>
-          <a:lstStyle/>
-          <a:p>
-            <a:r>
-              <a:rPr lang="en-US" dirty="0">
-                <a:latin typeface="Consolas" panose="020B0609020204030204" pitchFamily="49" charset="0"/>
-                <a:cs typeface="Consolas" panose="020B0609020204030204" pitchFamily="49" charset="0"/>
-              </a:rPr>
-              <a:t>a </a:t>
-            </a:r>
-            <a:r>
-              <a:rPr lang="en-US" dirty="0">
-                <a:latin typeface="Consolas" panose="020B0609020204030204" pitchFamily="49" charset="0"/>
-                <a:ea typeface="Cambria Math"/>
-                <a:cs typeface="Consolas" panose="020B0609020204030204" pitchFamily="49" charset="0"/>
-              </a:rPr>
-              <a:t>⟶ </a:t>
-            </a:r>
-            <a:r>
-              <a:rPr lang="en-US" dirty="0" err="1">
-                <a:latin typeface="Consolas" panose="020B0609020204030204" pitchFamily="49" charset="0"/>
-                <a:ea typeface="Cambria Math"/>
-                <a:cs typeface="Consolas" panose="020B0609020204030204" pitchFamily="49" charset="0"/>
-              </a:rPr>
-              <a:t>r0</a:t>
-            </a:r>
-            <a:endParaRPr lang="en-US" dirty="0">
-              <a:latin typeface="Consolas" panose="020B0609020204030204" pitchFamily="49" charset="0"/>
-              <a:ea typeface="Cambria Math"/>
-              <a:cs typeface="Consolas" panose="020B0609020204030204" pitchFamily="49" charset="0"/>
-            </a:endParaRPr>
-          </a:p>
-          <a:p>
-            <a:r>
-              <a:rPr lang="en-US" dirty="0">
-                <a:latin typeface="Consolas" panose="020B0609020204030204" pitchFamily="49" charset="0"/>
-                <a:cs typeface="Consolas" panose="020B0609020204030204" pitchFamily="49" charset="0"/>
-              </a:rPr>
-              <a:t>y</a:t>
-            </a:r>
-            <a:r>
-              <a:rPr lang="en-US" dirty="0">
-                <a:latin typeface="Consolas" panose="020B0609020204030204" pitchFamily="49" charset="0"/>
-                <a:ea typeface="Cambria Math"/>
-                <a:cs typeface="Consolas" panose="020B0609020204030204" pitchFamily="49" charset="0"/>
-              </a:rPr>
-              <a:t> ⟶ </a:t>
-            </a:r>
-            <a:r>
-              <a:rPr lang="en-US" dirty="0" err="1">
-                <a:latin typeface="Consolas" panose="020B0609020204030204" pitchFamily="49" charset="0"/>
-                <a:ea typeface="Cambria Math"/>
-                <a:cs typeface="Consolas" panose="020B0609020204030204" pitchFamily="49" charset="0"/>
-              </a:rPr>
-              <a:t>r1</a:t>
-            </a:r>
-            <a:endParaRPr lang="en-US" dirty="0">
-              <a:latin typeface="Consolas" panose="020B0609020204030204" pitchFamily="49" charset="0"/>
-              <a:cs typeface="Consolas" panose="020B0609020204030204" pitchFamily="49" charset="0"/>
-            </a:endParaRPr>
-          </a:p>
-        </p:txBody>
-      </p:sp>
-    </p:spTree>
-    <p:extLst>
-      <p:ext uri="{BB962C8B-B14F-4D97-AF65-F5344CB8AC3E}">
-        <p14:creationId xmlns:p14="http://schemas.microsoft.com/office/powerpoint/2010/main" val="1090868990"/>
       </p:ext>
     </p:extLst>
   </p:cSld>
@@ -34397,6 +34501,524 @@
         </p:nvSpPr>
         <p:spPr>
           <a:xfrm>
+            <a:off x="487708" y="1783864"/>
+            <a:ext cx="2386121" cy="2031325"/>
+          </a:xfrm>
+          <a:prstGeom prst="rect">
+            <a:avLst/>
+          </a:prstGeom>
+        </p:spPr>
+        <p:style>
+          <a:lnRef idx="2">
+            <a:schemeClr val="accent1"/>
+          </a:lnRef>
+          <a:fillRef idx="1">
+            <a:schemeClr val="lt1"/>
+          </a:fillRef>
+          <a:effectRef idx="0">
+            <a:schemeClr val="accent1"/>
+          </a:effectRef>
+          <a:fontRef idx="minor">
+            <a:schemeClr val="dk1"/>
+          </a:fontRef>
+        </p:style>
+        <p:txBody>
+          <a:bodyPr wrap="square">
+            <a:spAutoFit/>
+          </a:bodyPr>
+          <a:lstStyle/>
+          <a:p>
+            <a:r>
+              <a:rPr lang="en-US" dirty="0">
+                <a:latin typeface="Consolas" panose="020B0609020204030204" pitchFamily="49" charset="0"/>
+                <a:cs typeface="Consolas" panose="020B0609020204030204" pitchFamily="49" charset="0"/>
+              </a:rPr>
+              <a:t>int32_t a; </a:t>
+            </a:r>
+            <a:r>
+              <a:rPr lang="en-US" dirty="0">
+                <a:solidFill>
+                  <a:schemeClr val="bg1">
+                    <a:lumMod val="65000"/>
+                  </a:schemeClr>
+                </a:solidFill>
+                <a:latin typeface="Consolas" panose="020B0609020204030204" pitchFamily="49" charset="0"/>
+              </a:rPr>
+              <a:t>//a is	signed int</a:t>
+            </a:r>
+          </a:p>
+          <a:p>
+            <a:r>
+              <a:rPr lang="en-US" dirty="0">
+                <a:latin typeface="Consolas" panose="020B0609020204030204" pitchFamily="49" charset="0"/>
+                <a:cs typeface="Consolas" panose="020B0609020204030204" pitchFamily="49" charset="0"/>
+              </a:rPr>
+              <a:t>...</a:t>
+            </a:r>
+          </a:p>
+          <a:p>
+            <a:r>
+              <a:rPr lang="en-US" dirty="0">
+                <a:latin typeface="Consolas" panose="020B0609020204030204" pitchFamily="49" charset="0"/>
+                <a:cs typeface="Consolas" panose="020B0609020204030204" pitchFamily="49" charset="0"/>
+              </a:rPr>
+              <a:t>if (a &lt;= 0)  </a:t>
+            </a:r>
+          </a:p>
+          <a:p>
+            <a:r>
+              <a:rPr lang="en-US" dirty="0">
+                <a:latin typeface="Consolas" panose="020B0609020204030204" pitchFamily="49" charset="0"/>
+                <a:cs typeface="Consolas" panose="020B0609020204030204" pitchFamily="49" charset="0"/>
+              </a:rPr>
+              <a:t>  y = -1;</a:t>
+            </a:r>
+          </a:p>
+          <a:p>
+            <a:r>
+              <a:rPr lang="en-US" dirty="0">
+                <a:latin typeface="Consolas" panose="020B0609020204030204" pitchFamily="49" charset="0"/>
+                <a:cs typeface="Consolas" panose="020B0609020204030204" pitchFamily="49" charset="0"/>
+              </a:rPr>
+              <a:t>else</a:t>
+            </a:r>
+          </a:p>
+          <a:p>
+            <a:r>
+              <a:rPr lang="en-US" dirty="0">
+                <a:latin typeface="Consolas" panose="020B0609020204030204" pitchFamily="49" charset="0"/>
+                <a:cs typeface="Consolas" panose="020B0609020204030204" pitchFamily="49" charset="0"/>
+              </a:rPr>
+              <a:t>  y = 1;</a:t>
+            </a:r>
+          </a:p>
+        </p:txBody>
+      </p:sp>
+      <p:sp>
+        <p:nvSpPr>
+          <p:cNvPr id="7" name="Rectangle 6"/>
+          <p:cNvSpPr/>
+          <p:nvPr/>
+        </p:nvSpPr>
+        <p:spPr>
+          <a:xfrm>
+            <a:off x="4114800" y="2310225"/>
+            <a:ext cx="4038600" cy="923330"/>
+          </a:xfrm>
+          <a:prstGeom prst="rect">
+            <a:avLst/>
+          </a:prstGeom>
+        </p:spPr>
+        <p:style>
+          <a:lnRef idx="2">
+            <a:schemeClr val="accent1"/>
+          </a:lnRef>
+          <a:fillRef idx="1">
+            <a:schemeClr val="lt1"/>
+          </a:fillRef>
+          <a:effectRef idx="0">
+            <a:schemeClr val="accent1"/>
+          </a:effectRef>
+          <a:fontRef idx="minor">
+            <a:schemeClr val="dk1"/>
+          </a:fontRef>
+        </p:style>
+        <p:txBody>
+          <a:bodyPr wrap="square">
+            <a:spAutoFit/>
+          </a:bodyPr>
+          <a:lstStyle/>
+          <a:p>
+            <a:r>
+              <a:rPr lang="en-US" dirty="0" err="1">
+                <a:latin typeface="Consolas" panose="020B0609020204030204" pitchFamily="49" charset="0"/>
+                <a:cs typeface="Consolas" panose="020B0609020204030204" pitchFamily="49" charset="0"/>
+              </a:rPr>
+              <a:t>CMP</a:t>
+            </a:r>
+            <a:r>
+              <a:rPr lang="en-US" dirty="0">
+                <a:latin typeface="Consolas" panose="020B0609020204030204" pitchFamily="49" charset="0"/>
+                <a:cs typeface="Consolas" panose="020B0609020204030204" pitchFamily="49" charset="0"/>
+              </a:rPr>
+              <a:t>   </a:t>
+            </a:r>
+            <a:r>
+              <a:rPr lang="en-US" dirty="0" err="1">
+                <a:latin typeface="Consolas" panose="020B0609020204030204" pitchFamily="49" charset="0"/>
+                <a:cs typeface="Consolas" panose="020B0609020204030204" pitchFamily="49" charset="0"/>
+              </a:rPr>
+              <a:t>r0</a:t>
+            </a:r>
+            <a:r>
+              <a:rPr lang="en-US" dirty="0">
+                <a:latin typeface="Consolas" panose="020B0609020204030204" pitchFamily="49" charset="0"/>
+                <a:cs typeface="Consolas" panose="020B0609020204030204" pitchFamily="49" charset="0"/>
+              </a:rPr>
+              <a:t>, #0</a:t>
+            </a:r>
+          </a:p>
+          <a:p>
+            <a:r>
+              <a:rPr lang="en-US" dirty="0">
+                <a:latin typeface="Consolas" panose="020B0609020204030204" pitchFamily="49" charset="0"/>
+                <a:cs typeface="Consolas" panose="020B0609020204030204" pitchFamily="49" charset="0"/>
+              </a:rPr>
+              <a:t>MOV</a:t>
+            </a:r>
+            <a:r>
+              <a:rPr lang="en-US" b="1" dirty="0">
+                <a:solidFill>
+                  <a:srgbClr val="FF0000"/>
+                </a:solidFill>
+                <a:latin typeface="Consolas" panose="020B0609020204030204" pitchFamily="49" charset="0"/>
+                <a:cs typeface="Consolas" panose="020B0609020204030204" pitchFamily="49" charset="0"/>
+              </a:rPr>
+              <a:t>LE</a:t>
+            </a:r>
+            <a:r>
+              <a:rPr lang="en-US" dirty="0">
+                <a:latin typeface="Consolas" panose="020B0609020204030204" pitchFamily="49" charset="0"/>
+                <a:cs typeface="Consolas" panose="020B0609020204030204" pitchFamily="49" charset="0"/>
+              </a:rPr>
+              <a:t> r1, #-1 </a:t>
+            </a:r>
+            <a:r>
+              <a:rPr lang="en-US" dirty="0">
+                <a:solidFill>
+                  <a:schemeClr val="bg1">
+                    <a:lumMod val="65000"/>
+                  </a:schemeClr>
+                </a:solidFill>
+                <a:latin typeface="Consolas" panose="020B0609020204030204" pitchFamily="49" charset="0"/>
+                <a:cs typeface="Consolas" panose="020B0609020204030204" pitchFamily="49" charset="0"/>
+              </a:rPr>
+              <a:t>; executed if LE</a:t>
+            </a:r>
+          </a:p>
+          <a:p>
+            <a:r>
+              <a:rPr lang="en-US" dirty="0">
+                <a:latin typeface="Consolas" panose="020B0609020204030204" pitchFamily="49" charset="0"/>
+                <a:cs typeface="Consolas" panose="020B0609020204030204" pitchFamily="49" charset="0"/>
+              </a:rPr>
+              <a:t>MOV</a:t>
+            </a:r>
+            <a:r>
+              <a:rPr lang="en-US" b="1" dirty="0">
+                <a:solidFill>
+                  <a:srgbClr val="FF0000"/>
+                </a:solidFill>
+                <a:latin typeface="Consolas" panose="020B0609020204030204" pitchFamily="49" charset="0"/>
+                <a:cs typeface="Consolas" panose="020B0609020204030204" pitchFamily="49" charset="0"/>
+              </a:rPr>
+              <a:t>GT</a:t>
+            </a:r>
+            <a:r>
+              <a:rPr lang="en-US" dirty="0">
+                <a:latin typeface="Consolas" panose="020B0609020204030204" pitchFamily="49" charset="0"/>
+                <a:cs typeface="Consolas" panose="020B0609020204030204" pitchFamily="49" charset="0"/>
+              </a:rPr>
+              <a:t> r1, #1  </a:t>
+            </a:r>
+            <a:r>
+              <a:rPr lang="en-US" dirty="0">
+                <a:solidFill>
+                  <a:schemeClr val="bg1">
+                    <a:lumMod val="65000"/>
+                  </a:schemeClr>
+                </a:solidFill>
+                <a:latin typeface="Consolas" panose="020B0609020204030204" pitchFamily="49" charset="0"/>
+                <a:cs typeface="Consolas" panose="020B0609020204030204" pitchFamily="49" charset="0"/>
+              </a:rPr>
+              <a:t>; executed if GT</a:t>
+            </a:r>
+          </a:p>
+        </p:txBody>
+      </p:sp>
+      <p:sp>
+        <p:nvSpPr>
+          <p:cNvPr id="5" name="Right Arrow 4"/>
+          <p:cNvSpPr/>
+          <p:nvPr/>
+        </p:nvSpPr>
+        <p:spPr>
+          <a:xfrm>
+            <a:off x="2895600" y="2665188"/>
+            <a:ext cx="838200" cy="211537"/>
+          </a:xfrm>
+          <a:prstGeom prst="rightArrow">
+            <a:avLst/>
+          </a:prstGeom>
+        </p:spPr>
+        <p:style>
+          <a:lnRef idx="2">
+            <a:schemeClr val="accent1">
+              <a:shade val="50000"/>
+            </a:schemeClr>
+          </a:lnRef>
+          <a:fillRef idx="1">
+            <a:schemeClr val="accent1"/>
+          </a:fillRef>
+          <a:effectRef idx="0">
+            <a:schemeClr val="accent1"/>
+          </a:effectRef>
+          <a:fontRef idx="minor">
+            <a:schemeClr val="lt1"/>
+          </a:fontRef>
+        </p:style>
+        <p:txBody>
+          <a:bodyPr rtlCol="0" anchor="ctr"/>
+          <a:lstStyle/>
+          <a:p>
+            <a:pPr algn="ctr"/>
+            <a:endParaRPr lang="en-US"/>
+          </a:p>
+        </p:txBody>
+      </p:sp>
+      <p:sp>
+        <p:nvSpPr>
+          <p:cNvPr id="6" name="TextBox 5"/>
+          <p:cNvSpPr txBox="1"/>
+          <p:nvPr/>
+        </p:nvSpPr>
+        <p:spPr>
+          <a:xfrm>
+            <a:off x="4343400" y="3581400"/>
+            <a:ext cx="3065263" cy="646331"/>
+          </a:xfrm>
+          <a:prstGeom prst="rect">
+            <a:avLst/>
+          </a:prstGeom>
+          <a:noFill/>
+        </p:spPr>
+        <p:txBody>
+          <a:bodyPr wrap="none" rtlCol="0">
+            <a:spAutoFit/>
+          </a:bodyPr>
+          <a:lstStyle/>
+          <a:p>
+            <a:r>
+              <a:rPr lang="en-US" b="1" dirty="0">
+                <a:solidFill>
+                  <a:srgbClr val="FF0000"/>
+                </a:solidFill>
+                <a:latin typeface="Consolas" panose="020B0609020204030204" pitchFamily="49" charset="0"/>
+                <a:cs typeface="Consolas" panose="020B0609020204030204" pitchFamily="49" charset="0"/>
+              </a:rPr>
+              <a:t>LE</a:t>
+            </a:r>
+            <a:r>
+              <a:rPr lang="en-US" dirty="0">
+                <a:latin typeface="Consolas" panose="020B0609020204030204" pitchFamily="49" charset="0"/>
+                <a:cs typeface="Consolas" panose="020B0609020204030204" pitchFamily="49" charset="0"/>
+              </a:rPr>
+              <a:t>: </a:t>
+            </a:r>
+            <a:r>
+              <a:rPr lang="en-US" dirty="0"/>
+              <a:t>Signed Less than or Equal</a:t>
+            </a:r>
+          </a:p>
+          <a:p>
+            <a:r>
+              <a:rPr lang="en-US" b="1" dirty="0">
+                <a:solidFill>
+                  <a:srgbClr val="FF0000"/>
+                </a:solidFill>
+                <a:latin typeface="Consolas" panose="020B0609020204030204" pitchFamily="49" charset="0"/>
+                <a:cs typeface="Consolas" panose="020B0609020204030204" pitchFamily="49" charset="0"/>
+              </a:rPr>
+              <a:t>GT</a:t>
+            </a:r>
+            <a:r>
+              <a:rPr lang="en-US" dirty="0">
+                <a:latin typeface="Consolas" panose="020B0609020204030204" pitchFamily="49" charset="0"/>
+                <a:cs typeface="Consolas" panose="020B0609020204030204" pitchFamily="49" charset="0"/>
+              </a:rPr>
+              <a:t>: </a:t>
+            </a:r>
+            <a:r>
+              <a:rPr lang="en-US" dirty="0"/>
+              <a:t>Signed Greater Than</a:t>
+            </a:r>
+          </a:p>
+        </p:txBody>
+      </p:sp>
+      <p:sp>
+        <p:nvSpPr>
+          <p:cNvPr id="2" name="TextBox 1"/>
+          <p:cNvSpPr txBox="1"/>
+          <p:nvPr/>
+        </p:nvSpPr>
+        <p:spPr>
+          <a:xfrm>
+            <a:off x="4334359" y="1460699"/>
+            <a:ext cx="1090363" cy="646331"/>
+          </a:xfrm>
+          <a:prstGeom prst="rect">
+            <a:avLst/>
+          </a:prstGeom>
+          <a:noFill/>
+        </p:spPr>
+        <p:txBody>
+          <a:bodyPr wrap="none" rtlCol="0">
+            <a:spAutoFit/>
+          </a:bodyPr>
+          <a:lstStyle/>
+          <a:p>
+            <a:r>
+              <a:rPr lang="en-US" dirty="0">
+                <a:latin typeface="Consolas" panose="020B0609020204030204" pitchFamily="49" charset="0"/>
+                <a:cs typeface="Consolas" panose="020B0609020204030204" pitchFamily="49" charset="0"/>
+              </a:rPr>
+              <a:t>a </a:t>
+            </a:r>
+            <a:r>
+              <a:rPr lang="en-US" dirty="0">
+                <a:latin typeface="Consolas" panose="020B0609020204030204" pitchFamily="49" charset="0"/>
+                <a:ea typeface="Cambria Math"/>
+                <a:cs typeface="Consolas" panose="020B0609020204030204" pitchFamily="49" charset="0"/>
+              </a:rPr>
+              <a:t>⟶ </a:t>
+            </a:r>
+            <a:r>
+              <a:rPr lang="en-US" dirty="0" err="1">
+                <a:latin typeface="Consolas" panose="020B0609020204030204" pitchFamily="49" charset="0"/>
+                <a:ea typeface="Cambria Math"/>
+                <a:cs typeface="Consolas" panose="020B0609020204030204" pitchFamily="49" charset="0"/>
+              </a:rPr>
+              <a:t>r0</a:t>
+            </a:r>
+            <a:endParaRPr lang="en-US" dirty="0">
+              <a:latin typeface="Consolas" panose="020B0609020204030204" pitchFamily="49" charset="0"/>
+              <a:ea typeface="Cambria Math"/>
+              <a:cs typeface="Consolas" panose="020B0609020204030204" pitchFamily="49" charset="0"/>
+            </a:endParaRPr>
+          </a:p>
+          <a:p>
+            <a:r>
+              <a:rPr lang="en-US" dirty="0">
+                <a:latin typeface="Consolas" panose="020B0609020204030204" pitchFamily="49" charset="0"/>
+                <a:cs typeface="Consolas" panose="020B0609020204030204" pitchFamily="49" charset="0"/>
+              </a:rPr>
+              <a:t>y</a:t>
+            </a:r>
+            <a:r>
+              <a:rPr lang="en-US" dirty="0">
+                <a:latin typeface="Consolas" panose="020B0609020204030204" pitchFamily="49" charset="0"/>
+                <a:ea typeface="Cambria Math"/>
+                <a:cs typeface="Consolas" panose="020B0609020204030204" pitchFamily="49" charset="0"/>
+              </a:rPr>
+              <a:t> ⟶ </a:t>
+            </a:r>
+            <a:r>
+              <a:rPr lang="en-US" dirty="0" err="1">
+                <a:latin typeface="Consolas" panose="020B0609020204030204" pitchFamily="49" charset="0"/>
+                <a:ea typeface="Cambria Math"/>
+                <a:cs typeface="Consolas" panose="020B0609020204030204" pitchFamily="49" charset="0"/>
+              </a:rPr>
+              <a:t>r1</a:t>
+            </a:r>
+            <a:endParaRPr lang="en-US" dirty="0">
+              <a:latin typeface="Consolas" panose="020B0609020204030204" pitchFamily="49" charset="0"/>
+              <a:cs typeface="Consolas" panose="020B0609020204030204" pitchFamily="49" charset="0"/>
+            </a:endParaRPr>
+          </a:p>
+        </p:txBody>
+      </p:sp>
+    </p:spTree>
+    <p:extLst>
+      <p:ext uri="{BB962C8B-B14F-4D97-AF65-F5344CB8AC3E}">
+        <p14:creationId xmlns:p14="http://schemas.microsoft.com/office/powerpoint/2010/main" val="1090868990"/>
+      </p:ext>
+    </p:extLst>
+  </p:cSld>
+  <p:clrMapOvr>
+    <a:masterClrMapping/>
+  </p:clrMapOvr>
+  <p:transition/>
+</p:sld>
+</file>
+
+<file path=ppt/slides/slide34.xml><?xml version="1.0" encoding="utf-8"?>
+<p:sld xmlns:a="http://schemas.openxmlformats.org/drawingml/2006/main" xmlns:r="http://schemas.openxmlformats.org/officeDocument/2006/relationships" xmlns:p="http://schemas.openxmlformats.org/presentationml/2006/main">
+  <p:cSld>
+    <p:spTree>
+      <p:nvGrpSpPr>
+        <p:cNvPr id="1" name=""/>
+        <p:cNvGrpSpPr/>
+        <p:nvPr/>
+      </p:nvGrpSpPr>
+      <p:grpSpPr>
+        <a:xfrm>
+          <a:off x="0" y="0"/>
+          <a:ext cx="0" cy="0"/>
+          <a:chOff x="0" y="0"/>
+          <a:chExt cx="0" cy="0"/>
+        </a:xfrm>
+      </p:grpSpPr>
+      <p:sp>
+        <p:nvSpPr>
+          <p:cNvPr id="15362" name="Rectangle 2"/>
+          <p:cNvSpPr>
+            <a:spLocks noGrp="1" noChangeArrowheads="1"/>
+          </p:cNvSpPr>
+          <p:nvPr>
+            <p:ph type="title"/>
+          </p:nvPr>
+        </p:nvSpPr>
+        <p:spPr/>
+        <p:txBody>
+          <a:bodyPr>
+            <a:normAutofit fontScale="90000"/>
+          </a:bodyPr>
+          <a:lstStyle/>
+          <a:p>
+            <a:r>
+              <a:rPr lang="en-US" dirty="0"/>
+              <a:t>Conditional Execution Example: Signed Int</a:t>
+            </a:r>
+            <a:endParaRPr lang="en-US" dirty="0">
+              <a:solidFill>
+                <a:srgbClr val="C00000"/>
+              </a:solidFill>
+            </a:endParaRPr>
+          </a:p>
+        </p:txBody>
+      </p:sp>
+      <p:sp>
+        <p:nvSpPr>
+          <p:cNvPr id="4" name="Slide Number Placeholder 3"/>
+          <p:cNvSpPr>
+            <a:spLocks noGrp="1"/>
+          </p:cNvSpPr>
+          <p:nvPr>
+            <p:ph type="sldNum" sz="quarter" idx="12"/>
+          </p:nvPr>
+        </p:nvSpPr>
+        <p:spPr/>
+        <p:txBody>
+          <a:bodyPr/>
+          <a:lstStyle/>
+          <a:p>
+            <a:fld id="{AEE14D4A-FE32-40AF-B06D-E9622816B101}" type="slidenum">
+              <a:rPr lang="en-US" smtClean="0"/>
+              <a:pPr/>
+              <a:t>34</a:t>
+            </a:fld>
+            <a:endParaRPr lang="en-US"/>
+          </a:p>
+        </p:txBody>
+      </p:sp>
+      <p:sp>
+        <p:nvSpPr>
+          <p:cNvPr id="3" name="Rectangle 2"/>
+          <p:cNvSpPr/>
+          <p:nvPr/>
+        </p:nvSpPr>
+        <p:spPr>
+          <a:xfrm>
             <a:off x="188980" y="2033227"/>
             <a:ext cx="3477234" cy="1754326"/>
           </a:xfrm>
@@ -34825,17 +35447,17 @@
           <a:ln/>
           <a:extLst>
             <a:ext uri="{FAA26D3D-D897-4be2-8F04-BA451C77F1D7}">
-              <ma14:placeholderFlag xmlns:ma14="http://schemas.microsoft.com/office/mac/drawingml/2011/main" xmlns="" val="1"/>
+              <ma14:placeholderFlag xmlns="" xmlns:ma14="http://schemas.microsoft.com/office/mac/drawingml/2011/main" val="1"/>
             </a:ext>
             <a:ext uri="{909E8E84-426E-40dd-AFC4-6F175D3DCCD1}">
-              <a14:hiddenFill xmlns:a14="http://schemas.microsoft.com/office/drawing/2010/main" xmlns="">
+              <a14:hiddenFill xmlns="" xmlns:a14="http://schemas.microsoft.com/office/drawing/2010/main">
                 <a:solidFill>
                   <a:schemeClr val="bg1"/>
                 </a:solidFill>
               </a14:hiddenFill>
             </a:ext>
             <a:ext uri="{91240B29-F687-4f45-9708-019B960494DF}">
-              <a14:hiddenLine xmlns:a14="http://schemas.microsoft.com/office/drawing/2010/main" xmlns="" w="12700">
+              <a14:hiddenLine xmlns="" xmlns:a14="http://schemas.microsoft.com/office/drawing/2010/main" w="12700">
                 <a:pattFill prst="narHorz">
                   <a:fgClr>
                     <a:schemeClr val="tx1"/>
@@ -34850,7 +35472,7 @@
               </a14:hiddenLine>
             </a:ext>
             <a:ext uri="{AF507438-7753-43e0-B8FC-AC1667EBCBE1}">
-              <a14:hiddenEffects xmlns:a14="http://schemas.microsoft.com/office/drawing/2010/main" xmlns="">
+              <a14:hiddenEffects xmlns="" xmlns:a14="http://schemas.microsoft.com/office/drawing/2010/main">
                 <a:effectLst>
                   <a:outerShdw blurRad="63500" dist="38099" dir="2700000" algn="ctr" rotWithShape="0">
                     <a:schemeClr val="bg2">
@@ -35130,7 +35752,7 @@
 </p:sld>
 </file>
 
-<file path=ppt/slides/slide34.xml><?xml version="1.0" encoding="utf-8"?>
+<file path=ppt/slides/slide35.xml><?xml version="1.0" encoding="utf-8"?>
 <p:sld xmlns:a="http://schemas.openxmlformats.org/drawingml/2006/main" xmlns:r="http://schemas.openxmlformats.org/officeDocument/2006/relationships" xmlns:p="http://schemas.openxmlformats.org/presentationml/2006/main">
   <p:cSld>
     <p:spTree>
@@ -35189,7 +35811,7 @@
             <a:fld id="{EA7C8D44-3667-46F6-9772-CC52308E2A7F}" type="slidenum">
               <a:rPr kumimoji="0" lang="en-US" smtClean="0"/>
               <a:pPr/>
-              <a:t>34</a:t>
+              <a:t>35</a:t>
             </a:fld>
             <a:endParaRPr kumimoji="0" lang="en-US" dirty="0"/>
           </a:p>
@@ -35755,1525 +36377,6 @@
 </p:sld>
 </file>
 
-<file path=ppt/slides/slide35.xml><?xml version="1.0" encoding="utf-8"?>
-<p:sld xmlns:a="http://schemas.openxmlformats.org/drawingml/2006/main" xmlns:r="http://schemas.openxmlformats.org/officeDocument/2006/relationships" xmlns:p="http://schemas.openxmlformats.org/presentationml/2006/main">
-  <p:cSld>
-    <p:spTree>
-      <p:nvGrpSpPr>
-        <p:cNvPr id="1" name=""/>
-        <p:cNvGrpSpPr/>
-        <p:nvPr/>
-      </p:nvGrpSpPr>
-      <p:grpSpPr>
-        <a:xfrm>
-          <a:off x="0" y="0"/>
-          <a:ext cx="0" cy="0"/>
-          <a:chOff x="0" y="0"/>
-          <a:chExt cx="0" cy="0"/>
-        </a:xfrm>
-      </p:grpSpPr>
-      <p:sp>
-        <p:nvSpPr>
-          <p:cNvPr id="16441" name="Rectangle 57"/>
-          <p:cNvSpPr>
-            <a:spLocks noGrp="1" noChangeArrowheads="1"/>
-          </p:cNvSpPr>
-          <p:nvPr>
-            <p:ph type="title"/>
-          </p:nvPr>
-        </p:nvSpPr>
-        <p:spPr/>
-        <p:txBody>
-          <a:bodyPr>
-            <a:normAutofit fontScale="90000"/>
-          </a:bodyPr>
-          <a:lstStyle/>
-          <a:p>
-            <a:r>
-              <a:rPr lang="en-US" dirty="0"/>
-              <a:t>Example 1: Greatest Common Divider (GCD)</a:t>
-            </a:r>
-          </a:p>
-        </p:txBody>
-      </p:sp>
-      <p:sp>
-        <p:nvSpPr>
-          <p:cNvPr id="16387" name="Rectangle 3"/>
-          <p:cNvSpPr>
-            <a:spLocks noChangeArrowheads="1"/>
-          </p:cNvSpPr>
-          <p:nvPr/>
-        </p:nvSpPr>
-        <p:spPr bwMode="auto">
-          <a:xfrm>
-            <a:off x="690563" y="6243638"/>
-            <a:ext cx="1903412" cy="455612"/>
-          </a:xfrm>
-          <a:prstGeom prst="rect">
-            <a:avLst/>
-          </a:prstGeom>
-          <a:noFill/>
-          <a:ln w="9525">
-            <a:noFill/>
-            <a:miter lim="800000"/>
-            <a:headEnd/>
-            <a:tailEnd/>
-          </a:ln>
-        </p:spPr>
-        <p:txBody>
-          <a:bodyPr wrap="none" anchor="ctr"/>
-          <a:lstStyle/>
-          <a:p>
-            <a:endParaRPr lang="en-US"/>
-          </a:p>
-        </p:txBody>
-      </p:sp>
-      <p:sp>
-        <p:nvSpPr>
-          <p:cNvPr id="16388" name="Rectangle 4"/>
-          <p:cNvSpPr>
-            <a:spLocks noChangeArrowheads="1"/>
-          </p:cNvSpPr>
-          <p:nvPr/>
-        </p:nvSpPr>
-        <p:spPr bwMode="auto">
-          <a:xfrm>
-            <a:off x="3125788" y="6243638"/>
-            <a:ext cx="2892425" cy="455612"/>
-          </a:xfrm>
-          <a:prstGeom prst="rect">
-            <a:avLst/>
-          </a:prstGeom>
-          <a:noFill/>
-          <a:ln w="9525">
-            <a:noFill/>
-            <a:miter lim="800000"/>
-            <a:headEnd/>
-            <a:tailEnd/>
-          </a:ln>
-        </p:spPr>
-        <p:txBody>
-          <a:bodyPr wrap="none" anchor="ctr"/>
-          <a:lstStyle/>
-          <a:p>
-            <a:endParaRPr lang="en-US"/>
-          </a:p>
-        </p:txBody>
-      </p:sp>
-      <p:sp>
-        <p:nvSpPr>
-          <p:cNvPr id="16389" name="Rectangle 5"/>
-          <p:cNvSpPr>
-            <a:spLocks noChangeArrowheads="1"/>
-          </p:cNvSpPr>
-          <p:nvPr/>
-        </p:nvSpPr>
-        <p:spPr bwMode="auto">
-          <a:xfrm>
-            <a:off x="690563" y="6243638"/>
-            <a:ext cx="1903412" cy="455612"/>
-          </a:xfrm>
-          <a:prstGeom prst="rect">
-            <a:avLst/>
-          </a:prstGeom>
-          <a:noFill/>
-          <a:ln w="9525">
-            <a:noFill/>
-            <a:miter lim="800000"/>
-            <a:headEnd/>
-            <a:tailEnd/>
-          </a:ln>
-        </p:spPr>
-        <p:txBody>
-          <a:bodyPr wrap="none" anchor="ctr"/>
-          <a:lstStyle/>
-          <a:p>
-            <a:endParaRPr lang="en-US"/>
-          </a:p>
-        </p:txBody>
-      </p:sp>
-      <p:sp>
-        <p:nvSpPr>
-          <p:cNvPr id="16390" name="Rectangle 6"/>
-          <p:cNvSpPr>
-            <a:spLocks noChangeArrowheads="1"/>
-          </p:cNvSpPr>
-          <p:nvPr/>
-        </p:nvSpPr>
-        <p:spPr bwMode="auto">
-          <a:xfrm>
-            <a:off x="3125788" y="6243638"/>
-            <a:ext cx="2892425" cy="455612"/>
-          </a:xfrm>
-          <a:prstGeom prst="rect">
-            <a:avLst/>
-          </a:prstGeom>
-          <a:noFill/>
-          <a:ln w="9525">
-            <a:noFill/>
-            <a:miter lim="800000"/>
-            <a:headEnd/>
-            <a:tailEnd/>
-          </a:ln>
-        </p:spPr>
-        <p:txBody>
-          <a:bodyPr wrap="none" anchor="ctr"/>
-          <a:lstStyle/>
-          <a:p>
-            <a:endParaRPr lang="en-US"/>
-          </a:p>
-        </p:txBody>
-      </p:sp>
-      <p:sp>
-        <p:nvSpPr>
-          <p:cNvPr id="58" name="Slide Number Placeholder 57"/>
-          <p:cNvSpPr>
-            <a:spLocks noGrp="1"/>
-          </p:cNvSpPr>
-          <p:nvPr>
-            <p:ph type="sldNum" sz="quarter" idx="12"/>
-          </p:nvPr>
-        </p:nvSpPr>
-        <p:spPr/>
-        <p:txBody>
-          <a:bodyPr/>
-          <a:lstStyle/>
-          <a:p>
-            <a:fld id="{AEE14D4A-FE32-40AF-B06D-E9622816B101}" type="slidenum">
-              <a:rPr lang="en-US" smtClean="0"/>
-              <a:pPr/>
-              <a:t>35</a:t>
-            </a:fld>
-            <a:endParaRPr lang="en-US"/>
-          </a:p>
-        </p:txBody>
-      </p:sp>
-      <p:sp>
-        <p:nvSpPr>
-          <p:cNvPr id="61" name="TextBox 60"/>
-          <p:cNvSpPr txBox="1"/>
-          <p:nvPr/>
-        </p:nvSpPr>
-        <p:spPr>
-          <a:xfrm>
-            <a:off x="280931" y="3706685"/>
-            <a:ext cx="4519669" cy="2308324"/>
-          </a:xfrm>
-          <a:prstGeom prst="rect">
-            <a:avLst/>
-          </a:prstGeom>
-          <a:noFill/>
-          <a:ln>
-            <a:solidFill>
-              <a:schemeClr val="accent1"/>
-            </a:solidFill>
-          </a:ln>
-        </p:spPr>
-        <p:txBody>
-          <a:bodyPr wrap="square" rtlCol="0">
-            <a:spAutoFit/>
-          </a:bodyPr>
-          <a:lstStyle/>
-          <a:p>
-            <a:r>
-              <a:rPr lang="en-US" sz="1600" dirty="0">
-                <a:latin typeface="Consolas" panose="020B0609020204030204" pitchFamily="49" charset="0"/>
-                <a:cs typeface="Consolas" panose="020B0609020204030204" pitchFamily="49" charset="0"/>
-              </a:rPr>
-              <a:t>      </a:t>
-            </a:r>
-            <a:r>
-              <a:rPr lang="en-US" sz="1600" dirty="0">
-                <a:solidFill>
-                  <a:schemeClr val="bg1">
-                    <a:lumMod val="65000"/>
-                  </a:schemeClr>
-                </a:solidFill>
-                <a:latin typeface="Consolas" panose="020B0609020204030204" pitchFamily="49" charset="0"/>
-                <a:cs typeface="Consolas" panose="020B0609020204030204" pitchFamily="49" charset="0"/>
-              </a:rPr>
-              <a:t>; suppose r0 = a and r1 = b</a:t>
-            </a:r>
-          </a:p>
-          <a:p>
-            <a:r>
-              <a:rPr lang="en-US" sz="1600" b="1" dirty="0" err="1">
-                <a:solidFill>
-                  <a:srgbClr val="FF40FF"/>
-                </a:solidFill>
-                <a:latin typeface="Consolas" panose="020B0609020204030204" pitchFamily="49" charset="0"/>
-                <a:cs typeface="Consolas" panose="020B0609020204030204" pitchFamily="49" charset="0"/>
-              </a:rPr>
-              <a:t>gcd</a:t>
-            </a:r>
-            <a:r>
-              <a:rPr lang="en-US" sz="1600" dirty="0">
-                <a:latin typeface="Consolas" panose="020B0609020204030204" pitchFamily="49" charset="0"/>
-                <a:cs typeface="Consolas" panose="020B0609020204030204" pitchFamily="49" charset="0"/>
-              </a:rPr>
-              <a:t>   CMP r0, r1	      </a:t>
-            </a:r>
-            <a:r>
-              <a:rPr lang="en-US" sz="1600" dirty="0">
-                <a:solidFill>
-                  <a:schemeClr val="bg1">
-                    <a:lumMod val="65000"/>
-                  </a:schemeClr>
-                </a:solidFill>
-                <a:latin typeface="Consolas" panose="020B0609020204030204" pitchFamily="49" charset="0"/>
-                <a:cs typeface="Consolas" panose="020B0609020204030204" pitchFamily="49" charset="0"/>
-              </a:rPr>
-              <a:t>; a &gt; b?</a:t>
-            </a:r>
-          </a:p>
-          <a:p>
-            <a:r>
-              <a:rPr lang="en-US" sz="1600" b="1" dirty="0">
-                <a:solidFill>
-                  <a:srgbClr val="0000FF"/>
-                </a:solidFill>
-                <a:latin typeface="Consolas" panose="020B0609020204030204" pitchFamily="49" charset="0"/>
-                <a:cs typeface="Consolas" panose="020B0609020204030204" pitchFamily="49" charset="0"/>
-              </a:rPr>
-              <a:t>      BEQ end</a:t>
-            </a:r>
-            <a:r>
-              <a:rPr lang="en-US" sz="1600" dirty="0">
-                <a:latin typeface="Consolas" panose="020B0609020204030204" pitchFamily="49" charset="0"/>
-                <a:cs typeface="Consolas" panose="020B0609020204030204" pitchFamily="49" charset="0"/>
-              </a:rPr>
-              <a:t>	      </a:t>
-            </a:r>
-            <a:r>
-              <a:rPr lang="en-US" sz="1600" dirty="0">
-                <a:solidFill>
-                  <a:schemeClr val="bg1">
-                    <a:lumMod val="65000"/>
-                  </a:schemeClr>
-                </a:solidFill>
-                <a:latin typeface="Consolas" panose="020B0609020204030204" pitchFamily="49" charset="0"/>
-                <a:cs typeface="Consolas" panose="020B0609020204030204" pitchFamily="49" charset="0"/>
-              </a:rPr>
-              <a:t>; if a = b, done</a:t>
-            </a:r>
-          </a:p>
-          <a:p>
-            <a:r>
-              <a:rPr lang="en-US" sz="1600" dirty="0">
-                <a:latin typeface="Consolas" panose="020B0609020204030204" pitchFamily="49" charset="0"/>
-                <a:cs typeface="Consolas" panose="020B0609020204030204" pitchFamily="49" charset="0"/>
-              </a:rPr>
-              <a:t>      </a:t>
-            </a:r>
-            <a:r>
-              <a:rPr lang="en-US" sz="1600" b="1" dirty="0">
-                <a:solidFill>
-                  <a:srgbClr val="FF0000"/>
-                </a:solidFill>
-                <a:latin typeface="Consolas" panose="020B0609020204030204" pitchFamily="49" charset="0"/>
-                <a:cs typeface="Consolas" panose="020B0609020204030204" pitchFamily="49" charset="0"/>
-              </a:rPr>
-              <a:t>BLO less</a:t>
-            </a:r>
-            <a:r>
-              <a:rPr lang="en-US" sz="1600" dirty="0">
-                <a:solidFill>
-                  <a:srgbClr val="FF0000"/>
-                </a:solidFill>
-                <a:latin typeface="Consolas" panose="020B0609020204030204" pitchFamily="49" charset="0"/>
-                <a:cs typeface="Consolas" panose="020B0609020204030204" pitchFamily="49" charset="0"/>
-              </a:rPr>
-              <a:t>	    </a:t>
-            </a:r>
-            <a:r>
-              <a:rPr lang="en-US" sz="1600" dirty="0">
-                <a:latin typeface="Consolas" panose="020B0609020204030204" pitchFamily="49" charset="0"/>
-                <a:cs typeface="Consolas" panose="020B0609020204030204" pitchFamily="49" charset="0"/>
-              </a:rPr>
-              <a:t>  </a:t>
-            </a:r>
-            <a:r>
-              <a:rPr lang="en-US" sz="1600" dirty="0">
-                <a:solidFill>
-                  <a:schemeClr val="bg1">
-                    <a:lumMod val="65000"/>
-                  </a:schemeClr>
-                </a:solidFill>
-                <a:latin typeface="Consolas" panose="020B0609020204030204" pitchFamily="49" charset="0"/>
-                <a:cs typeface="Consolas" panose="020B0609020204030204" pitchFamily="49" charset="0"/>
-              </a:rPr>
-              <a:t>; a &lt; b</a:t>
-            </a:r>
-          </a:p>
-          <a:p>
-            <a:r>
-              <a:rPr lang="en-US" sz="1600" dirty="0">
-                <a:latin typeface="Consolas" panose="020B0609020204030204" pitchFamily="49" charset="0"/>
-                <a:cs typeface="Consolas" panose="020B0609020204030204" pitchFamily="49" charset="0"/>
-              </a:rPr>
-              <a:t>      SUB r0, r0, r1  </a:t>
-            </a:r>
-            <a:r>
-              <a:rPr lang="en-US" sz="1600" dirty="0">
-                <a:solidFill>
-                  <a:schemeClr val="bg1">
-                    <a:lumMod val="65000"/>
-                  </a:schemeClr>
-                </a:solidFill>
-                <a:latin typeface="Consolas" panose="020B0609020204030204" pitchFamily="49" charset="0"/>
-                <a:cs typeface="Consolas" panose="020B0609020204030204" pitchFamily="49" charset="0"/>
-              </a:rPr>
-              <a:t>; a = a – b</a:t>
-            </a:r>
-          </a:p>
-          <a:p>
-            <a:r>
-              <a:rPr lang="en-US" sz="1600" dirty="0">
-                <a:latin typeface="Consolas" panose="020B0609020204030204" pitchFamily="49" charset="0"/>
-                <a:cs typeface="Consolas" panose="020B0609020204030204" pitchFamily="49" charset="0"/>
-              </a:rPr>
-              <a:t>      </a:t>
-            </a:r>
-            <a:r>
-              <a:rPr lang="en-US" sz="1600" b="1" dirty="0">
-                <a:solidFill>
-                  <a:srgbClr val="FF40FF"/>
-                </a:solidFill>
-                <a:latin typeface="Consolas" panose="020B0609020204030204" pitchFamily="49" charset="0"/>
-                <a:cs typeface="Consolas" panose="020B0609020204030204" pitchFamily="49" charset="0"/>
-              </a:rPr>
-              <a:t>B   </a:t>
-            </a:r>
-            <a:r>
-              <a:rPr lang="en-US" sz="1600" b="1" dirty="0" err="1">
-                <a:solidFill>
-                  <a:srgbClr val="FF40FF"/>
-                </a:solidFill>
-                <a:latin typeface="Consolas" panose="020B0609020204030204" pitchFamily="49" charset="0"/>
-                <a:cs typeface="Consolas" panose="020B0609020204030204" pitchFamily="49" charset="0"/>
-              </a:rPr>
-              <a:t>gcd</a:t>
-            </a:r>
-            <a:endParaRPr lang="en-US" sz="1600" b="1" dirty="0">
-              <a:solidFill>
-                <a:srgbClr val="FF40FF"/>
-              </a:solidFill>
-              <a:latin typeface="Consolas" panose="020B0609020204030204" pitchFamily="49" charset="0"/>
-              <a:cs typeface="Consolas" panose="020B0609020204030204" pitchFamily="49" charset="0"/>
-            </a:endParaRPr>
-          </a:p>
-          <a:p>
-            <a:r>
-              <a:rPr lang="en-US" sz="1600" b="1" dirty="0">
-                <a:solidFill>
-                  <a:srgbClr val="FF0000"/>
-                </a:solidFill>
-                <a:latin typeface="Consolas" panose="020B0609020204030204" pitchFamily="49" charset="0"/>
-                <a:cs typeface="Consolas" panose="020B0609020204030204" pitchFamily="49" charset="0"/>
-              </a:rPr>
-              <a:t>less  </a:t>
-            </a:r>
-            <a:r>
-              <a:rPr lang="en-US" sz="1600" dirty="0">
-                <a:latin typeface="Consolas" panose="020B0609020204030204" pitchFamily="49" charset="0"/>
-                <a:cs typeface="Consolas" panose="020B0609020204030204" pitchFamily="49" charset="0"/>
-              </a:rPr>
-              <a:t>SUB r1, r1, r0  </a:t>
-            </a:r>
-            <a:r>
-              <a:rPr lang="en-US" sz="1600" dirty="0">
-                <a:solidFill>
-                  <a:schemeClr val="bg1">
-                    <a:lumMod val="65000"/>
-                  </a:schemeClr>
-                </a:solidFill>
-                <a:latin typeface="Consolas" panose="020B0609020204030204" pitchFamily="49" charset="0"/>
-                <a:cs typeface="Consolas" panose="020B0609020204030204" pitchFamily="49" charset="0"/>
-              </a:rPr>
-              <a:t>; b = b – a</a:t>
-            </a:r>
-          </a:p>
-          <a:p>
-            <a:r>
-              <a:rPr lang="en-US" sz="1600" dirty="0">
-                <a:latin typeface="Consolas" panose="020B0609020204030204" pitchFamily="49" charset="0"/>
-                <a:cs typeface="Consolas" panose="020B0609020204030204" pitchFamily="49" charset="0"/>
-              </a:rPr>
-              <a:t>      </a:t>
-            </a:r>
-            <a:r>
-              <a:rPr lang="en-US" sz="1600" b="1" dirty="0">
-                <a:solidFill>
-                  <a:srgbClr val="FF40FF"/>
-                </a:solidFill>
-                <a:latin typeface="Consolas" panose="020B0609020204030204" pitchFamily="49" charset="0"/>
-                <a:cs typeface="Consolas" panose="020B0609020204030204" pitchFamily="49" charset="0"/>
-              </a:rPr>
-              <a:t>B   </a:t>
-            </a:r>
-            <a:r>
-              <a:rPr lang="en-US" sz="1600" b="1" dirty="0" err="1">
-                <a:solidFill>
-                  <a:srgbClr val="FF40FF"/>
-                </a:solidFill>
-                <a:latin typeface="Consolas" panose="020B0609020204030204" pitchFamily="49" charset="0"/>
-                <a:cs typeface="Consolas" panose="020B0609020204030204" pitchFamily="49" charset="0"/>
-              </a:rPr>
-              <a:t>gcd</a:t>
-            </a:r>
-            <a:r>
-              <a:rPr lang="en-US" sz="1600" dirty="0">
-                <a:latin typeface="Consolas" panose="020B0609020204030204" pitchFamily="49" charset="0"/>
-                <a:cs typeface="Consolas" panose="020B0609020204030204" pitchFamily="49" charset="0"/>
-              </a:rPr>
-              <a:t>	</a:t>
-            </a:r>
-          </a:p>
-          <a:p>
-            <a:r>
-              <a:rPr lang="en-US" sz="1600" dirty="0">
-                <a:solidFill>
-                  <a:srgbClr val="0000FF"/>
-                </a:solidFill>
-                <a:latin typeface="Consolas" panose="020B0609020204030204" pitchFamily="49" charset="0"/>
-                <a:cs typeface="Consolas" panose="020B0609020204030204" pitchFamily="49" charset="0"/>
-              </a:rPr>
-              <a:t>end</a:t>
-            </a:r>
-          </a:p>
-        </p:txBody>
-      </p:sp>
-      <p:sp>
-        <p:nvSpPr>
-          <p:cNvPr id="62" name="Down Arrow 61"/>
-          <p:cNvSpPr/>
-          <p:nvPr/>
-        </p:nvSpPr>
-        <p:spPr>
-          <a:xfrm>
-            <a:off x="1143000" y="3352061"/>
-            <a:ext cx="166171" cy="288489"/>
-          </a:xfrm>
-          <a:prstGeom prst="downArrow">
-            <a:avLst/>
-          </a:prstGeom>
-        </p:spPr>
-        <p:style>
-          <a:lnRef idx="2">
-            <a:schemeClr val="accent1">
-              <a:shade val="50000"/>
-            </a:schemeClr>
-          </a:lnRef>
-          <a:fillRef idx="1">
-            <a:schemeClr val="accent1"/>
-          </a:fillRef>
-          <a:effectRef idx="0">
-            <a:schemeClr val="accent1"/>
-          </a:effectRef>
-          <a:fontRef idx="minor">
-            <a:schemeClr val="lt1"/>
-          </a:fontRef>
-        </p:style>
-        <p:txBody>
-          <a:bodyPr rtlCol="0" anchor="ctr"/>
-          <a:lstStyle/>
-          <a:p>
-            <a:pPr algn="ctr"/>
-            <a:endParaRPr lang="en-US"/>
-          </a:p>
-        </p:txBody>
-      </p:sp>
-      <p:sp>
-        <p:nvSpPr>
-          <p:cNvPr id="63" name="TextBox 62"/>
-          <p:cNvSpPr txBox="1"/>
-          <p:nvPr/>
-        </p:nvSpPr>
-        <p:spPr>
-          <a:xfrm>
-            <a:off x="187420" y="1121015"/>
-            <a:ext cx="2406428" cy="338554"/>
-          </a:xfrm>
-          <a:prstGeom prst="rect">
-            <a:avLst/>
-          </a:prstGeom>
-          <a:noFill/>
-        </p:spPr>
-        <p:txBody>
-          <a:bodyPr wrap="none" rtlCol="0">
-            <a:spAutoFit/>
-          </a:bodyPr>
-          <a:lstStyle/>
-          <a:p>
-            <a:r>
-              <a:rPr lang="en-US" sz="1600" dirty="0">
-                <a:solidFill>
-                  <a:srgbClr val="FF0000"/>
-                </a:solidFill>
-              </a:rPr>
-              <a:t>Euclid’s Algorithm</a:t>
-            </a:r>
-          </a:p>
-        </p:txBody>
-      </p:sp>
-      <p:grpSp>
-        <p:nvGrpSpPr>
-          <p:cNvPr id="66" name="Group 65"/>
-          <p:cNvGrpSpPr/>
-          <p:nvPr/>
-        </p:nvGrpSpPr>
-        <p:grpSpPr>
-          <a:xfrm>
-            <a:off x="4724400" y="1143000"/>
-            <a:ext cx="3488529" cy="1077218"/>
-            <a:chOff x="4461833" y="1619479"/>
-            <a:chExt cx="3488529" cy="1077218"/>
-          </a:xfrm>
-        </p:grpSpPr>
-        <p:sp>
-          <p:nvSpPr>
-            <p:cNvPr id="64" name="Right Arrow 63"/>
-            <p:cNvSpPr/>
-            <p:nvPr/>
-          </p:nvSpPr>
-          <p:spPr>
-            <a:xfrm>
-              <a:off x="4461833" y="2027104"/>
-              <a:ext cx="716096" cy="209321"/>
-            </a:xfrm>
-            <a:prstGeom prst="rightArrow">
-              <a:avLst/>
-            </a:prstGeom>
-          </p:spPr>
-          <p:style>
-            <a:lnRef idx="2">
-              <a:schemeClr val="accent1">
-                <a:shade val="50000"/>
-              </a:schemeClr>
-            </a:lnRef>
-            <a:fillRef idx="1">
-              <a:schemeClr val="accent1"/>
-            </a:fillRef>
-            <a:effectRef idx="0">
-              <a:schemeClr val="accent1"/>
-            </a:effectRef>
-            <a:fontRef idx="minor">
-              <a:schemeClr val="lt1"/>
-            </a:fontRef>
-          </p:style>
-          <p:txBody>
-            <a:bodyPr rtlCol="0" anchor="ctr"/>
-            <a:lstStyle/>
-            <a:p>
-              <a:pPr algn="ctr"/>
-              <a:endParaRPr lang="en-US"/>
-            </a:p>
-          </p:txBody>
-        </p:sp>
-        <p:sp>
-          <p:nvSpPr>
-            <p:cNvPr id="65" name="TextBox 64"/>
-            <p:cNvSpPr txBox="1"/>
-            <p:nvPr/>
-          </p:nvSpPr>
-          <p:spPr>
-            <a:xfrm>
-              <a:off x="5409282" y="1619479"/>
-              <a:ext cx="2541080" cy="1077218"/>
-            </a:xfrm>
-            <a:prstGeom prst="rect">
-              <a:avLst/>
-            </a:prstGeom>
-            <a:noFill/>
-            <a:ln>
-              <a:solidFill>
-                <a:schemeClr val="accent1"/>
-              </a:solidFill>
-            </a:ln>
-          </p:spPr>
-          <p:txBody>
-            <a:bodyPr wrap="none" rtlCol="0">
-              <a:spAutoFit/>
-            </a:bodyPr>
-            <a:lstStyle/>
-            <a:p>
-              <a:r>
-                <a:rPr lang="en-US" sz="1600" dirty="0" err="1">
-                  <a:solidFill>
-                    <a:srgbClr val="FF0000"/>
-                  </a:solidFill>
-                  <a:latin typeface="Consolas" panose="020B0609020204030204" pitchFamily="49" charset="0"/>
-                  <a:cs typeface="Consolas" panose="020B0609020204030204" pitchFamily="49" charset="0"/>
-                </a:rPr>
-                <a:t>gcd</a:t>
-              </a:r>
-              <a:r>
-                <a:rPr lang="en-US" sz="1600" dirty="0">
-                  <a:solidFill>
-                    <a:srgbClr val="FF0000"/>
-                  </a:solidFill>
-                  <a:latin typeface="Consolas" panose="020B0609020204030204" pitchFamily="49" charset="0"/>
-                  <a:cs typeface="Consolas" panose="020B0609020204030204" pitchFamily="49" charset="0"/>
-                </a:rPr>
-                <a:t>  </a:t>
-              </a:r>
-              <a:r>
-                <a:rPr lang="en-US" sz="1600" dirty="0" err="1">
-                  <a:solidFill>
-                    <a:srgbClr val="FF0000"/>
-                  </a:solidFill>
-                  <a:latin typeface="Consolas" panose="020B0609020204030204" pitchFamily="49" charset="0"/>
-                  <a:cs typeface="Consolas" panose="020B0609020204030204" pitchFamily="49" charset="0"/>
-                </a:rPr>
-                <a:t>CMP</a:t>
-              </a:r>
-              <a:r>
-                <a:rPr lang="en-US" sz="1600" dirty="0">
-                  <a:solidFill>
-                    <a:srgbClr val="FF0000"/>
-                  </a:solidFill>
-                  <a:latin typeface="Consolas" panose="020B0609020204030204" pitchFamily="49" charset="0"/>
-                  <a:cs typeface="Consolas" panose="020B0609020204030204" pitchFamily="49" charset="0"/>
-                </a:rPr>
-                <a:t> r0, r1</a:t>
-              </a:r>
-            </a:p>
-            <a:p>
-              <a:r>
-                <a:rPr lang="en-US" sz="1600" dirty="0">
-                  <a:solidFill>
-                    <a:srgbClr val="FF0000"/>
-                  </a:solidFill>
-                  <a:latin typeface="Consolas" panose="020B0609020204030204" pitchFamily="49" charset="0"/>
-                  <a:cs typeface="Consolas" panose="020B0609020204030204" pitchFamily="49" charset="0"/>
-                </a:rPr>
-                <a:t>     SUBHI r0, r0, r1</a:t>
-              </a:r>
-            </a:p>
-            <a:p>
-              <a:r>
-                <a:rPr lang="en-US" sz="1600" dirty="0">
-                  <a:solidFill>
-                    <a:srgbClr val="FF0000"/>
-                  </a:solidFill>
-                  <a:latin typeface="Consolas" panose="020B0609020204030204" pitchFamily="49" charset="0"/>
-                  <a:cs typeface="Consolas" panose="020B0609020204030204" pitchFamily="49" charset="0"/>
-                </a:rPr>
-                <a:t>     SUBLO r1, r1, r0</a:t>
-              </a:r>
-            </a:p>
-            <a:p>
-              <a:r>
-                <a:rPr lang="en-US" sz="1600" dirty="0">
-                  <a:solidFill>
-                    <a:srgbClr val="FF0000"/>
-                  </a:solidFill>
-                  <a:latin typeface="Consolas" panose="020B0609020204030204" pitchFamily="49" charset="0"/>
-                  <a:cs typeface="Consolas" panose="020B0609020204030204" pitchFamily="49" charset="0"/>
-                </a:rPr>
-                <a:t>     </a:t>
-              </a:r>
-              <a:r>
-                <a:rPr lang="en-US" sz="1600" dirty="0" err="1">
-                  <a:solidFill>
-                    <a:srgbClr val="FF0000"/>
-                  </a:solidFill>
-                  <a:latin typeface="Consolas" panose="020B0609020204030204" pitchFamily="49" charset="0"/>
-                  <a:cs typeface="Consolas" panose="020B0609020204030204" pitchFamily="49" charset="0"/>
-                </a:rPr>
-                <a:t>BNE</a:t>
-              </a:r>
-              <a:r>
-                <a:rPr lang="en-US" sz="1600" dirty="0">
-                  <a:solidFill>
-                    <a:srgbClr val="FF0000"/>
-                  </a:solidFill>
-                  <a:latin typeface="Consolas" panose="020B0609020204030204" pitchFamily="49" charset="0"/>
-                  <a:cs typeface="Consolas" panose="020B0609020204030204" pitchFamily="49" charset="0"/>
-                </a:rPr>
-                <a:t> </a:t>
-              </a:r>
-              <a:r>
-                <a:rPr lang="en-US" sz="1600" dirty="0" err="1">
-                  <a:solidFill>
-                    <a:srgbClr val="FF0000"/>
-                  </a:solidFill>
-                  <a:latin typeface="Consolas" panose="020B0609020204030204" pitchFamily="49" charset="0"/>
-                  <a:cs typeface="Consolas" panose="020B0609020204030204" pitchFamily="49" charset="0"/>
-                </a:rPr>
-                <a:t>gcd</a:t>
-              </a:r>
-              <a:endParaRPr lang="en-US" sz="1600" dirty="0">
-                <a:solidFill>
-                  <a:srgbClr val="FF0000"/>
-                </a:solidFill>
-                <a:latin typeface="Consolas" panose="020B0609020204030204" pitchFamily="49" charset="0"/>
-                <a:cs typeface="Consolas" panose="020B0609020204030204" pitchFamily="49" charset="0"/>
-              </a:endParaRPr>
-            </a:p>
-          </p:txBody>
-        </p:sp>
-      </p:grpSp>
-      <p:sp>
-        <p:nvSpPr>
-          <p:cNvPr id="60" name="TextBox 59"/>
-          <p:cNvSpPr txBox="1"/>
-          <p:nvPr/>
-        </p:nvSpPr>
-        <p:spPr>
-          <a:xfrm>
-            <a:off x="280931" y="1470044"/>
-            <a:ext cx="3944037" cy="1815882"/>
-          </a:xfrm>
-          <a:prstGeom prst="rect">
-            <a:avLst/>
-          </a:prstGeom>
-          <a:noFill/>
-          <a:ln>
-            <a:solidFill>
-              <a:schemeClr val="accent1"/>
-            </a:solidFill>
-          </a:ln>
-        </p:spPr>
-        <p:txBody>
-          <a:bodyPr wrap="square" rtlCol="0">
-            <a:spAutoFit/>
-          </a:bodyPr>
-          <a:lstStyle/>
-          <a:p>
-            <a:r>
-              <a:rPr lang="en-US" sz="1600" dirty="0">
-                <a:latin typeface="Consolas" panose="020B0609020204030204" pitchFamily="49" charset="0"/>
-                <a:cs typeface="Consolas" panose="020B0609020204030204" pitchFamily="49" charset="0"/>
-              </a:rPr>
-              <a:t>uint32_t a, b;</a:t>
-            </a:r>
-          </a:p>
-          <a:p>
-            <a:r>
-              <a:rPr lang="en-US" sz="1600" dirty="0">
-                <a:latin typeface="Consolas" panose="020B0609020204030204" pitchFamily="49" charset="0"/>
-                <a:cs typeface="Consolas" panose="020B0609020204030204" pitchFamily="49" charset="0"/>
-              </a:rPr>
-              <a:t>while (a != b ) {</a:t>
-            </a:r>
-          </a:p>
-          <a:p>
-            <a:r>
-              <a:rPr lang="en-US" sz="1600" dirty="0">
-                <a:latin typeface="Consolas" panose="020B0609020204030204" pitchFamily="49" charset="0"/>
-                <a:cs typeface="Consolas" panose="020B0609020204030204" pitchFamily="49" charset="0"/>
-              </a:rPr>
-              <a:t>    if (a &gt; b) </a:t>
-            </a:r>
-          </a:p>
-          <a:p>
-            <a:r>
-              <a:rPr lang="en-US" sz="1600" dirty="0">
-                <a:latin typeface="Consolas" panose="020B0609020204030204" pitchFamily="49" charset="0"/>
-                <a:cs typeface="Consolas" panose="020B0609020204030204" pitchFamily="49" charset="0"/>
-              </a:rPr>
-              <a:t>       a = a – b; </a:t>
-            </a:r>
-          </a:p>
-          <a:p>
-            <a:r>
-              <a:rPr lang="en-US" sz="1600" dirty="0">
-                <a:latin typeface="Consolas" panose="020B0609020204030204" pitchFamily="49" charset="0"/>
-                <a:cs typeface="Consolas" panose="020B0609020204030204" pitchFamily="49" charset="0"/>
-              </a:rPr>
-              <a:t>    else </a:t>
-            </a:r>
-          </a:p>
-          <a:p>
-            <a:r>
-              <a:rPr lang="en-US" sz="1600" dirty="0">
-                <a:latin typeface="Consolas" panose="020B0609020204030204" pitchFamily="49" charset="0"/>
-                <a:cs typeface="Consolas" panose="020B0609020204030204" pitchFamily="49" charset="0"/>
-              </a:rPr>
-              <a:t>       b = b – a; </a:t>
-            </a:r>
-          </a:p>
-          <a:p>
-            <a:r>
-              <a:rPr lang="en-US" sz="1600" dirty="0">
-                <a:latin typeface="Consolas" panose="020B0609020204030204" pitchFamily="49" charset="0"/>
-                <a:cs typeface="Consolas" panose="020B0609020204030204" pitchFamily="49" charset="0"/>
-              </a:rPr>
-              <a:t>}</a:t>
-            </a:r>
-          </a:p>
-        </p:txBody>
-      </p:sp>
-      <p:sp>
-        <p:nvSpPr>
-          <p:cNvPr id="2" name="Arrow: Curved Right 1">
-            <a:extLst>
-              <a:ext uri="{FF2B5EF4-FFF2-40B4-BE49-F238E27FC236}">
-                <a16:creationId xmlns:a16="http://schemas.microsoft.com/office/drawing/2014/main" id="{63AD5224-522C-18FC-A5C0-4CAEE167F4A7}"/>
-              </a:ext>
-            </a:extLst>
-          </p:cNvPr>
-          <p:cNvSpPr/>
-          <p:nvPr/>
-        </p:nvSpPr>
-        <p:spPr>
-          <a:xfrm>
-            <a:off x="0" y="4343399"/>
-            <a:ext cx="280931" cy="1600201"/>
-          </a:xfrm>
-          <a:prstGeom prst="curvedRightArrow">
-            <a:avLst/>
-          </a:prstGeom>
-          <a:solidFill>
-            <a:srgbClr val="FFFF00"/>
-          </a:solidFill>
-        </p:spPr>
-        <p:style>
-          <a:lnRef idx="2">
-            <a:schemeClr val="accent1">
-              <a:shade val="15000"/>
-            </a:schemeClr>
-          </a:lnRef>
-          <a:fillRef idx="1">
-            <a:schemeClr val="accent1"/>
-          </a:fillRef>
-          <a:effectRef idx="0">
-            <a:schemeClr val="accent1"/>
-          </a:effectRef>
-          <a:fontRef idx="minor">
-            <a:schemeClr val="lt1"/>
-          </a:fontRef>
-        </p:style>
-        <p:txBody>
-          <a:bodyPr rtlCol="0" anchor="ctr"/>
-          <a:lstStyle/>
-          <a:p>
-            <a:pPr algn="ctr"/>
-            <a:endParaRPr lang="en-US">
-              <a:solidFill>
-                <a:schemeClr val="tx1"/>
-              </a:solidFill>
-            </a:endParaRPr>
-          </a:p>
-        </p:txBody>
-      </p:sp>
-      <p:sp>
-        <p:nvSpPr>
-          <p:cNvPr id="3" name="Arrow: Curved Right 2">
-            <a:extLst>
-              <a:ext uri="{FF2B5EF4-FFF2-40B4-BE49-F238E27FC236}">
-                <a16:creationId xmlns:a16="http://schemas.microsoft.com/office/drawing/2014/main" id="{D6951C95-8873-B916-2166-BF641EF82FD2}"/>
-              </a:ext>
-            </a:extLst>
-          </p:cNvPr>
-          <p:cNvSpPr/>
-          <p:nvPr/>
-        </p:nvSpPr>
-        <p:spPr>
-          <a:xfrm>
-            <a:off x="0" y="4569555"/>
-            <a:ext cx="280930" cy="840645"/>
-          </a:xfrm>
-          <a:prstGeom prst="curvedRightArrow">
-            <a:avLst/>
-          </a:prstGeom>
-          <a:solidFill>
-            <a:srgbClr val="FFFF00"/>
-          </a:solidFill>
-        </p:spPr>
-        <p:style>
-          <a:lnRef idx="2">
-            <a:schemeClr val="accent1">
-              <a:shade val="15000"/>
-            </a:schemeClr>
-          </a:lnRef>
-          <a:fillRef idx="1">
-            <a:schemeClr val="accent1"/>
-          </a:fillRef>
-          <a:effectRef idx="0">
-            <a:schemeClr val="accent1"/>
-          </a:effectRef>
-          <a:fontRef idx="minor">
-            <a:schemeClr val="lt1"/>
-          </a:fontRef>
-        </p:style>
-        <p:txBody>
-          <a:bodyPr rtlCol="0" anchor="ctr"/>
-          <a:lstStyle/>
-          <a:p>
-            <a:pPr algn="ctr"/>
-            <a:endParaRPr lang="en-US">
-              <a:solidFill>
-                <a:schemeClr val="tx1"/>
-              </a:solidFill>
-            </a:endParaRPr>
-          </a:p>
-        </p:txBody>
-      </p:sp>
-      <p:sp>
-        <p:nvSpPr>
-          <p:cNvPr id="4" name="Arrow: Curved Right 3">
-            <a:extLst>
-              <a:ext uri="{FF2B5EF4-FFF2-40B4-BE49-F238E27FC236}">
-                <a16:creationId xmlns:a16="http://schemas.microsoft.com/office/drawing/2014/main" id="{BF8ADD12-38AC-2F78-06EF-691CD8EC6539}"/>
-              </a:ext>
-            </a:extLst>
-          </p:cNvPr>
-          <p:cNvSpPr/>
-          <p:nvPr/>
-        </p:nvSpPr>
-        <p:spPr>
-          <a:xfrm flipV="1">
-            <a:off x="660954" y="4034139"/>
-            <a:ext cx="350427" cy="1158346"/>
-          </a:xfrm>
-          <a:prstGeom prst="curvedRightArrow">
-            <a:avLst/>
-          </a:prstGeom>
-        </p:spPr>
-        <p:style>
-          <a:lnRef idx="2">
-            <a:schemeClr val="accent1">
-              <a:shade val="15000"/>
-            </a:schemeClr>
-          </a:lnRef>
-          <a:fillRef idx="1">
-            <a:schemeClr val="accent1"/>
-          </a:fillRef>
-          <a:effectRef idx="0">
-            <a:schemeClr val="accent1"/>
-          </a:effectRef>
-          <a:fontRef idx="minor">
-            <a:schemeClr val="lt1"/>
-          </a:fontRef>
-        </p:style>
-        <p:txBody>
-          <a:bodyPr rtlCol="0" anchor="ctr"/>
-          <a:lstStyle/>
-          <a:p>
-            <a:pPr algn="ctr"/>
-            <a:endParaRPr lang="en-US">
-              <a:solidFill>
-                <a:schemeClr val="tx1"/>
-              </a:solidFill>
-            </a:endParaRPr>
-          </a:p>
-        </p:txBody>
-      </p:sp>
-      <p:sp>
-        <p:nvSpPr>
-          <p:cNvPr id="5" name="Arrow: Curved Right 4">
-            <a:extLst>
-              <a:ext uri="{FF2B5EF4-FFF2-40B4-BE49-F238E27FC236}">
-                <a16:creationId xmlns:a16="http://schemas.microsoft.com/office/drawing/2014/main" id="{CC7A2AF8-E930-2C88-AA7D-100ACAD1C1CD}"/>
-              </a:ext>
-            </a:extLst>
-          </p:cNvPr>
-          <p:cNvSpPr/>
-          <p:nvPr/>
-        </p:nvSpPr>
-        <p:spPr>
-          <a:xfrm flipV="1">
-            <a:off x="643945" y="4023254"/>
-            <a:ext cx="350427" cy="1605023"/>
-          </a:xfrm>
-          <a:prstGeom prst="curvedRightArrow">
-            <a:avLst/>
-          </a:prstGeom>
-        </p:spPr>
-        <p:style>
-          <a:lnRef idx="2">
-            <a:schemeClr val="accent1">
-              <a:shade val="15000"/>
-            </a:schemeClr>
-          </a:lnRef>
-          <a:fillRef idx="1">
-            <a:schemeClr val="accent1"/>
-          </a:fillRef>
-          <a:effectRef idx="0">
-            <a:schemeClr val="accent1"/>
-          </a:effectRef>
-          <a:fontRef idx="minor">
-            <a:schemeClr val="lt1"/>
-          </a:fontRef>
-        </p:style>
-        <p:txBody>
-          <a:bodyPr rtlCol="0" anchor="ctr"/>
-          <a:lstStyle/>
-          <a:p>
-            <a:pPr algn="ctr"/>
-            <a:endParaRPr lang="en-US">
-              <a:solidFill>
-                <a:schemeClr val="tx1"/>
-              </a:solidFill>
-            </a:endParaRPr>
-          </a:p>
-        </p:txBody>
-      </p:sp>
-      <p:sp>
-        <p:nvSpPr>
-          <p:cNvPr id="6" name="内容占位符 2">
-            <a:extLst>
-              <a:ext uri="{FF2B5EF4-FFF2-40B4-BE49-F238E27FC236}">
-                <a16:creationId xmlns:a16="http://schemas.microsoft.com/office/drawing/2014/main" id="{05A93BF7-A206-F2CA-CC13-D14DF785DD1A}"/>
-              </a:ext>
-            </a:extLst>
-          </p:cNvPr>
-          <p:cNvSpPr txBox="1">
-            <a:spLocks/>
-          </p:cNvSpPr>
-          <p:nvPr/>
-        </p:nvSpPr>
-        <p:spPr bwMode="auto">
-          <a:xfrm>
-            <a:off x="4889401" y="2252876"/>
-            <a:ext cx="4106533" cy="4527415"/>
-          </a:xfrm>
-          <a:prstGeom prst="rect">
-            <a:avLst/>
-          </a:prstGeom>
-          <a:solidFill>
-            <a:schemeClr val="bg1">
-              <a:lumMod val="85000"/>
-            </a:schemeClr>
-          </a:solidFill>
-          <a:ln/>
-          <a:extLst>
-            <a:ext uri="{FAA26D3D-D897-4be2-8F04-BA451C77F1D7}">
-              <ma14:placeholderFlag xmlns:ma14="http://schemas.microsoft.com/office/mac/drawingml/2011/main" xmlns="" val="1"/>
-            </a:ext>
-            <a:ext uri="{909E8E84-426E-40dd-AFC4-6F175D3DCCD1}">
-              <a14:hiddenFill xmlns:a14="http://schemas.microsoft.com/office/drawing/2010/main" xmlns="">
-                <a:solidFill>
-                  <a:schemeClr val="bg1"/>
-                </a:solidFill>
-              </a14:hiddenFill>
-            </a:ext>
-            <a:ext uri="{91240B29-F687-4f45-9708-019B960494DF}">
-              <a14:hiddenLine xmlns:a14="http://schemas.microsoft.com/office/drawing/2010/main" xmlns="" w="12700">
-                <a:pattFill prst="narHorz">
-                  <a:fgClr>
-                    <a:schemeClr val="tx1"/>
-                  </a:fgClr>
-                  <a:bgClr>
-                    <a:schemeClr val="bg1"/>
-                  </a:bgClr>
-                </a:pattFill>
-                <a:miter lim="800000"/>
-                <a:headEnd/>
-                <a:tailEnd/>
-              </a14:hiddenLine>
-            </a:ext>
-            <a:ext uri="{AF507438-7753-43e0-B8FC-AC1667EBCBE1}">
-              <a14:hiddenEffects xmlns:a14="http://schemas.microsoft.com/office/drawing/2010/main" xmlns="">
-                <a:effectLst>
-                  <a:outerShdw blurRad="63500" dist="38099" dir="2700000" algn="ctr" rotWithShape="0">
-                    <a:schemeClr val="bg2">
-                      <a:alpha val="74998"/>
-                    </a:schemeClr>
-                  </a:outerShdw>
-                </a:effectLst>
-              </a14:hiddenEffects>
-            </a:ext>
-          </a:extLst>
-        </p:spPr>
-        <p:style>
-          <a:lnRef idx="1">
-            <a:schemeClr val="dk1"/>
-          </a:lnRef>
-          <a:fillRef idx="2">
-            <a:schemeClr val="dk1"/>
-          </a:fillRef>
-          <a:effectRef idx="1">
-            <a:schemeClr val="dk1"/>
-          </a:effectRef>
-          <a:fontRef idx="minor">
-            <a:schemeClr val="dk1"/>
-          </a:fontRef>
-        </p:style>
-        <p:txBody>
-          <a:bodyPr vert="horz" wrap="square" lIns="90478" tIns="44445" rIns="90478" bIns="44445" numCol="1" anchor="t" anchorCtr="0" compatLnSpc="1">
-            <a:prstTxWarp prst="textNoShape">
-              <a:avLst/>
-            </a:prstTxWarp>
-          </a:bodyPr>
-          <a:lstStyle>
-            <a:lvl1pPr marL="285750" indent="-285750" algn="l" rtl="0" eaLnBrk="0" fontAlgn="base" hangingPunct="0">
-              <a:lnSpc>
-                <a:spcPct val="90000"/>
-              </a:lnSpc>
-              <a:spcBef>
-                <a:spcPct val="30000"/>
-              </a:spcBef>
-              <a:spcAft>
-                <a:spcPct val="0"/>
-              </a:spcAft>
-              <a:buSzPct val="100000"/>
-              <a:buChar char="•"/>
-              <a:defRPr sz="2400">
-                <a:solidFill>
-                  <a:schemeClr val="tx1"/>
-                </a:solidFill>
-                <a:latin typeface="Gill Sans" charset="0"/>
-                <a:ea typeface="ＭＳ Ｐゴシック" charset="0"/>
-                <a:cs typeface="Gill Sans" charset="0"/>
-              </a:defRPr>
-            </a:lvl1pPr>
-            <a:lvl2pPr marL="685800" indent="-228600" algn="l" rtl="0" eaLnBrk="0" fontAlgn="base" hangingPunct="0">
-              <a:lnSpc>
-                <a:spcPct val="90000"/>
-              </a:lnSpc>
-              <a:spcBef>
-                <a:spcPct val="30000"/>
-              </a:spcBef>
-              <a:spcAft>
-                <a:spcPct val="0"/>
-              </a:spcAft>
-              <a:buSzPct val="100000"/>
-              <a:buChar char="–"/>
-              <a:defRPr sz="2200">
-                <a:solidFill>
-                  <a:schemeClr val="tx1"/>
-                </a:solidFill>
-                <a:latin typeface="Gill Sans" charset="0"/>
-                <a:ea typeface="Gill Sans" charset="0"/>
-                <a:cs typeface="Gill Sans" charset="0"/>
-              </a:defRPr>
-            </a:lvl2pPr>
-            <a:lvl3pPr marL="1143000" indent="-228600" algn="l" rtl="0" eaLnBrk="0" fontAlgn="base" hangingPunct="0">
-              <a:lnSpc>
-                <a:spcPct val="90000"/>
-              </a:lnSpc>
-              <a:spcBef>
-                <a:spcPct val="30000"/>
-              </a:spcBef>
-              <a:spcAft>
-                <a:spcPct val="0"/>
-              </a:spcAft>
-              <a:buSzPct val="100000"/>
-              <a:buChar char="»"/>
-              <a:defRPr sz="2000">
-                <a:solidFill>
-                  <a:schemeClr val="tx1"/>
-                </a:solidFill>
-                <a:latin typeface="Gill Sans" charset="0"/>
-                <a:ea typeface="Gill Sans" charset="0"/>
-                <a:cs typeface="Gill Sans" charset="0"/>
-              </a:defRPr>
-            </a:lvl3pPr>
-            <a:lvl4pPr marL="1543050" indent="-171450" algn="l" rtl="0" eaLnBrk="0" fontAlgn="base" hangingPunct="0">
-              <a:lnSpc>
-                <a:spcPct val="90000"/>
-              </a:lnSpc>
-              <a:spcBef>
-                <a:spcPct val="30000"/>
-              </a:spcBef>
-              <a:spcAft>
-                <a:spcPct val="0"/>
-              </a:spcAft>
-              <a:buSzPct val="100000"/>
-              <a:buChar char="•"/>
-              <a:defRPr sz="2000">
-                <a:solidFill>
-                  <a:schemeClr val="tx1"/>
-                </a:solidFill>
-                <a:latin typeface="Gill Sans" charset="0"/>
-                <a:ea typeface="Gill Sans" charset="0"/>
-                <a:cs typeface="Gill Sans" charset="0"/>
-              </a:defRPr>
-            </a:lvl4pPr>
-            <a:lvl5pPr marL="2000250" indent="-171450" algn="l" rtl="0" eaLnBrk="0" fontAlgn="base" hangingPunct="0">
-              <a:lnSpc>
-                <a:spcPct val="90000"/>
-              </a:lnSpc>
-              <a:spcBef>
-                <a:spcPct val="30000"/>
-              </a:spcBef>
-              <a:spcAft>
-                <a:spcPct val="0"/>
-              </a:spcAft>
-              <a:buSzPct val="100000"/>
-              <a:buChar char="–"/>
-              <a:defRPr sz="2000">
-                <a:solidFill>
-                  <a:schemeClr val="tx1"/>
-                </a:solidFill>
-                <a:latin typeface="Gill Sans" charset="0"/>
-                <a:ea typeface="Gill Sans" charset="0"/>
-                <a:cs typeface="Gill Sans" charset="0"/>
-              </a:defRPr>
-            </a:lvl5pPr>
-            <a:lvl6pPr marL="2457450" indent="-171450" algn="l" rtl="0" eaLnBrk="0" fontAlgn="base" hangingPunct="0">
-              <a:lnSpc>
-                <a:spcPct val="90000"/>
-              </a:lnSpc>
-              <a:spcBef>
-                <a:spcPct val="30000"/>
-              </a:spcBef>
-              <a:spcAft>
-                <a:spcPct val="0"/>
-              </a:spcAft>
-              <a:buSzPct val="100000"/>
-              <a:buChar char="–"/>
-              <a:defRPr sz="2000" b="1">
-                <a:solidFill>
-                  <a:schemeClr val="tx1"/>
-                </a:solidFill>
-                <a:latin typeface="+mn-lt"/>
-              </a:defRPr>
-            </a:lvl6pPr>
-            <a:lvl7pPr marL="2914650" indent="-171450" algn="l" rtl="0" eaLnBrk="0" fontAlgn="base" hangingPunct="0">
-              <a:lnSpc>
-                <a:spcPct val="90000"/>
-              </a:lnSpc>
-              <a:spcBef>
-                <a:spcPct val="30000"/>
-              </a:spcBef>
-              <a:spcAft>
-                <a:spcPct val="0"/>
-              </a:spcAft>
-              <a:buSzPct val="100000"/>
-              <a:buChar char="–"/>
-              <a:defRPr sz="2000" b="1">
-                <a:solidFill>
-                  <a:schemeClr val="tx1"/>
-                </a:solidFill>
-                <a:latin typeface="+mn-lt"/>
-              </a:defRPr>
-            </a:lvl7pPr>
-            <a:lvl8pPr marL="3371850" indent="-171450" algn="l" rtl="0" eaLnBrk="0" fontAlgn="base" hangingPunct="0">
-              <a:lnSpc>
-                <a:spcPct val="90000"/>
-              </a:lnSpc>
-              <a:spcBef>
-                <a:spcPct val="30000"/>
-              </a:spcBef>
-              <a:spcAft>
-                <a:spcPct val="0"/>
-              </a:spcAft>
-              <a:buSzPct val="100000"/>
-              <a:buChar char="–"/>
-              <a:defRPr sz="2000" b="1">
-                <a:solidFill>
-                  <a:schemeClr val="tx1"/>
-                </a:solidFill>
-                <a:latin typeface="+mn-lt"/>
-              </a:defRPr>
-            </a:lvl8pPr>
-            <a:lvl9pPr marL="3829050" indent="-171450" algn="l" rtl="0" eaLnBrk="0" fontAlgn="base" hangingPunct="0">
-              <a:lnSpc>
-                <a:spcPct val="90000"/>
-              </a:lnSpc>
-              <a:spcBef>
-                <a:spcPct val="30000"/>
-              </a:spcBef>
-              <a:spcAft>
-                <a:spcPct val="0"/>
-              </a:spcAft>
-              <a:buSzPct val="100000"/>
-              <a:buChar char="–"/>
-              <a:defRPr sz="2000" b="1">
-                <a:solidFill>
-                  <a:schemeClr val="tx1"/>
-                </a:solidFill>
-                <a:latin typeface="+mn-lt"/>
-              </a:defRPr>
-            </a:lvl9pPr>
-          </a:lstStyle>
-          <a:p>
-            <a:pPr marL="0" indent="0">
-              <a:buNone/>
-            </a:pPr>
-            <a:r>
-              <a:rPr lang="en-US" sz="1800" b="0" kern="0" dirty="0"/>
-              <a:t>CMP r0, r1 compares r0 and r1, setting Z=1 if r0 == r1, which is the termination condition when tested by BNE later.</a:t>
-            </a:r>
-          </a:p>
-          <a:p>
-            <a:pPr marL="0" indent="0">
-              <a:buNone/>
-            </a:pPr>
-            <a:r>
-              <a:rPr lang="en-US" sz="1800" b="0" kern="0" dirty="0"/>
-              <a:t>SUBHI r0, r0, r1 executes only if the </a:t>
-            </a:r>
-            <a:r>
-              <a:rPr lang="en-US" sz="1800" kern="0" dirty="0"/>
-              <a:t>previous compare </a:t>
-            </a:r>
-            <a:r>
-              <a:rPr lang="en-US" sz="1800" b="0" kern="0" dirty="0"/>
-              <a:t>set HI (unsigned “higher”), i.e., r0 &gt; r1 for </a:t>
-            </a:r>
-            <a:r>
-              <a:rPr lang="en-US" sz="1800" kern="0" dirty="0"/>
-              <a:t>unsigned </a:t>
-            </a:r>
-            <a:r>
-              <a:rPr lang="en-US" sz="1800" kern="0" dirty="0" err="1"/>
-              <a:t>ints</a:t>
-            </a:r>
-            <a:r>
-              <a:rPr lang="en-US" sz="1800" kern="0" dirty="0"/>
-              <a:t> r0 and r1. Flags C=1 and Z=0 (“no borrow” and “not equal”).</a:t>
-            </a:r>
-            <a:endParaRPr lang="en-US" sz="1800" b="0" kern="0" dirty="0"/>
-          </a:p>
-          <a:p>
-            <a:pPr marL="0" indent="0">
-              <a:buNone/>
-            </a:pPr>
-            <a:r>
-              <a:rPr lang="en-US" sz="1800" b="0" kern="0" dirty="0"/>
-              <a:t>SUBLO r1, r1, r0 executes only if the previous compare </a:t>
-            </a:r>
-            <a:r>
-              <a:rPr lang="en-US" sz="1800" kern="0" dirty="0"/>
-              <a:t>of unsigned </a:t>
-            </a:r>
-            <a:r>
-              <a:rPr lang="en-US" sz="1800" kern="0" dirty="0" err="1"/>
-              <a:t>ints</a:t>
-            </a:r>
-            <a:r>
-              <a:rPr lang="en-US" sz="1800" kern="0" dirty="0"/>
-              <a:t> </a:t>
-            </a:r>
-            <a:r>
-              <a:rPr lang="en-US" sz="1800" b="0" kern="0" dirty="0"/>
-              <a:t>set LO (unsigned “lower”), i.e., r0 </a:t>
-            </a:r>
-            <a:r>
-              <a:rPr lang="en-US" sz="1800" kern="0" dirty="0"/>
-              <a:t>&lt; r1 for unsigned </a:t>
-            </a:r>
-            <a:r>
-              <a:rPr lang="en-US" sz="1800" kern="0" dirty="0" err="1"/>
-              <a:t>ints</a:t>
-            </a:r>
-            <a:r>
-              <a:rPr lang="en-US" sz="1800" kern="0" dirty="0"/>
-              <a:t> r0 and r1. Flag C=0 (“borrow”).</a:t>
-            </a:r>
-          </a:p>
-          <a:p>
-            <a:pPr marL="0" indent="0">
-              <a:buNone/>
-            </a:pPr>
-            <a:r>
-              <a:rPr lang="en-US" sz="1800" b="0" kern="0" dirty="0"/>
-              <a:t>BNE </a:t>
-            </a:r>
-            <a:r>
-              <a:rPr lang="en-US" sz="1800" b="0" kern="0" dirty="0" err="1"/>
-              <a:t>gcd</a:t>
-            </a:r>
-            <a:r>
-              <a:rPr lang="en-US" sz="1800" b="0" kern="0" dirty="0"/>
-              <a:t> branches back to the label if Z=0 from the CMP, i.e., while r0 != r1; when they become equal, Z=1 and the loop falls through, leaving r0 == r1 == </a:t>
-            </a:r>
-            <a:r>
-              <a:rPr lang="en-US" sz="1800" b="0" kern="0" dirty="0" err="1"/>
-              <a:t>gcd</a:t>
-            </a:r>
-            <a:r>
-              <a:rPr lang="en-US" sz="1800" b="0" kern="0" dirty="0"/>
-              <a:t>(a, b).</a:t>
-            </a:r>
-            <a:endParaRPr lang="en-GB" sz="1800" b="0" kern="0" dirty="0"/>
-          </a:p>
-        </p:txBody>
-      </p:sp>
-    </p:spTree>
-    <p:extLst>
-      <p:ext uri="{BB962C8B-B14F-4D97-AF65-F5344CB8AC3E}">
-        <p14:creationId xmlns:p14="http://schemas.microsoft.com/office/powerpoint/2010/main" val="4015228595"/>
-      </p:ext>
-    </p:extLst>
-  </p:cSld>
-  <p:clrMapOvr>
-    <a:masterClrMapping/>
-  </p:clrMapOvr>
-  <p:transition/>
-  <p:timing>
-    <p:tnLst>
-      <p:par>
-        <p:cTn id="1" dur="indefinite" restart="never" nodeType="tmRoot">
-          <p:childTnLst>
-            <p:seq concurrent="1" nextAc="seek">
-              <p:cTn id="2" dur="indefinite" nodeType="mainSeq">
-                <p:childTnLst>
-                  <p:par>
-                    <p:cTn id="3" fill="hold">
-                      <p:stCondLst>
-                        <p:cond delay="indefinite"/>
-                      </p:stCondLst>
-                      <p:childTnLst>
-                        <p:par>
-                          <p:cTn id="4" fill="hold">
-                            <p:stCondLst>
-                              <p:cond delay="0"/>
-                            </p:stCondLst>
-                            <p:childTnLst>
-                              <p:par>
-                                <p:cTn id="5" presetID="1" presetClass="entr" presetSubtype="0" fill="hold" nodeType="clickEffect">
-                                  <p:stCondLst>
-                                    <p:cond delay="0"/>
-                                  </p:stCondLst>
-                                  <p:childTnLst>
-                                    <p:set>
-                                      <p:cBhvr>
-                                        <p:cTn id="6" dur="1" fill="hold">
-                                          <p:stCondLst>
-                                            <p:cond delay="0"/>
-                                          </p:stCondLst>
-                                        </p:cTn>
-                                        <p:tgtEl>
-                                          <p:spTgt spid="66"/>
-                                        </p:tgtEl>
-                                        <p:attrNameLst>
-                                          <p:attrName>style.visibility</p:attrName>
-                                        </p:attrNameLst>
-                                      </p:cBhvr>
-                                      <p:to>
-                                        <p:strVal val="visible"/>
-                                      </p:to>
-                                    </p:set>
-                                  </p:childTnLst>
-                                </p:cTn>
-                              </p:par>
-                            </p:childTnLst>
-                          </p:cTn>
-                        </p:par>
-                      </p:childTnLst>
-                    </p:cTn>
-                  </p:par>
-                </p:childTnLst>
-              </p:cTn>
-              <p:prevCondLst>
-                <p:cond evt="onPrev" delay="0">
-                  <p:tgtEl>
-                    <p:sldTgt/>
-                  </p:tgtEl>
-                </p:cond>
-              </p:prevCondLst>
-              <p:nextCondLst>
-                <p:cond evt="onNext" delay="0">
-                  <p:tgtEl>
-                    <p:sldTgt/>
-                  </p:tgtEl>
-                </p:cond>
-              </p:nextCondLst>
-            </p:seq>
-          </p:childTnLst>
-        </p:cTn>
-      </p:par>
-    </p:tnLst>
-  </p:timing>
-</p:sld>
-</file>
-
 <file path=ppt/slides/slide36.xml><?xml version="1.0" encoding="utf-8"?>
 <p:sld xmlns:a="http://schemas.openxmlformats.org/drawingml/2006/main" xmlns:r="http://schemas.openxmlformats.org/officeDocument/2006/relationships" xmlns:p="http://schemas.openxmlformats.org/presentationml/2006/main">
   <p:cSld>
@@ -37308,7 +36411,7 @@
           <a:p>
             <a:r>
               <a:rPr lang="en-US" dirty="0"/>
-              <a:t>Example 2</a:t>
+              <a:t>Example</a:t>
             </a:r>
           </a:p>
         </p:txBody>
@@ -37865,17 +36968,17 @@
           <a:ln/>
           <a:extLst>
             <a:ext uri="{FAA26D3D-D897-4be2-8F04-BA451C77F1D7}">
-              <ma14:placeholderFlag xmlns:ma14="http://schemas.microsoft.com/office/mac/drawingml/2011/main" xmlns="" val="1"/>
+              <ma14:placeholderFlag xmlns="" xmlns:ma14="http://schemas.microsoft.com/office/mac/drawingml/2011/main" val="1"/>
             </a:ext>
             <a:ext uri="{909E8E84-426E-40dd-AFC4-6F175D3DCCD1}">
-              <a14:hiddenFill xmlns:a14="http://schemas.microsoft.com/office/drawing/2010/main" xmlns="">
+              <a14:hiddenFill xmlns="" xmlns:a14="http://schemas.microsoft.com/office/drawing/2010/main">
                 <a:solidFill>
                   <a:schemeClr val="bg1"/>
                 </a:solidFill>
               </a14:hiddenFill>
             </a:ext>
             <a:ext uri="{91240B29-F687-4f45-9708-019B960494DF}">
-              <a14:hiddenLine xmlns:a14="http://schemas.microsoft.com/office/drawing/2010/main" xmlns="" w="12700">
+              <a14:hiddenLine xmlns="" xmlns:a14="http://schemas.microsoft.com/office/drawing/2010/main" w="12700">
                 <a:pattFill prst="narHorz">
                   <a:fgClr>
                     <a:schemeClr val="tx1"/>
@@ -37890,7 +36993,7 @@
               </a14:hiddenLine>
             </a:ext>
             <a:ext uri="{AF507438-7753-43e0-B8FC-AC1667EBCBE1}">
-              <a14:hiddenEffects xmlns:a14="http://schemas.microsoft.com/office/drawing/2010/main" xmlns="">
+              <a14:hiddenEffects xmlns="" xmlns:a14="http://schemas.microsoft.com/office/drawing/2010/main">
                 <a:effectLst>
                   <a:outerShdw blurRad="63500" dist="38099" dir="2700000" algn="ctr" rotWithShape="0">
                     <a:schemeClr val="bg2">
@@ -45417,7 +44520,7 @@
                         </a:spcAft>
                       </a:pPr>
                       <a:r>
-                        <a:rPr lang="en-US" sz="2400">
+                        <a:rPr lang="en-US" sz="2400" dirty="0">
                           <a:solidFill>
                             <a:srgbClr val="FF0000"/>
                           </a:solidFill>
@@ -45426,7 +44529,7 @@
                         </a:rPr>
                         <a:t>TEQ</a:t>
                       </a:r>
-                      <a:endParaRPr lang="en-US" sz="2400">
+                      <a:endParaRPr lang="en-US" sz="2400" dirty="0">
                         <a:solidFill>
                           <a:srgbClr val="FF0000"/>
                         </a:solidFill>
@@ -45781,8 +44884,8 @@
           </a:p>
         </p:txBody>
       </p:sp>
-      <mc:AlternateContent xmlns:mc="http://schemas.openxmlformats.org/markup-compatibility/2006">
-        <mc:Choice xmlns:a14="http://schemas.microsoft.com/office/drawing/2010/main" Requires="a14">
+      <mc:AlternateContent xmlns:mc="http://schemas.openxmlformats.org/markup-compatibility/2006" xmlns:a14="http://schemas.microsoft.com/office/drawing/2010/main">
+        <mc:Choice Requires="a14">
           <p:sp>
             <p:nvSpPr>
               <p:cNvPr id="5" name="Content Placeholder 4"/>
@@ -46097,7 +45200,7 @@
             </p:txBody>
           </p:sp>
         </mc:Choice>
-        <mc:Fallback>
+        <mc:Fallback xmlns="">
           <p:sp>
             <p:nvSpPr>
               <p:cNvPr id="5" name="Content Placeholder 4"/>
@@ -47586,7 +46689,7 @@
             </p:txBody>
           </p:sp>
         </mc:Choice>
-        <mc:Fallback xmlns:mv="urn:schemas-microsoft-com:mac:vml" xmlns="">
+        <mc:Fallback xmlns="" xmlns:mv="urn:schemas-microsoft-com:mac:vml">
           <p:sp>
             <p:nvSpPr>
               <p:cNvPr id="6" name="TextBox 5"/>
@@ -47769,193 +46872,280 @@
           </a:p>
         </p:txBody>
       </p:sp>
-      <p:sp>
-        <p:nvSpPr>
-          <p:cNvPr id="4" name="Content Placeholder 3"/>
-          <p:cNvSpPr>
-            <a:spLocks noGrp="1"/>
-          </p:cNvSpPr>
-          <p:nvPr>
-            <p:ph sz="quarter" idx="1"/>
-          </p:nvPr>
-        </p:nvSpPr>
-        <p:spPr>
-          <a:xfrm>
-            <a:off x="457200" y="1447800"/>
-            <a:ext cx="8229600" cy="4709160"/>
-          </a:xfrm>
-        </p:spPr>
-        <p:txBody>
-          <a:bodyPr>
-            <a:normAutofit/>
-          </a:bodyPr>
-          <a:lstStyle/>
-          <a:p>
-            <a:pPr marL="0" indent="0">
-              <a:buNone/>
-            </a:pPr>
-            <a:r>
-              <a:rPr lang="en-US" sz="2400" b="1" dirty="0">
-                <a:solidFill>
-                  <a:srgbClr val="FF0000"/>
-                </a:solidFill>
-                <a:latin typeface="Consolas" panose="020B0609020204030204" pitchFamily="49" charset="0"/>
-              </a:rPr>
-              <a:t>   TST</a:t>
-            </a:r>
-            <a:r>
-              <a:rPr lang="en-US" sz="2400" b="1" dirty="0">
-                <a:latin typeface="Consolas" panose="020B0609020204030204" pitchFamily="49" charset="0"/>
-              </a:rPr>
-              <a:t> Rn, Operand2  </a:t>
-            </a:r>
-            <a:r>
-              <a:rPr lang="en-US" sz="2400" b="1" dirty="0">
-                <a:solidFill>
-                  <a:schemeClr val="bg1">
-                    <a:lumMod val="50000"/>
-                  </a:schemeClr>
-                </a:solidFill>
-                <a:latin typeface="Consolas" panose="020B0609020204030204" pitchFamily="49" charset="0"/>
-              </a:rPr>
-              <a:t>; Bitwise AND</a:t>
-            </a:r>
-          </a:p>
-          <a:p>
-            <a:pPr marL="0" indent="0">
-              <a:buNone/>
-            </a:pPr>
-            <a:r>
-              <a:rPr lang="en-US" sz="2400" b="1" dirty="0">
-                <a:solidFill>
-                  <a:srgbClr val="FF0000"/>
-                </a:solidFill>
-                <a:latin typeface="Consolas" panose="020B0609020204030204" pitchFamily="49" charset="0"/>
-              </a:rPr>
-              <a:t>   TEQ</a:t>
-            </a:r>
-            <a:r>
-              <a:rPr lang="en-US" sz="2400" b="1" dirty="0">
-                <a:latin typeface="Consolas" panose="020B0609020204030204" pitchFamily="49" charset="0"/>
-              </a:rPr>
-              <a:t> Rn, Operand2  </a:t>
-            </a:r>
-            <a:r>
-              <a:rPr lang="en-US" sz="2400" b="1" dirty="0">
-                <a:solidFill>
-                  <a:schemeClr val="bg1">
-                    <a:lumMod val="50000"/>
-                  </a:schemeClr>
-                </a:solidFill>
-                <a:latin typeface="Consolas" panose="020B0609020204030204" pitchFamily="49" charset="0"/>
-              </a:rPr>
-              <a:t>; Bitwise Exclusive OR</a:t>
-            </a:r>
-          </a:p>
-          <a:p>
-            <a:pPr marL="0" indent="0" algn="ctr">
-              <a:buNone/>
-            </a:pPr>
-            <a:endParaRPr lang="en-US" sz="1400" dirty="0"/>
-          </a:p>
-          <a:p>
-            <a:r>
-              <a:rPr lang="en-US" sz="2000" dirty="0">
-                <a:solidFill>
-                  <a:srgbClr val="FF0000"/>
-                </a:solidFill>
-              </a:rPr>
-              <a:t>Update N and Z </a:t>
-            </a:r>
-            <a:r>
-              <a:rPr lang="en-US" sz="2000" dirty="0"/>
-              <a:t>according to the result</a:t>
-            </a:r>
-          </a:p>
-          <a:p>
-            <a:r>
-              <a:rPr lang="en-US" sz="2000" dirty="0"/>
-              <a:t>Can update C during the calculation of Operand2 </a:t>
-            </a:r>
-          </a:p>
-          <a:p>
-            <a:r>
-              <a:rPr lang="en-US" sz="2000" dirty="0"/>
-              <a:t>Do not affect V</a:t>
-            </a:r>
-          </a:p>
-          <a:p>
-            <a:r>
-              <a:rPr lang="en-US" sz="2000" dirty="0"/>
-              <a:t>TST performs </a:t>
-            </a:r>
-            <a:r>
-              <a:rPr lang="en-US" sz="2000" dirty="0">
-                <a:solidFill>
-                  <a:srgbClr val="FF0000"/>
-                </a:solidFill>
-              </a:rPr>
-              <a:t>bitwise AND </a:t>
-            </a:r>
-            <a:r>
-              <a:rPr lang="en-US" sz="2000" dirty="0"/>
-              <a:t>on Rn and Operand2. </a:t>
-            </a:r>
-          </a:p>
-          <a:p>
-            <a:pPr lvl="1"/>
-            <a:r>
-              <a:rPr lang="en-US" sz="1800" dirty="0"/>
-              <a:t>Same as </a:t>
-            </a:r>
-            <a:r>
-              <a:rPr lang="en-US" sz="1800" dirty="0">
-                <a:latin typeface="Consolas" panose="020B0609020204030204" pitchFamily="49" charset="0"/>
-              </a:rPr>
-              <a:t>ANDS</a:t>
-            </a:r>
-            <a:r>
-              <a:rPr lang="en-US" sz="1800" dirty="0"/>
-              <a:t>, except result is discarded.</a:t>
-            </a:r>
-          </a:p>
-          <a:p>
-            <a:r>
-              <a:rPr lang="en-US" sz="2000" dirty="0"/>
-              <a:t>TEQ performs </a:t>
-            </a:r>
-            <a:r>
-              <a:rPr lang="en-US" sz="2000" dirty="0">
-                <a:solidFill>
-                  <a:srgbClr val="FF0000"/>
-                </a:solidFill>
-              </a:rPr>
-              <a:t>bitwise Exclusive OR </a:t>
-            </a:r>
-            <a:r>
-              <a:rPr lang="en-US" sz="2000" dirty="0"/>
-              <a:t>on Rn and Operand2.</a:t>
-            </a:r>
-          </a:p>
-          <a:p>
-            <a:pPr lvl="1"/>
-            <a:r>
-              <a:rPr lang="en-US" sz="1800" dirty="0"/>
-              <a:t>Same as </a:t>
-            </a:r>
-            <a:r>
-              <a:rPr lang="en-US" sz="1800" dirty="0">
-                <a:latin typeface="Consolas" panose="020B0609020204030204" pitchFamily="49" charset="0"/>
-              </a:rPr>
-              <a:t>EORS</a:t>
-            </a:r>
-            <a:r>
-              <a:rPr lang="en-US" sz="1800" dirty="0"/>
-              <a:t>, except result is discarded.</a:t>
-            </a:r>
-          </a:p>
-        </p:txBody>
-      </p:sp>
+      <mc:AlternateContent xmlns:mc="http://schemas.openxmlformats.org/markup-compatibility/2006">
+        <mc:Choice xmlns:a14="http://schemas.microsoft.com/office/drawing/2010/main" Requires="a14">
+          <p:sp>
+            <p:nvSpPr>
+              <p:cNvPr id="4" name="Content Placeholder 3"/>
+              <p:cNvSpPr>
+                <a:spLocks noGrp="1"/>
+              </p:cNvSpPr>
+              <p:nvPr>
+                <p:ph sz="quarter" idx="1"/>
+              </p:nvPr>
+            </p:nvSpPr>
+            <p:spPr>
+              <a:xfrm>
+                <a:off x="457200" y="1447800"/>
+                <a:ext cx="6629400" cy="4709160"/>
+              </a:xfrm>
+            </p:spPr>
+            <p:txBody>
+              <a:bodyPr>
+                <a:normAutofit fontScale="92500" lnSpcReduction="20000"/>
+              </a:bodyPr>
+              <a:lstStyle/>
+              <a:p>
+                <a:pPr marL="0" indent="0">
+                  <a:buNone/>
+                </a:pPr>
+                <a:r>
+                  <a:rPr lang="en-US" sz="2400" b="1" dirty="0">
+                    <a:solidFill>
+                      <a:srgbClr val="FF0000"/>
+                    </a:solidFill>
+                    <a:latin typeface="Consolas" panose="020B0609020204030204" pitchFamily="49" charset="0"/>
+                  </a:rPr>
+                  <a:t>   TST</a:t>
+                </a:r>
+                <a:r>
+                  <a:rPr lang="en-US" sz="2400" b="1" dirty="0">
+                    <a:latin typeface="Consolas" panose="020B0609020204030204" pitchFamily="49" charset="0"/>
+                  </a:rPr>
+                  <a:t> Rn, Operand2  </a:t>
+                </a:r>
+                <a:r>
+                  <a:rPr lang="en-US" sz="2400" b="1" dirty="0">
+                    <a:solidFill>
+                      <a:schemeClr val="bg1">
+                        <a:lumMod val="50000"/>
+                      </a:schemeClr>
+                    </a:solidFill>
+                    <a:latin typeface="Consolas" panose="020B0609020204030204" pitchFamily="49" charset="0"/>
+                  </a:rPr>
+                  <a:t>; Bitwise AND</a:t>
+                </a:r>
+              </a:p>
+              <a:p>
+                <a:pPr marL="0" indent="0">
+                  <a:buNone/>
+                </a:pPr>
+                <a:r>
+                  <a:rPr lang="en-US" sz="2400" b="1" dirty="0">
+                    <a:solidFill>
+                      <a:srgbClr val="FF0000"/>
+                    </a:solidFill>
+                    <a:latin typeface="Consolas" panose="020B0609020204030204" pitchFamily="49" charset="0"/>
+                  </a:rPr>
+                  <a:t>   TEQ</a:t>
+                </a:r>
+                <a:r>
+                  <a:rPr lang="en-US" sz="2400" b="1" dirty="0">
+                    <a:latin typeface="Consolas" panose="020B0609020204030204" pitchFamily="49" charset="0"/>
+                  </a:rPr>
+                  <a:t> Rn, Operand2  </a:t>
+                </a:r>
+                <a:r>
+                  <a:rPr lang="en-US" sz="2400" b="1" dirty="0">
+                    <a:solidFill>
+                      <a:schemeClr val="bg1">
+                        <a:lumMod val="50000"/>
+                      </a:schemeClr>
+                    </a:solidFill>
+                    <a:latin typeface="Consolas" panose="020B0609020204030204" pitchFamily="49" charset="0"/>
+                  </a:rPr>
+                  <a:t>; Bitwise Exclusive OR</a:t>
+                </a:r>
+              </a:p>
+              <a:p>
+                <a:pPr marL="0" indent="0" algn="ctr">
+                  <a:buNone/>
+                </a:pPr>
+                <a:endParaRPr lang="en-US" sz="1400" dirty="0"/>
+              </a:p>
+              <a:p>
+                <a:r>
+                  <a:rPr lang="en-US" sz="2000" dirty="0">
+                    <a:solidFill>
+                      <a:srgbClr val="FF0000"/>
+                    </a:solidFill>
+                  </a:rPr>
+                  <a:t>Update N and Z </a:t>
+                </a:r>
+                <a:r>
+                  <a:rPr lang="en-US" sz="2000" dirty="0"/>
+                  <a:t>according to the result</a:t>
+                </a:r>
+              </a:p>
+              <a:p>
+                <a:r>
+                  <a:rPr lang="en-US" sz="2000" dirty="0"/>
+                  <a:t>Can update C during the calculation of Operand2 </a:t>
+                </a:r>
+              </a:p>
+              <a:p>
+                <a:r>
+                  <a:rPr lang="en-US" sz="2000" dirty="0"/>
+                  <a:t>Do not affect V</a:t>
+                </a:r>
+              </a:p>
+              <a:p>
+                <a:r>
+                  <a:rPr lang="en-US" sz="2000" dirty="0"/>
+                  <a:t>TST performs </a:t>
+                </a:r>
+                <a:r>
+                  <a:rPr lang="en-US" sz="2000" dirty="0">
+                    <a:solidFill>
+                      <a:srgbClr val="FF0000"/>
+                    </a:solidFill>
+                  </a:rPr>
+                  <a:t>bitwise AND </a:t>
+                </a:r>
+                <a:r>
+                  <a:rPr lang="en-US" sz="2000" dirty="0"/>
+                  <a:t>on Rn and Operand2. </a:t>
+                </a:r>
+              </a:p>
+              <a:p>
+                <a:pPr lvl="1"/>
+                <a:r>
+                  <a:rPr lang="en-US" sz="1800" dirty="0"/>
+                  <a:t>Same as </a:t>
+                </a:r>
+                <a:r>
+                  <a:rPr lang="en-US" sz="1800" dirty="0">
+                    <a:latin typeface="Consolas" panose="020B0609020204030204" pitchFamily="49" charset="0"/>
+                  </a:rPr>
+                  <a:t>ANDS</a:t>
+                </a:r>
+                <a:r>
+                  <a:rPr lang="en-US" sz="1800" dirty="0"/>
+                  <a:t>, except result is discarded.</a:t>
+                </a:r>
+              </a:p>
+              <a:p>
+                <a:pPr lvl="1"/>
+                <a:r>
+                  <a:rPr lang="en-US" sz="1800" dirty="0"/>
+                  <a:t>Use Operand2 as a mask; Z=0 implies “some masked bit(s) are set, so result is non-zero” Z=1 implies “none of the masked bit(s) are set, so result is zero.” For a single-bit mask, Z=0 means “that bit in Rn is 1,” and Z=1 means “that bit is 0.”</a:t>
+                </a:r>
+              </a:p>
+              <a:p>
+                <a:r>
+                  <a:rPr lang="en-US" sz="2000" dirty="0"/>
+                  <a:t> TEQ performs </a:t>
+                </a:r>
+                <a:r>
+                  <a:rPr lang="en-US" sz="2000" dirty="0">
+                    <a:solidFill>
+                      <a:srgbClr val="FF0000"/>
+                    </a:solidFill>
+                  </a:rPr>
+                  <a:t>bitwise Exclusive OR </a:t>
+                </a:r>
+                <a:r>
+                  <a:rPr lang="en-US" sz="2000" dirty="0"/>
+                  <a:t>on Rn and Operand2.</a:t>
+                </a:r>
+              </a:p>
+              <a:p>
+                <a:pPr lvl="1"/>
+                <a:r>
+                  <a:rPr lang="en-US" sz="1800" dirty="0"/>
+                  <a:t>Same as </a:t>
+                </a:r>
+                <a:r>
+                  <a:rPr lang="en-US" sz="1800" dirty="0">
+                    <a:latin typeface="Consolas" panose="020B0609020204030204" pitchFamily="49" charset="0"/>
+                  </a:rPr>
+                  <a:t>EORS</a:t>
+                </a:r>
+                <a:r>
+                  <a:rPr lang="en-US" sz="1800" dirty="0"/>
+                  <a:t>, except result is discarded.</a:t>
+                </a:r>
+              </a:p>
+              <a:p>
+                <a:pPr lvl="1"/>
+                <a:r>
+                  <a:rPr lang="en-US" sz="1800" dirty="0"/>
+                  <a:t>If Rn and Operand2 are equal, then </a:t>
+                </a:r>
+                <a14:m>
+                  <m:oMath xmlns:m="http://schemas.openxmlformats.org/officeDocument/2006/math">
+                    <m:r>
+                      <a:rPr lang="en-US" sz="1800">
+                        <a:latin typeface="Cambria Math" panose="02040503050406030204" pitchFamily="18" charset="0"/>
+                      </a:rPr>
+                      <m:t>𝑅𝑛</m:t>
+                    </m:r>
+                    <m:r>
+                      <a:rPr lang="en-US" sz="1800">
+                        <a:latin typeface="Cambria Math" panose="02040503050406030204" pitchFamily="18" charset="0"/>
+                      </a:rPr>
+                      <m:t>⊕</m:t>
+                    </m:r>
+                    <m:r>
+                      <a:rPr lang="en-US" sz="1800">
+                        <a:latin typeface="Cambria Math" panose="02040503050406030204" pitchFamily="18" charset="0"/>
+                      </a:rPr>
+                      <m:t>𝑂𝑝𝑒𝑟𝑎𝑛𝑑</m:t>
+                    </m:r>
+                    <m:r>
+                      <a:rPr lang="en-US" sz="1800">
+                        <a:latin typeface="Cambria Math" panose="02040503050406030204" pitchFamily="18" charset="0"/>
+                      </a:rPr>
+                      <m:t>2</m:t>
+                    </m:r>
+                  </m:oMath>
+                </a14:m>
+                <a:r>
+                  <a:rPr lang="en-US" sz="1800" dirty="0"/>
+                  <a:t> is zero, and Z is set to 1; otherwise Z is cleared.</a:t>
+                </a:r>
+              </a:p>
+            </p:txBody>
+          </p:sp>
+        </mc:Choice>
+        <mc:Fallback>
+          <p:sp>
+            <p:nvSpPr>
+              <p:cNvPr id="4" name="Content Placeholder 3"/>
+              <p:cNvSpPr>
+                <a:spLocks noGrp="1" noRot="1" noChangeAspect="1" noMove="1" noResize="1" noEditPoints="1" noAdjustHandles="1" noChangeArrowheads="1" noChangeShapeType="1" noTextEdit="1"/>
+              </p:cNvSpPr>
+              <p:nvPr>
+                <p:ph sz="quarter" idx="1"/>
+              </p:nvPr>
+            </p:nvSpPr>
+            <p:spPr>
+              <a:xfrm>
+                <a:off x="457200" y="1447800"/>
+                <a:ext cx="6629400" cy="4709160"/>
+              </a:xfrm>
+              <a:blipFill>
+                <a:blip r:embed="rId3"/>
+                <a:stretch>
+                  <a:fillRect l="-1195" t="-2202" r="-92" b="-648"/>
+                </a:stretch>
+              </a:blipFill>
+            </p:spPr>
+            <p:txBody>
+              <a:bodyPr/>
+              <a:lstStyle/>
+              <a:p>
+                <a:r>
+                  <a:rPr lang="en-US">
+                    <a:noFill/>
+                  </a:rPr>
+                  <a:t> </a:t>
+                </a:r>
+              </a:p>
+            </p:txBody>
+          </p:sp>
+        </mc:Fallback>
+      </mc:AlternateContent>
       <p:graphicFrame>
         <p:nvGraphicFramePr>
           <p:cNvPr id="5" name="Table 4">
